--- a/DLR/KDahlby.201006.KCDC.DLR.pptx
+++ b/DLR/KDahlby.201006.KCDC.DLR.pptx
@@ -4150,7 +4150,7 @@
               <a:pPr>
                 <a:defRPr/>
               </a:pPr>
-              <a:t>6/13/2010</a:t>
+              <a:t>6/18/2010</a:t>
             </a:fld>
             <a:endParaRPr lang="en-US" dirty="0"/>
           </a:p>
@@ -6543,7 +6543,7 @@
                 </a:spcAft>
                 <a:defRPr/>
               </a:pPr>
-              <a:t>6/13/2010 12:09 PM</a:t>
+              <a:t>6/18/2010 12:13 AM</a:t>
             </a:fld>
             <a:endParaRPr lang="en-US"/>
           </a:p>
@@ -7650,7 +7650,7 @@
               <a:pPr>
                 <a:defRPr/>
               </a:pPr>
-              <a:t>6/13/2010</a:t>
+              <a:t>6/18/2010</a:t>
             </a:fld>
             <a:endParaRPr lang="en-US"/>
           </a:p>
@@ -7845,7 +7845,7 @@
               <a:pPr>
                 <a:defRPr/>
               </a:pPr>
-              <a:t>6/13/2010</a:t>
+              <a:t>6/18/2010</a:t>
             </a:fld>
             <a:endParaRPr lang="en-US" dirty="0"/>
           </a:p>
@@ -8050,7 +8050,7 @@
               <a:pPr>
                 <a:defRPr/>
               </a:pPr>
-              <a:t>6/13/2010</a:t>
+              <a:t>6/18/2010</a:t>
             </a:fld>
             <a:endParaRPr lang="en-US" dirty="0"/>
           </a:p>
@@ -8438,7 +8438,7 @@
               <a:pPr>
                 <a:defRPr/>
               </a:pPr>
-              <a:t>6/13/2010</a:t>
+              <a:t>6/18/2010</a:t>
             </a:fld>
             <a:endParaRPr lang="en-US" dirty="0"/>
           </a:p>
@@ -8710,7 +8710,7 @@
               <a:pPr>
                 <a:defRPr/>
               </a:pPr>
-              <a:t>6/13/2010</a:t>
+              <a:t>6/18/2010</a:t>
             </a:fld>
             <a:endParaRPr lang="en-US"/>
           </a:p>
@@ -9004,7 +9004,7 @@
               <a:pPr>
                 <a:defRPr/>
               </a:pPr>
-              <a:t>6/13/2010</a:t>
+              <a:t>6/18/2010</a:t>
             </a:fld>
             <a:endParaRPr lang="en-US" dirty="0"/>
           </a:p>
@@ -9412,7 +9412,7 @@
               <a:pPr>
                 <a:defRPr/>
               </a:pPr>
-              <a:t>6/13/2010</a:t>
+              <a:t>6/18/2010</a:t>
             </a:fld>
             <a:endParaRPr lang="en-US" dirty="0"/>
           </a:p>
@@ -9592,7 +9592,7 @@
               <a:pPr>
                 <a:defRPr/>
               </a:pPr>
-              <a:t>6/13/2010</a:t>
+              <a:t>6/18/2010</a:t>
             </a:fld>
             <a:endParaRPr lang="en-US" dirty="0"/>
           </a:p>
@@ -9712,7 +9712,7 @@
               <a:pPr>
                 <a:defRPr/>
               </a:pPr>
-              <a:t>6/13/2010</a:t>
+              <a:t>6/18/2010</a:t>
             </a:fld>
             <a:endParaRPr lang="en-US" dirty="0"/>
           </a:p>
@@ -10003,7 +10003,7 @@
               <a:pPr>
                 <a:defRPr/>
               </a:pPr>
-              <a:t>6/13/2010</a:t>
+              <a:t>6/18/2010</a:t>
             </a:fld>
             <a:endParaRPr lang="en-US" dirty="0"/>
           </a:p>
@@ -10648,7 +10648,7 @@
               <a:pPr>
                 <a:defRPr/>
               </a:pPr>
-              <a:t>6/13/2010</a:t>
+              <a:t>6/18/2010</a:t>
             </a:fld>
             <a:endParaRPr lang="en-US"/>
           </a:p>
@@ -11173,7 +11173,7 @@
               <a:pPr>
                 <a:defRPr/>
               </a:pPr>
-              <a:t>6/13/2010</a:t>
+              <a:t>6/18/2010</a:t>
             </a:fld>
             <a:endParaRPr lang="en-US" dirty="0"/>
           </a:p>
@@ -15672,6 +15672,9 @@
           <a:solidFill>
             <a:srgbClr val="FFFF99"/>
           </a:solidFill>
+          <a:ln>
+            <a:noFill/>
+          </a:ln>
         </p:spPr>
         <p:style>
           <a:lnRef idx="1">
@@ -16065,6 +16068,9 @@
           <a:solidFill>
             <a:srgbClr val="FFFF99"/>
           </a:solidFill>
+          <a:ln>
+            <a:noFill/>
+          </a:ln>
         </p:spPr>
         <p:style>
           <a:lnRef idx="1">
@@ -16239,6 +16245,9 @@
           <a:solidFill>
             <a:srgbClr val="FFFF99"/>
           </a:solidFill>
+          <a:ln>
+            <a:noFill/>
+          </a:ln>
         </p:spPr>
         <p:style>
           <a:lnRef idx="1">
@@ -16448,7 +16457,6 @@
               <a:rPr lang="en-US" smtClean="0"/>
               <a:t>Dynamically Typed Objects</a:t>
             </a:r>
-            <a:endParaRPr lang="en-US" smtClean="0"/>
           </a:p>
         </p:txBody>
       </p:sp>
@@ -17047,6 +17055,9 @@
           <a:solidFill>
             <a:srgbClr val="FFFF99"/>
           </a:solidFill>
+          <a:ln>
+            <a:noFill/>
+          </a:ln>
         </p:spPr>
         <p:style>
           <a:lnRef idx="1">
@@ -17792,6 +17803,9 @@
           <a:solidFill>
             <a:srgbClr val="FFFF99"/>
           </a:solidFill>
+          <a:ln>
+            <a:noFill/>
+          </a:ln>
         </p:spPr>
         <p:style>
           <a:lnRef idx="1">
@@ -17944,6 +17958,9 @@
           <a:solidFill>
             <a:srgbClr val="FFFF99"/>
           </a:solidFill>
+          <a:ln>
+            <a:noFill/>
+          </a:ln>
         </p:spPr>
         <p:style>
           <a:lnRef idx="1">
@@ -18216,6 +18233,9 @@
           <a:solidFill>
             <a:srgbClr val="FFFF99"/>
           </a:solidFill>
+          <a:ln>
+            <a:noFill/>
+          </a:ln>
         </p:spPr>
         <p:style>
           <a:lnRef idx="1">
@@ -18859,7 +18879,6 @@
               <a:rPr lang="en-US" smtClean="0"/>
               <a:t> in a Nutshell</a:t>
             </a:r>
-            <a:endParaRPr lang="en-US" smtClean="0"/>
           </a:p>
         </p:txBody>
       </p:sp>
@@ -19190,6 +19209,9 @@
           <a:solidFill>
             <a:srgbClr val="FFFF99"/>
           </a:solidFill>
+          <a:ln>
+            <a:noFill/>
+          </a:ln>
         </p:spPr>
         <p:style>
           <a:lnRef idx="1">
@@ -19273,9 +19295,9 @@
                 <a:ea typeface="Calibri"/>
                 <a:cs typeface="Times New Roman"/>
               </a:rPr>
-              <a:t> </a:t>
-            </a:r>
-            <a:r>
+              <a:t> value)</a:t>
+            </a:r>
+            <a:br>
               <a:rPr lang="en-US" sz="1600" dirty="0" smtClean="0">
                 <a:solidFill>
                   <a:srgbClr val="080808"/>
@@ -19284,9 +19306,8 @@
                 <a:ea typeface="Calibri"/>
                 <a:cs typeface="Times New Roman"/>
               </a:rPr>
-              <a:t>value)</a:t>
-            </a:r>
-            <a:br>
+            </a:br>
+            <a:r>
               <a:rPr lang="en-US" sz="1600" dirty="0" smtClean="0">
                 <a:solidFill>
                   <a:srgbClr val="080808"/>
@@ -19295,8 +19316,9 @@
                 <a:ea typeface="Calibri"/>
                 <a:cs typeface="Times New Roman"/>
               </a:rPr>
-            </a:br>
-            <a:r>
+              <a:t>{</a:t>
+            </a:r>
+            <a:br>
               <a:rPr lang="en-US" sz="1600" dirty="0" smtClean="0">
                 <a:solidFill>
                   <a:srgbClr val="080808"/>
@@ -19305,8 +19327,7 @@
                 <a:ea typeface="Calibri"/>
                 <a:cs typeface="Times New Roman"/>
               </a:rPr>
-              <a:t>{</a:t>
-            </a:r>
+            </a:br>
             <a:r>
               <a:rPr lang="en-US" sz="1600" dirty="0" smtClean="0">
                 <a:solidFill>
@@ -19316,83 +19337,51 @@
                 <a:ea typeface="Calibri"/>
                 <a:cs typeface="Times New Roman"/>
               </a:rPr>
-              <a:t/>
-            </a:r>
-            <a:br>
-              <a:rPr lang="en-US" sz="1600" dirty="0" smtClean="0">
-                <a:solidFill>
-                  <a:srgbClr val="080808"/>
+              <a:t>   </a:t>
+            </a:r>
+            <a:r>
+              <a:rPr lang="en-US" sz="1600" dirty="0" err="1" smtClean="0">
+                <a:solidFill>
+                  <a:srgbClr val="0000FF"/>
                 </a:solidFill>
                 <a:latin typeface="Consolas" pitchFamily="49" charset="0"/>
                 <a:ea typeface="Calibri"/>
                 <a:cs typeface="Times New Roman"/>
               </a:rPr>
-            </a:br>
+              <a:t>var</a:t>
+            </a:r>
             <a:r>
               <a:rPr lang="en-US" sz="1600" dirty="0" smtClean="0">
                 <a:solidFill>
-                  <a:srgbClr val="080808"/>
+                  <a:srgbClr val="0000FF"/>
                 </a:solidFill>
                 <a:latin typeface="Consolas" pitchFamily="49" charset="0"/>
                 <a:ea typeface="Calibri"/>
                 <a:cs typeface="Times New Roman"/>
               </a:rPr>
-              <a:t>   </a:t>
+              <a:t> </a:t>
             </a:r>
             <a:r>
               <a:rPr lang="en-US" sz="1600" dirty="0" err="1" smtClean="0">
                 <a:solidFill>
-                  <a:srgbClr val="0000FF"/>
+                  <a:srgbClr val="080808"/>
                 </a:solidFill>
                 <a:latin typeface="Consolas" pitchFamily="49" charset="0"/>
                 <a:ea typeface="Calibri"/>
                 <a:cs typeface="Times New Roman"/>
               </a:rPr>
-              <a:t>var</a:t>
+              <a:t>inferMePlz</a:t>
             </a:r>
             <a:r>
               <a:rPr lang="en-US" sz="1600" dirty="0" smtClean="0">
                 <a:solidFill>
-                  <a:srgbClr val="0000FF"/>
+                  <a:srgbClr val="080808"/>
                 </a:solidFill>
                 <a:latin typeface="Consolas" pitchFamily="49" charset="0"/>
                 <a:ea typeface="Calibri"/>
                 <a:cs typeface="Times New Roman"/>
               </a:rPr>
-              <a:t> </a:t>
-            </a:r>
-            <a:r>
-              <a:rPr lang="en-US" sz="1600" dirty="0" err="1" smtClean="0">
-                <a:solidFill>
-                  <a:srgbClr val="080808"/>
-                </a:solidFill>
-                <a:latin typeface="Consolas" pitchFamily="49" charset="0"/>
-                <a:ea typeface="Calibri"/>
-                <a:cs typeface="Times New Roman"/>
-              </a:rPr>
-              <a:t>inferMePlz</a:t>
-            </a:r>
-            <a:r>
-              <a:rPr lang="en-US" sz="1600" dirty="0" smtClean="0">
-                <a:solidFill>
-                  <a:srgbClr val="080808"/>
-                </a:solidFill>
-                <a:latin typeface="Consolas" pitchFamily="49" charset="0"/>
-                <a:ea typeface="Calibri"/>
-                <a:cs typeface="Times New Roman"/>
-              </a:rPr>
               <a:t> = value; </a:t>
-            </a:r>
-            <a:r>
-              <a:rPr lang="en-US" sz="1600" dirty="0" smtClean="0">
-                <a:solidFill>
-                  <a:srgbClr val="080808"/>
-                </a:solidFill>
-                <a:latin typeface="Consolas" pitchFamily="49" charset="0"/>
-                <a:ea typeface="Calibri"/>
-                <a:cs typeface="Times New Roman"/>
-              </a:rPr>
-              <a:t/>
             </a:r>
             <a:br>
               <a:rPr lang="en-US" sz="1600" dirty="0" smtClean="0">
@@ -19854,7 +19843,6 @@
               <a:rPr lang="en-US" smtClean="0"/>
               <a:t>Dynamic in Visual Basic 10</a:t>
             </a:r>
-            <a:endParaRPr lang="en-US" smtClean="0"/>
           </a:p>
         </p:txBody>
       </p:sp>
@@ -24977,9 +24965,6 @@
                         </a:rPr>
                         <a:t>*</a:t>
                       </a:r>
-                      <a:endParaRPr lang="en-US" sz="1600" baseline="30000" dirty="0" smtClean="0">
-                        <a:latin typeface="Consolas" pitchFamily="49" charset="0"/>
-                      </a:endParaRPr>
                     </a:p>
                   </a:txBody>
                   <a:tcPr marT="18288" marB="18288">
@@ -25902,13 +25887,7 @@
                         <a:rPr lang="en-US" sz="1600" dirty="0" smtClean="0">
                           <a:latin typeface="Consolas" pitchFamily="49" charset="0"/>
                         </a:rPr>
-                        <a:t>New </a:t>
-                      </a:r>
-                      <a:r>
-                        <a:rPr lang="en-US" sz="1600" dirty="0" smtClean="0">
-                          <a:latin typeface="Consolas" pitchFamily="49" charset="0"/>
-                        </a:rPr>
-                        <a:t>X(</a:t>
+                        <a:t>New X(</a:t>
                       </a:r>
                       <a:r>
                         <a:rPr lang="en-US" sz="1600" dirty="0" err="1" smtClean="0">
@@ -27071,7 +27050,6 @@
               <a:rPr lang="en-US" smtClean="0"/>
               <a:t>System.Linq.Expressions v2</a:t>
             </a:r>
-            <a:endParaRPr lang="en-US" smtClean="0"/>
           </a:p>
         </p:txBody>
       </p:sp>
@@ -27092,15 +27070,7 @@
           <a:p>
             <a:r>
               <a:rPr lang="en-US" dirty="0" smtClean="0"/>
-              <a:t>.</a:t>
-            </a:r>
-            <a:r>
-              <a:rPr lang="en-US" dirty="0" smtClean="0"/>
-              <a:t>NET 3.5 </a:t>
-            </a:r>
-            <a:r>
-              <a:rPr lang="en-US" dirty="0" smtClean="0"/>
-              <a:t>Expression Trees</a:t>
+              <a:t>.NET 3.5 Expression Trees</a:t>
             </a:r>
           </a:p>
           <a:p>
@@ -27155,7 +27125,6 @@
               <a:rPr lang="en-US" dirty="0" smtClean="0"/>
               <a:t>Assignment</a:t>
             </a:r>
-            <a:endParaRPr lang="en-US" dirty="0" smtClean="0"/>
           </a:p>
           <a:p>
             <a:pPr lvl="1">
@@ -27163,19 +27132,7 @@
             </a:pPr>
             <a:r>
               <a:rPr lang="en-US" sz="2000" dirty="0" smtClean="0"/>
-              <a:t>=, +=, </a:t>
-            </a:r>
-            <a:r>
-              <a:rPr lang="en-US" sz="2000" dirty="0" smtClean="0"/>
-              <a:t>-=, *=, /=, </a:t>
-            </a:r>
-            <a:r>
-              <a:rPr lang="en-US" sz="2000" dirty="0" smtClean="0"/>
-              <a:t>%=, </a:t>
-            </a:r>
-            <a:r>
-              <a:rPr lang="en-US" sz="2000" dirty="0" smtClean="0"/>
-              <a:t>&amp;=, |=, ^=, &lt;&lt;=, &gt;&gt;=, etc</a:t>
+              <a:t>=, +=, -=, *=, /=, %=, &amp;=, |=, ^=, &lt;&lt;=, &gt;&gt;=, etc</a:t>
             </a:r>
           </a:p>
           <a:p>
@@ -27194,23 +27151,7 @@
             </a:pPr>
             <a:r>
               <a:rPr lang="en-US" sz="2000" dirty="0" smtClean="0"/>
-              <a:t>if, switch, for</a:t>
-            </a:r>
-            <a:r>
-              <a:rPr lang="en-US" sz="2000" dirty="0" smtClean="0"/>
-              <a:t>, </a:t>
-            </a:r>
-            <a:r>
-              <a:rPr lang="en-US" sz="2000" dirty="0" smtClean="0"/>
-              <a:t>break, </a:t>
-            </a:r>
-            <a:r>
-              <a:rPr lang="en-US" sz="2000" dirty="0" smtClean="0"/>
-              <a:t>return, throw, </a:t>
-            </a:r>
-            <a:r>
-              <a:rPr lang="en-US" sz="2000" dirty="0" smtClean="0"/>
-              <a:t>try…catch..finally, </a:t>
+              <a:t>if, switch, for, break, return, throw, try…catch..finally, </a:t>
             </a:r>
             <a:r>
               <a:rPr lang="en-US" sz="2000" dirty="0" err="1" smtClean="0"/>
@@ -29069,48 +29010,77 @@
         </p:nvSpPr>
         <p:spPr bwMode="auto">
           <a:xfrm>
-            <a:off x="4953000" y="1905000"/>
-            <a:ext cx="3810000" cy="1816100"/>
+            <a:off x="5029200" y="1905000"/>
+            <a:ext cx="3733800" cy="1816100"/>
           </a:xfrm>
           <a:prstGeom prst="rect">
             <a:avLst/>
           </a:prstGeom>
           <a:solidFill>
-            <a:schemeClr val="bg1"/>
+            <a:srgbClr val="FFFF99"/>
           </a:solidFill>
           <a:ln w="12700">
-            <a:solidFill>
-              <a:schemeClr val="tx1"/>
-            </a:solidFill>
+            <a:noFill/>
             <a:miter lim="800000"/>
             <a:headEnd/>
             <a:tailEnd/>
           </a:ln>
+          <a:effectLst>
+            <a:outerShdw blurRad="50800" dist="38100" dir="5400000" algn="t" rotWithShape="0">
+              <a:prstClr val="black">
+                <a:alpha val="40000"/>
+              </a:prstClr>
+            </a:outerShdw>
+          </a:effectLst>
         </p:spPr>
         <p:txBody>
-          <a:bodyPr lIns="91435" tIns="45718" rIns="91435" bIns="45718">
+          <a:bodyPr wrap="square" lIns="91435" tIns="45718" rIns="91435" bIns="45718">
             <a:spAutoFit/>
           </a:bodyPr>
           <a:lstStyle/>
           <a:p>
             <a:r>
-              <a:rPr lang="en-US" sz="1600">
+              <a:rPr lang="en-US" sz="1600" dirty="0">
                 <a:latin typeface="Consolas" pitchFamily="49" charset="0"/>
               </a:rPr>
-              <a:t>static int fact(int n) {</a:t>
-            </a:r>
-          </a:p>
-          <a:p>
-            <a:r>
-              <a:rPr lang="en-US" sz="1600">
+              <a:t>static </a:t>
+            </a:r>
+            <a:r>
+              <a:rPr lang="en-US" sz="1600" dirty="0" err="1">
                 <a:latin typeface="Consolas" pitchFamily="49" charset="0"/>
               </a:rPr>
+              <a:t>int</a:t>
+            </a:r>
+            <a:r>
+              <a:rPr lang="en-US" sz="1600" dirty="0">
+                <a:latin typeface="Consolas" pitchFamily="49" charset="0"/>
+              </a:rPr>
+              <a:t> fact(</a:t>
+            </a:r>
+            <a:r>
+              <a:rPr lang="en-US" sz="1600" dirty="0" err="1">
+                <a:latin typeface="Consolas" pitchFamily="49" charset="0"/>
+              </a:rPr>
+              <a:t>int</a:t>
+            </a:r>
+            <a:r>
+              <a:rPr lang="en-US" sz="1600" dirty="0">
+                <a:latin typeface="Consolas" pitchFamily="49" charset="0"/>
+              </a:rPr>
+              <a:t> n) {</a:t>
+            </a:r>
+          </a:p>
+          <a:p>
+            <a:r>
+              <a:rPr lang="en-US" sz="1600" dirty="0">
+                <a:latin typeface="Consolas" pitchFamily="49" charset="0"/>
+              </a:rPr>
               <a:t>    if (n == 0) {</a:t>
             </a:r>
           </a:p>
           <a:p>
             <a:r>
-              <a:rPr lang="en-US" sz="1600">
+              <a:rPr lang="en-US" sz="1600" dirty="0">
                 <a:latin typeface="Consolas" pitchFamily="49" charset="0"/>
               </a:rPr>
               <a:t>        return 1;</a:t>
@@ -29118,7 +29088,7 @@
           </a:p>
           <a:p>
             <a:r>
-              <a:rPr lang="en-US" sz="1600">
+              <a:rPr lang="en-US" sz="1600" dirty="0">
                 <a:latin typeface="Consolas" pitchFamily="49" charset="0"/>
               </a:rPr>
               <a:t>    } else {</a:t>
@@ -29126,7 +29096,7 @@
           </a:p>
           <a:p>
             <a:r>
-              <a:rPr lang="en-US" sz="1600">
+              <a:rPr lang="en-US" sz="1600" dirty="0">
                 <a:latin typeface="Consolas" pitchFamily="49" charset="0"/>
               </a:rPr>
               <a:t>        return n * fact(n - 1);</a:t>
@@ -29134,7 +29104,7 @@
           </a:p>
           <a:p>
             <a:r>
-              <a:rPr lang="en-US" sz="1600">
+              <a:rPr lang="en-US" sz="1600" dirty="0">
                 <a:latin typeface="Consolas" pitchFamily="49" charset="0"/>
               </a:rPr>
               <a:t>    }</a:t>
@@ -29142,7 +29112,7 @@
           </a:p>
           <a:p>
             <a:r>
-              <a:rPr lang="en-US" sz="1600">
+              <a:rPr lang="en-US" sz="1600" dirty="0">
                 <a:latin typeface="Consolas" pitchFamily="49" charset="0"/>
               </a:rPr>
               <a:t>}</a:t>
@@ -30469,32 +30439,37 @@
         </p:nvSpPr>
         <p:spPr bwMode="auto">
           <a:xfrm>
-            <a:off x="4953000" y="1905000"/>
-            <a:ext cx="3810000" cy="1816100"/>
+            <a:off x="5029200" y="1905000"/>
+            <a:ext cx="3733800" cy="1815878"/>
           </a:xfrm>
           <a:prstGeom prst="rect">
             <a:avLst/>
           </a:prstGeom>
           <a:solidFill>
-            <a:schemeClr val="bg1"/>
+            <a:srgbClr val="FFFF99"/>
           </a:solidFill>
           <a:ln w="12700">
-            <a:solidFill>
-              <a:schemeClr val="tx1"/>
-            </a:solidFill>
+            <a:noFill/>
             <a:miter lim="800000"/>
             <a:headEnd/>
             <a:tailEnd/>
           </a:ln>
+          <a:effectLst>
+            <a:outerShdw blurRad="50800" dist="38100" dir="5400000" algn="t" rotWithShape="0">
+              <a:prstClr val="black">
+                <a:alpha val="40000"/>
+              </a:prstClr>
+            </a:outerShdw>
+          </a:effectLst>
         </p:spPr>
         <p:txBody>
-          <a:bodyPr lIns="91435" tIns="45718" rIns="91435" bIns="45718">
+          <a:bodyPr wrap="square" lIns="91435" tIns="45718" rIns="0" bIns="45718">
             <a:spAutoFit/>
           </a:bodyPr>
           <a:lstStyle/>
           <a:p>
             <a:r>
-              <a:rPr lang="en-US" sz="1600">
+              <a:rPr lang="en-US" sz="1600" dirty="0">
                 <a:latin typeface="Consolas" pitchFamily="49" charset="0"/>
               </a:rPr>
               <a:t>static dynamic fact(dynamic n) {</a:t>
@@ -30502,7 +30477,7 @@
           </a:p>
           <a:p>
             <a:r>
-              <a:rPr lang="en-US" sz="1600">
+              <a:rPr lang="en-US" sz="1600" dirty="0">
                 <a:latin typeface="Consolas" pitchFamily="49" charset="0"/>
               </a:rPr>
               <a:t>    if (n == 0) {</a:t>
@@ -30510,7 +30485,7 @@
           </a:p>
           <a:p>
             <a:r>
-              <a:rPr lang="en-US" sz="1600">
+              <a:rPr lang="en-US" sz="1600" dirty="0">
                 <a:latin typeface="Consolas" pitchFamily="49" charset="0"/>
               </a:rPr>
               <a:t>        return 1;</a:t>
@@ -30518,7 +30493,7 @@
           </a:p>
           <a:p>
             <a:r>
-              <a:rPr lang="en-US" sz="1600">
+              <a:rPr lang="en-US" sz="1600" dirty="0">
                 <a:latin typeface="Consolas" pitchFamily="49" charset="0"/>
               </a:rPr>
               <a:t>    } else {</a:t>
@@ -30526,7 +30501,7 @@
           </a:p>
           <a:p>
             <a:r>
-              <a:rPr lang="en-US" sz="1600">
+              <a:rPr lang="en-US" sz="1600" dirty="0">
                 <a:latin typeface="Consolas" pitchFamily="49" charset="0"/>
               </a:rPr>
               <a:t>        return n * fact(n - 1);</a:t>
@@ -30534,7 +30509,7 @@
           </a:p>
           <a:p>
             <a:r>
-              <a:rPr lang="en-US" sz="1600">
+              <a:rPr lang="en-US" sz="1600" dirty="0">
                 <a:latin typeface="Consolas" pitchFamily="49" charset="0"/>
               </a:rPr>
               <a:t>    }</a:t>
@@ -30542,7 +30517,7 @@
           </a:p>
           <a:p>
             <a:r>
-              <a:rPr lang="en-US" sz="1600">
+              <a:rPr lang="en-US" sz="1600" dirty="0">
                 <a:latin typeface="Consolas" pitchFamily="49" charset="0"/>
               </a:rPr>
               <a:t>}</a:t>
@@ -30700,26 +30675,31 @@
         </p:nvSpPr>
         <p:spPr bwMode="auto">
           <a:xfrm>
-            <a:off x="5181600" y="1905000"/>
-            <a:ext cx="3581400" cy="1323975"/>
+            <a:off x="5029200" y="1905000"/>
+            <a:ext cx="3733800" cy="1323975"/>
           </a:xfrm>
           <a:prstGeom prst="rect">
             <a:avLst/>
           </a:prstGeom>
           <a:solidFill>
-            <a:schemeClr val="bg1"/>
+            <a:srgbClr val="FFFF99"/>
           </a:solidFill>
           <a:ln w="12700">
-            <a:solidFill>
-              <a:schemeClr val="tx1"/>
-            </a:solidFill>
+            <a:noFill/>
             <a:miter lim="800000"/>
             <a:headEnd/>
             <a:tailEnd/>
           </a:ln>
+          <a:effectLst>
+            <a:outerShdw blurRad="50800" dist="38100" dir="5400000" algn="t" rotWithShape="0">
+              <a:prstClr val="black">
+                <a:alpha val="40000"/>
+              </a:prstClr>
+            </a:outerShdw>
+          </a:effectLst>
         </p:spPr>
         <p:txBody>
-          <a:bodyPr lIns="91435" tIns="45718" rIns="91435" bIns="45718">
+          <a:bodyPr wrap="square" lIns="91435" tIns="45718" rIns="91435" bIns="45718">
             <a:spAutoFit/>
           </a:bodyPr>
           <a:lstStyle/>
@@ -32364,32 +32344,37 @@
         </p:nvSpPr>
         <p:spPr bwMode="auto">
           <a:xfrm>
-            <a:off x="5334000" y="1905000"/>
-            <a:ext cx="3429000" cy="1816100"/>
+            <a:off x="5029200" y="1905000"/>
+            <a:ext cx="3733800" cy="1816100"/>
           </a:xfrm>
           <a:prstGeom prst="rect">
             <a:avLst/>
           </a:prstGeom>
           <a:solidFill>
-            <a:schemeClr val="bg1"/>
+            <a:srgbClr val="FFFF99"/>
           </a:solidFill>
           <a:ln w="12700">
-            <a:solidFill>
-              <a:schemeClr val="tx1"/>
-            </a:solidFill>
+            <a:noFill/>
             <a:miter lim="800000"/>
             <a:headEnd/>
             <a:tailEnd/>
           </a:ln>
+          <a:effectLst>
+            <a:outerShdw blurRad="50800" dist="38100" dir="5400000" algn="t" rotWithShape="0">
+              <a:prstClr val="black">
+                <a:alpha val="40000"/>
+              </a:prstClr>
+            </a:outerShdw>
+          </a:effectLst>
         </p:spPr>
         <p:txBody>
-          <a:bodyPr lIns="91435" tIns="45718" rIns="91435" bIns="45718">
+          <a:bodyPr wrap="square" lIns="91435" tIns="45718" rIns="91435" bIns="45718">
             <a:spAutoFit/>
           </a:bodyPr>
           <a:lstStyle/>
           <a:p>
             <a:r>
-              <a:rPr lang="en-US" sz="1600">
+              <a:rPr lang="en-US" sz="1600" dirty="0">
                 <a:latin typeface="Consolas" pitchFamily="49" charset="0"/>
               </a:rPr>
               <a:t>def fact(n)</a:t>
@@ -32397,7 +32382,7 @@
           </a:p>
           <a:p>
             <a:r>
-              <a:rPr lang="en-US" sz="1600">
+              <a:rPr lang="en-US" sz="1600" dirty="0">
                 <a:latin typeface="Consolas" pitchFamily="49" charset="0"/>
               </a:rPr>
               <a:t>    if n == 0</a:t>
@@ -32405,7 +32390,7 @@
           </a:p>
           <a:p>
             <a:r>
-              <a:rPr lang="en-US" sz="1600">
+              <a:rPr lang="en-US" sz="1600" dirty="0">
                 <a:latin typeface="Consolas" pitchFamily="49" charset="0"/>
               </a:rPr>
               <a:t>        1</a:t>
@@ -32413,7 +32398,7 @@
           </a:p>
           <a:p>
             <a:r>
-              <a:rPr lang="en-US" sz="1600">
+              <a:rPr lang="en-US" sz="1600" dirty="0">
                 <a:latin typeface="Consolas" pitchFamily="49" charset="0"/>
               </a:rPr>
               <a:t>    else</a:t>
@@ -32421,7 +32406,7 @@
           </a:p>
           <a:p>
             <a:r>
-              <a:rPr lang="en-US" sz="1600">
+              <a:rPr lang="en-US" sz="1600" dirty="0">
                 <a:latin typeface="Consolas" pitchFamily="49" charset="0"/>
               </a:rPr>
               <a:t>        n * fact(n - 1)</a:t>
@@ -32429,7 +32414,7 @@
           </a:p>
           <a:p>
             <a:r>
-              <a:rPr lang="en-US" sz="1600">
+              <a:rPr lang="en-US" sz="1600" dirty="0">
                 <a:latin typeface="Consolas" pitchFamily="49" charset="0"/>
               </a:rPr>
               <a:t>    end</a:t>
@@ -32437,7 +32422,7 @@
           </a:p>
           <a:p>
             <a:r>
-              <a:rPr lang="en-US" sz="1600">
+              <a:rPr lang="en-US" sz="1600" dirty="0">
                 <a:latin typeface="Consolas" pitchFamily="49" charset="0"/>
               </a:rPr>
               <a:t>end</a:t>
@@ -32528,7 +32513,7 @@
         <p:spPr bwMode="auto">
           <a:xfrm>
             <a:off x="3810000" y="2362200"/>
-            <a:ext cx="1143000" cy="457200"/>
+            <a:ext cx="1066800" cy="457200"/>
           </a:xfrm>
           <a:prstGeom prst="roundRect">
             <a:avLst/>
@@ -33197,10 +33182,7 @@
       <p:cxnSp>
         <p:nvCxnSpPr>
           <p:cNvPr id="26" name="Elbow Connector 25"/>
-          <p:cNvCxnSpPr>
-            <a:stCxn id="0" idx="3"/>
-            <a:endCxn id="0" idx="1"/>
-          </p:cNvCxnSpPr>
+          <p:cNvCxnSpPr/>
           <p:nvPr/>
         </p:nvCxnSpPr>
         <p:spPr>
@@ -33879,25 +33861,6 @@
       </p:sp>
       <p:sp>
         <p:nvSpPr>
-          <p:cNvPr id="12" name="Content Placeholder 11"/>
-          <p:cNvSpPr>
-            <a:spLocks noGrp="1"/>
-          </p:cNvSpPr>
-          <p:nvPr>
-            <p:ph idx="1"/>
-          </p:nvPr>
-        </p:nvSpPr>
-        <p:spPr/>
-        <p:txBody>
-          <a:bodyPr/>
-          <a:lstStyle/>
-          <a:p>
-            <a:endParaRPr lang="en-US"/>
-          </a:p>
-        </p:txBody>
-      </p:sp>
-      <p:sp>
-        <p:nvSpPr>
           <p:cNvPr id="6" name="Rectangle 5"/>
           <p:cNvSpPr>
             <a:spLocks noChangeArrowheads="1"/>
@@ -33912,9 +33875,7 @@
           <a:prstGeom prst="rect">
             <a:avLst/>
           </a:prstGeom>
-          <a:solidFill>
-            <a:srgbClr val="FFFFFF"/>
-          </a:solidFill>
+          <a:noFill/>
           <a:ln w="9525">
             <a:noFill/>
             <a:miter lim="800000"/>
@@ -33965,9 +33926,7 @@
           <a:prstGeom prst="rect">
             <a:avLst/>
           </a:prstGeom>
-          <a:solidFill>
-            <a:srgbClr val="FFFFFF"/>
-          </a:solidFill>
+          <a:noFill/>
           <a:ln w="9525">
             <a:noFill/>
             <a:miter lim="800000"/>
@@ -34028,9 +33987,7 @@
           <a:prstGeom prst="rect">
             <a:avLst/>
           </a:prstGeom>
-          <a:solidFill>
-            <a:srgbClr val="FFFFFF"/>
-          </a:solidFill>
+          <a:noFill/>
           <a:ln w="9525">
             <a:noFill/>
             <a:miter lim="800000"/>
@@ -34101,9 +34058,7 @@
           <a:prstGeom prst="rect">
             <a:avLst/>
           </a:prstGeom>
-          <a:solidFill>
-            <a:srgbClr val="FFFFFF"/>
-          </a:solidFill>
+          <a:noFill/>
           <a:ln w="9525">
             <a:noFill/>
             <a:miter lim="800000"/>
@@ -34174,9 +34129,7 @@
           <a:prstGeom prst="rect">
             <a:avLst/>
           </a:prstGeom>
-          <a:solidFill>
-            <a:srgbClr val="FFFFFF"/>
-          </a:solidFill>
+          <a:noFill/>
           <a:ln w="9525">
             <a:noFill/>
             <a:miter lim="800000"/>
@@ -34267,9 +34220,7 @@
           <a:prstGeom prst="rect">
             <a:avLst/>
           </a:prstGeom>
-          <a:solidFill>
-            <a:srgbClr val="FFFFFF"/>
-          </a:solidFill>
+          <a:noFill/>
           <a:ln w="9525">
             <a:noFill/>
             <a:miter lim="800000"/>
@@ -34687,35 +34638,6 @@
                                         </p:cTn>
                                         <p:tgtEl>
                                           <p:spTgt spid="11">
-                                            <p:bg/>
-                                          </p:spTgt>
-                                        </p:tgtEl>
-                                        <p:attrNameLst>
-                                          <p:attrName>style.visibility</p:attrName>
-                                        </p:attrNameLst>
-                                      </p:cBhvr>
-                                      <p:to>
-                                        <p:strVal val="visible"/>
-                                      </p:to>
-                                    </p:set>
-                                  </p:childTnLst>
-                                </p:cTn>
-                              </p:par>
-                              <p:par>
-                                <p:cTn id="23" presetID="1" presetClass="entr" presetSubtype="0" fill="hold" grpId="0" nodeType="withEffect">
-                                  <p:stCondLst>
-                                    <p:cond delay="0"/>
-                                  </p:stCondLst>
-                                  <p:childTnLst>
-                                    <p:set>
-                                      <p:cBhvr>
-                                        <p:cTn id="24" dur="1" fill="hold">
-                                          <p:stCondLst>
-                                            <p:cond delay="0"/>
-                                          </p:stCondLst>
-                                        </p:cTn>
-                                        <p:tgtEl>
-                                          <p:spTgt spid="11">
                                             <p:txEl>
                                               <p:pRg st="0" end="0"/>
                                             </p:txEl>
@@ -34739,26 +34661,26 @@
                     </p:cTn>
                   </p:par>
                   <p:par>
-                    <p:cTn id="25" fill="hold">
+                    <p:cTn id="23" fill="hold">
                       <p:stCondLst>
                         <p:cond delay="indefinite"/>
                       </p:stCondLst>
                       <p:childTnLst>
                         <p:par>
-                          <p:cTn id="26" fill="hold">
+                          <p:cTn id="24" fill="hold">
                             <p:stCondLst>
                               <p:cond delay="0"/>
                             </p:stCondLst>
                             <p:childTnLst>
                               <p:par>
-                                <p:cTn id="27" presetID="1" presetClass="entr" presetSubtype="0" fill="hold" grpId="0" nodeType="clickEffect">
+                                <p:cTn id="25" presetID="1" presetClass="entr" presetSubtype="0" fill="hold" grpId="0" nodeType="clickEffect">
                                   <p:stCondLst>
                                     <p:cond delay="0"/>
                                   </p:stCondLst>
                                   <p:childTnLst>
                                     <p:set>
                                       <p:cBhvr>
-                                        <p:cTn id="28" dur="1" fill="hold">
+                                        <p:cTn id="26" dur="1" fill="hold">
                                           <p:stCondLst>
                                             <p:cond delay="0"/>
                                           </p:stCondLst>
@@ -34788,26 +34710,26 @@
                     </p:cTn>
                   </p:par>
                   <p:par>
-                    <p:cTn id="29" fill="hold">
+                    <p:cTn id="27" fill="hold">
                       <p:stCondLst>
                         <p:cond delay="indefinite"/>
                       </p:stCondLst>
                       <p:childTnLst>
                         <p:par>
-                          <p:cTn id="30" fill="hold">
+                          <p:cTn id="28" fill="hold">
                             <p:stCondLst>
                               <p:cond delay="0"/>
                             </p:stCondLst>
                             <p:childTnLst>
                               <p:par>
-                                <p:cTn id="31" presetID="1" presetClass="entr" presetSubtype="0" fill="hold" nodeType="clickEffect">
+                                <p:cTn id="29" presetID="1" presetClass="entr" presetSubtype="0" fill="hold" nodeType="clickEffect">
                                   <p:stCondLst>
                                     <p:cond delay="0"/>
                                   </p:stCondLst>
                                   <p:childTnLst>
                                     <p:set>
                                       <p:cBhvr>
-                                        <p:cTn id="32" dur="1" fill="hold">
+                                        <p:cTn id="30" dur="1" fill="hold">
                                           <p:stCondLst>
                                             <p:cond delay="0"/>
                                           </p:stCondLst>
@@ -34837,26 +34759,26 @@
                     </p:cTn>
                   </p:par>
                   <p:par>
-                    <p:cTn id="33" fill="hold">
+                    <p:cTn id="31" fill="hold">
                       <p:stCondLst>
                         <p:cond delay="indefinite"/>
                       </p:stCondLst>
                       <p:childTnLst>
                         <p:par>
-                          <p:cTn id="34" fill="hold">
+                          <p:cTn id="32" fill="hold">
                             <p:stCondLst>
                               <p:cond delay="0"/>
                             </p:stCondLst>
                             <p:childTnLst>
                               <p:par>
-                                <p:cTn id="35" presetID="1" presetClass="entr" presetSubtype="0" fill="hold" nodeType="clickEffect">
+                                <p:cTn id="33" presetID="1" presetClass="entr" presetSubtype="0" fill="hold" nodeType="clickEffect">
                                   <p:stCondLst>
                                     <p:cond delay="0"/>
                                   </p:stCondLst>
                                   <p:childTnLst>
                                     <p:set>
                                       <p:cBhvr>
-                                        <p:cTn id="36" dur="1" fill="hold">
+                                        <p:cTn id="34" dur="1" fill="hold">
                                           <p:stCondLst>
                                             <p:cond delay="0"/>
                                           </p:stCondLst>
@@ -34907,11 +34829,11 @@
       </p:par>
     </p:tnLst>
     <p:bldLst>
-      <p:bldP spid="7" grpId="0" animBg="1"/>
-      <p:bldP spid="8" grpId="0" animBg="1"/>
-      <p:bldP spid="9" grpId="0" animBg="1"/>
-      <p:bldP spid="10" grpId="0" animBg="1"/>
-      <p:bldP spid="11" grpId="0" build="allAtOnce" animBg="1"/>
+      <p:bldP spid="7" grpId="0"/>
+      <p:bldP spid="8" grpId="0"/>
+      <p:bldP spid="9" grpId="0"/>
+      <p:bldP spid="10" grpId="0"/>
+      <p:bldP spid="11" grpId="0" build="allAtOnce"/>
     </p:bldLst>
   </p:timing>
 </p:sld>
@@ -34954,25 +34876,6 @@
               <a:rPr lang="en-US" smtClean="0"/>
               <a:t>Digging Deeper</a:t>
             </a:r>
-          </a:p>
-        </p:txBody>
-      </p:sp>
-      <p:sp>
-        <p:nvSpPr>
-          <p:cNvPr id="6" name="Content Placeholder 5"/>
-          <p:cNvSpPr>
-            <a:spLocks noGrp="1"/>
-          </p:cNvSpPr>
-          <p:nvPr>
-            <p:ph idx="1"/>
-          </p:nvPr>
-        </p:nvSpPr>
-        <p:spPr/>
-        <p:txBody>
-          <a:bodyPr/>
-          <a:lstStyle/>
-          <a:p>
-            <a:endParaRPr lang="en-US"/>
           </a:p>
         </p:txBody>
       </p:sp>
@@ -35303,6 +35206,9 @@
           <a:solidFill>
             <a:srgbClr val="FFFF99"/>
           </a:solidFill>
+          <a:ln>
+            <a:noFill/>
+          </a:ln>
         </p:spPr>
         <p:style>
           <a:lnRef idx="1">
@@ -35419,6 +35325,9 @@
           <a:solidFill>
             <a:srgbClr val="FFFF99"/>
           </a:solidFill>
+          <a:ln>
+            <a:noFill/>
+          </a:ln>
         </p:spPr>
         <p:style>
           <a:lnRef idx="1">
@@ -36249,7 +36158,6 @@
               <a:rPr lang="en-US" smtClean="0"/>
               <a:t>Creating Dynamic Objects</a:t>
             </a:r>
-            <a:endParaRPr lang="en-US" smtClean="0"/>
           </a:p>
         </p:txBody>
       </p:sp>
@@ -36355,10 +36263,6 @@
               </a:rPr>
               <a:t>                  Expression parameter)</a:t>
             </a:r>
-            <a:endParaRPr lang="en-US" dirty="0" smtClean="0">
-              <a:latin typeface="Consolas" pitchFamily="49" charset="0"/>
-              <a:cs typeface="Consolas" pitchFamily="49" charset="0"/>
-            </a:endParaRPr>
           </a:p>
         </p:txBody>
       </p:sp>
@@ -38377,6 +38281,7 @@
               <a:rPr lang="en-US" sz="2200" dirty="0" smtClean="0"/>
               <a:t> </a:t>
             </a:r>
+            <a:endParaRPr lang="en-US" sz="2200" dirty="0" smtClean="0"/>
           </a:p>
           <a:p>
             <a:pPr marL="274320" indent="-274320" eaLnBrk="1" fontAlgn="auto" hangingPunct="1">
@@ -38392,7 +38297,11 @@
             </a:pPr>
             <a:r>
               <a:rPr lang="en-US" sz="2400" i="1" dirty="0" smtClean="0"/>
-              <a:t>C# in Depth</a:t>
+              <a:t>C</a:t>
+            </a:r>
+            <a:r>
+              <a:rPr lang="en-US" sz="2400" i="1" dirty="0" smtClean="0"/>
+              <a:t># in Depth</a:t>
             </a:r>
             <a:r>
               <a:rPr lang="en-US" sz="2400" dirty="0" smtClean="0"/>
@@ -40979,11 +40888,7 @@
             </a:pPr>
             <a:r>
               <a:rPr lang="en-US" dirty="0" smtClean="0"/>
-              <a:t>C</a:t>
-            </a:r>
-            <a:r>
-              <a:rPr lang="en-US" dirty="0" smtClean="0"/>
-              <a:t># 3.0:</a:t>
+              <a:t>C# 3.0:</a:t>
             </a:r>
           </a:p>
           <a:p>

--- a/DLR/KDahlby.201006.KCDC.DLR.pptx
+++ b/DLR/KDahlby.201006.KCDC.DLR.pptx
@@ -5,42 +5,43 @@
     <p:sldMasterId id="2147483670" r:id="rId1"/>
   </p:sldMasterIdLst>
   <p:notesMasterIdLst>
-    <p:notesMasterId r:id="rId35"/>
+    <p:notesMasterId r:id="rId36"/>
   </p:notesMasterIdLst>
   <p:sldIdLst>
     <p:sldId id="256" r:id="rId2"/>
-    <p:sldId id="287" r:id="rId3"/>
-    <p:sldId id="328" r:id="rId4"/>
-    <p:sldId id="320" r:id="rId5"/>
-    <p:sldId id="311" r:id="rId6"/>
-    <p:sldId id="315" r:id="rId7"/>
-    <p:sldId id="316" r:id="rId8"/>
-    <p:sldId id="317" r:id="rId9"/>
-    <p:sldId id="326" r:id="rId10"/>
-    <p:sldId id="322" r:id="rId11"/>
-    <p:sldId id="323" r:id="rId12"/>
-    <p:sldId id="346" r:id="rId13"/>
-    <p:sldId id="325" r:id="rId14"/>
-    <p:sldId id="327" r:id="rId15"/>
-    <p:sldId id="348" r:id="rId16"/>
-    <p:sldId id="329" r:id="rId17"/>
-    <p:sldId id="331" r:id="rId18"/>
-    <p:sldId id="334" r:id="rId19"/>
-    <p:sldId id="332" r:id="rId20"/>
-    <p:sldId id="330" r:id="rId21"/>
-    <p:sldId id="336" r:id="rId22"/>
-    <p:sldId id="337" r:id="rId23"/>
-    <p:sldId id="338" r:id="rId24"/>
-    <p:sldId id="339" r:id="rId25"/>
-    <p:sldId id="340" r:id="rId26"/>
-    <p:sldId id="341" r:id="rId27"/>
-    <p:sldId id="333" r:id="rId28"/>
-    <p:sldId id="342" r:id="rId29"/>
-    <p:sldId id="347" r:id="rId30"/>
-    <p:sldId id="343" r:id="rId31"/>
-    <p:sldId id="344" r:id="rId32"/>
-    <p:sldId id="345" r:id="rId33"/>
-    <p:sldId id="309" r:id="rId34"/>
+    <p:sldId id="349" r:id="rId3"/>
+    <p:sldId id="287" r:id="rId4"/>
+    <p:sldId id="328" r:id="rId5"/>
+    <p:sldId id="320" r:id="rId6"/>
+    <p:sldId id="311" r:id="rId7"/>
+    <p:sldId id="315" r:id="rId8"/>
+    <p:sldId id="316" r:id="rId9"/>
+    <p:sldId id="317" r:id="rId10"/>
+    <p:sldId id="326" r:id="rId11"/>
+    <p:sldId id="322" r:id="rId12"/>
+    <p:sldId id="323" r:id="rId13"/>
+    <p:sldId id="346" r:id="rId14"/>
+    <p:sldId id="325" r:id="rId15"/>
+    <p:sldId id="327" r:id="rId16"/>
+    <p:sldId id="348" r:id="rId17"/>
+    <p:sldId id="329" r:id="rId18"/>
+    <p:sldId id="331" r:id="rId19"/>
+    <p:sldId id="334" r:id="rId20"/>
+    <p:sldId id="332" r:id="rId21"/>
+    <p:sldId id="330" r:id="rId22"/>
+    <p:sldId id="336" r:id="rId23"/>
+    <p:sldId id="337" r:id="rId24"/>
+    <p:sldId id="338" r:id="rId25"/>
+    <p:sldId id="339" r:id="rId26"/>
+    <p:sldId id="340" r:id="rId27"/>
+    <p:sldId id="341" r:id="rId28"/>
+    <p:sldId id="333" r:id="rId29"/>
+    <p:sldId id="342" r:id="rId30"/>
+    <p:sldId id="347" r:id="rId31"/>
+    <p:sldId id="343" r:id="rId32"/>
+    <p:sldId id="344" r:id="rId33"/>
+    <p:sldId id="345" r:id="rId34"/>
+    <p:sldId id="309" r:id="rId35"/>
   </p:sldIdLst>
   <p:sldSz cx="9144000" cy="6858000" type="screen4x3"/>
   <p:notesSz cx="6858000" cy="9144000"/>
@@ -4713,7 +4714,7 @@
                 </a:spcAft>
                 <a:defRPr/>
               </a:pPr>
-              <a:t>12</a:t>
+              <a:t>13</a:t>
             </a:fld>
             <a:endParaRPr lang="en-US"/>
           </a:p>
@@ -4841,7 +4842,7 @@
                 </a:spcAft>
                 <a:defRPr/>
               </a:pPr>
-              <a:t>13</a:t>
+              <a:t>14</a:t>
             </a:fld>
             <a:endParaRPr lang="en-US"/>
           </a:p>
@@ -4969,7 +4970,7 @@
                 </a:spcAft>
                 <a:defRPr/>
               </a:pPr>
-              <a:t>18</a:t>
+              <a:t>19</a:t>
             </a:fld>
             <a:endParaRPr lang="en-US"/>
           </a:p>
@@ -5097,7 +5098,7 @@
                 </a:spcAft>
                 <a:defRPr/>
               </a:pPr>
-              <a:t>20</a:t>
+              <a:t>21</a:t>
             </a:fld>
             <a:endParaRPr lang="en-US"/>
           </a:p>
@@ -5225,7 +5226,7 @@
                 </a:spcAft>
                 <a:defRPr/>
               </a:pPr>
-              <a:t>21</a:t>
+              <a:t>22</a:t>
             </a:fld>
             <a:endParaRPr lang="en-US"/>
           </a:p>
@@ -5353,7 +5354,7 @@
                 </a:spcAft>
                 <a:defRPr/>
               </a:pPr>
-              <a:t>22</a:t>
+              <a:t>23</a:t>
             </a:fld>
             <a:endParaRPr lang="en-US"/>
           </a:p>
@@ -5481,7 +5482,7 @@
                 </a:spcAft>
                 <a:defRPr/>
               </a:pPr>
-              <a:t>23</a:t>
+              <a:t>24</a:t>
             </a:fld>
             <a:endParaRPr lang="en-US"/>
           </a:p>
@@ -5609,7 +5610,7 @@
                 </a:spcAft>
                 <a:defRPr/>
               </a:pPr>
-              <a:t>24</a:t>
+              <a:t>25</a:t>
             </a:fld>
             <a:endParaRPr lang="en-US"/>
           </a:p>
@@ -5737,7 +5738,7 @@
                 </a:spcAft>
                 <a:defRPr/>
               </a:pPr>
-              <a:t>25</a:t>
+              <a:t>26</a:t>
             </a:fld>
             <a:endParaRPr lang="en-US"/>
           </a:p>
@@ -5865,7 +5866,7 @@
                 </a:spcAft>
                 <a:defRPr/>
               </a:pPr>
-              <a:t>26</a:t>
+              <a:t>27</a:t>
             </a:fld>
             <a:endParaRPr lang="en-US"/>
           </a:p>
@@ -5993,7 +5994,7 @@
                 </a:spcAft>
                 <a:defRPr/>
               </a:pPr>
-              <a:t>4</a:t>
+              <a:t>5</a:t>
             </a:fld>
             <a:endParaRPr lang="en-US"/>
           </a:p>
@@ -6121,7 +6122,7 @@
                 </a:spcAft>
                 <a:defRPr/>
               </a:pPr>
-              <a:t>28</a:t>
+              <a:t>29</a:t>
             </a:fld>
             <a:endParaRPr lang="en-US"/>
           </a:p>
@@ -6249,7 +6250,7 @@
                 </a:spcAft>
                 <a:defRPr/>
               </a:pPr>
-              <a:t>29</a:t>
+              <a:t>30</a:t>
             </a:fld>
             <a:endParaRPr lang="en-US"/>
           </a:p>
@@ -6377,7 +6378,7 @@
                 </a:spcAft>
                 <a:defRPr/>
               </a:pPr>
-              <a:t>32</a:t>
+              <a:t>33</a:t>
             </a:fld>
             <a:endParaRPr lang="en-US"/>
           </a:p>
@@ -6543,7 +6544,7 @@
                 </a:spcAft>
                 <a:defRPr/>
               </a:pPr>
-              <a:t>6/18/2010 12:13 AM</a:t>
+              <a:t>6/18/2010 12:28 AM</a:t>
             </a:fld>
             <a:endParaRPr lang="en-US"/>
           </a:p>
@@ -6685,7 +6686,7 @@
                 </a:spcAft>
                 <a:defRPr/>
               </a:pPr>
-              <a:t>5</a:t>
+              <a:t>6</a:t>
             </a:fld>
             <a:endParaRPr lang="en-US"/>
           </a:p>
@@ -6813,7 +6814,7 @@
                 </a:spcAft>
                 <a:defRPr/>
               </a:pPr>
-              <a:t>6</a:t>
+              <a:t>7</a:t>
             </a:fld>
             <a:endParaRPr lang="en-US"/>
           </a:p>
@@ -6941,7 +6942,7 @@
                 </a:spcAft>
                 <a:defRPr/>
               </a:pPr>
-              <a:t>7</a:t>
+              <a:t>8</a:t>
             </a:fld>
             <a:endParaRPr lang="en-US"/>
           </a:p>
@@ -7069,7 +7070,7 @@
                 </a:spcAft>
                 <a:defRPr/>
               </a:pPr>
-              <a:t>8</a:t>
+              <a:t>9</a:t>
             </a:fld>
             <a:endParaRPr lang="en-US"/>
           </a:p>
@@ -7197,7 +7198,7 @@
                 </a:spcAft>
                 <a:defRPr/>
               </a:pPr>
-              <a:t>9</a:t>
+              <a:t>10</a:t>
             </a:fld>
             <a:endParaRPr lang="en-US"/>
           </a:p>
@@ -7325,7 +7326,7 @@
                 </a:spcAft>
                 <a:defRPr/>
               </a:pPr>
-              <a:t>10</a:t>
+              <a:t>11</a:t>
             </a:fld>
             <a:endParaRPr lang="en-US"/>
           </a:p>
@@ -7453,7 +7454,7 @@
                 </a:spcAft>
                 <a:defRPr/>
               </a:pPr>
-              <a:t>11</a:t>
+              <a:t>12</a:t>
             </a:fld>
             <a:endParaRPr lang="en-US"/>
           </a:p>
@@ -12049,6 +12050,36 @@
           </a:p>
         </p:txBody>
       </p:sp>
+      <p:pic>
+        <p:nvPicPr>
+          <p:cNvPr id="4" name="Picture 3"/>
+          <p:cNvPicPr>
+            <a:picLocks noChangeAspect="1"/>
+          </p:cNvPicPr>
+          <p:nvPr/>
+        </p:nvPicPr>
+        <p:blipFill>
+          <a:blip r:embed="rId5" cstate="print">
+            <a:extLst>
+              <a:ext uri="{28A0092B-C50C-407E-A947-70E740481C1C}">
+                <a14:useLocalDpi xmlns:a14="http://schemas.microsoft.com/office/drawing/2010/main" xmlns="" val="0"/>
+              </a:ext>
+            </a:extLst>
+          </a:blip>
+          <a:stretch>
+            <a:fillRect/>
+          </a:stretch>
+        </p:blipFill>
+        <p:spPr>
+          <a:xfrm>
+            <a:off x="762000" y="3299219"/>
+            <a:ext cx="3352800" cy="2997630"/>
+          </a:xfrm>
+          <a:prstGeom prst="rect">
+            <a:avLst/>
+          </a:prstGeom>
+        </p:spPr>
+      </p:pic>
     </p:spTree>
   </p:cSld>
   <p:clrMapOvr>
@@ -12068,6 +12099,1881 @@
 </file>
 
 <file path=ppt/slides/slide10.xml><?xml version="1.0" encoding="utf-8"?>
+<p:sld xmlns:a="http://schemas.openxmlformats.org/drawingml/2006/main" xmlns:r="http://schemas.openxmlformats.org/officeDocument/2006/relationships" xmlns:p="http://schemas.openxmlformats.org/presentationml/2006/main">
+  <p:cSld>
+    <p:spTree>
+      <p:nvGrpSpPr>
+        <p:cNvPr id="1" name=""/>
+        <p:cNvGrpSpPr/>
+        <p:nvPr/>
+      </p:nvGrpSpPr>
+      <p:grpSpPr>
+        <a:xfrm>
+          <a:off x="0" y="0"/>
+          <a:ext cx="0" cy="0"/>
+          <a:chOff x="0" y="0"/>
+          <a:chExt cx="0" cy="0"/>
+        </a:xfrm>
+      </p:grpSpPr>
+      <p:sp>
+        <p:nvSpPr>
+          <p:cNvPr id="26" name="AutoShape 3"/>
+          <p:cNvSpPr>
+            <a:spLocks noChangeArrowheads="1"/>
+          </p:cNvSpPr>
+          <p:nvPr/>
+        </p:nvSpPr>
+        <p:spPr bwMode="auto">
+          <a:xfrm>
+            <a:off x="1391840" y="1905000"/>
+            <a:ext cx="7294960" cy="4000528"/>
+          </a:xfrm>
+          <a:prstGeom prst="roundRect">
+            <a:avLst>
+              <a:gd name="adj" fmla="val 9375"/>
+            </a:avLst>
+          </a:prstGeom>
+          <a:ln>
+            <a:headEnd type="none" w="sm" len="sm"/>
+            <a:tailEnd type="none" w="sm" len="sm"/>
+          </a:ln>
+        </p:spPr>
+        <p:style>
+          <a:lnRef idx="1">
+            <a:schemeClr val="accent2"/>
+          </a:lnRef>
+          <a:fillRef idx="3">
+            <a:schemeClr val="accent2"/>
+          </a:fillRef>
+          <a:effectRef idx="2">
+            <a:schemeClr val="accent2"/>
+          </a:effectRef>
+          <a:fontRef idx="minor">
+            <a:schemeClr val="lt1"/>
+          </a:fontRef>
+        </p:style>
+        <p:txBody>
+          <a:bodyPr wrap="none" lIns="91428" tIns="45715" rIns="91428" bIns="45715"/>
+          <a:lstStyle/>
+          <a:p>
+            <a:pPr algn="r" fontAlgn="auto">
+              <a:spcBef>
+                <a:spcPts val="0"/>
+              </a:spcBef>
+              <a:spcAft>
+                <a:spcPts val="0"/>
+              </a:spcAft>
+              <a:defRPr/>
+            </a:pPr>
+            <a:r>
+              <a:rPr lang="en-US" sz="3200" dirty="0"/>
+              <a:t>.NET 4.0</a:t>
+            </a:r>
+          </a:p>
+        </p:txBody>
+      </p:sp>
+      <p:sp>
+        <p:nvSpPr>
+          <p:cNvPr id="23" name="AutoShape 3"/>
+          <p:cNvSpPr>
+            <a:spLocks noChangeArrowheads="1"/>
+          </p:cNvSpPr>
+          <p:nvPr/>
+        </p:nvSpPr>
+        <p:spPr bwMode="auto">
+          <a:xfrm>
+            <a:off x="1391840" y="2971800"/>
+            <a:ext cx="7294960" cy="3581400"/>
+          </a:xfrm>
+          <a:prstGeom prst="roundRect">
+            <a:avLst>
+              <a:gd name="adj" fmla="val 9375"/>
+            </a:avLst>
+          </a:prstGeom>
+          <a:ln>
+            <a:headEnd type="none" w="sm" len="sm"/>
+            <a:tailEnd type="none" w="sm" len="sm"/>
+          </a:ln>
+        </p:spPr>
+        <p:style>
+          <a:lnRef idx="1">
+            <a:schemeClr val="accent2"/>
+          </a:lnRef>
+          <a:fillRef idx="3">
+            <a:schemeClr val="accent2"/>
+          </a:fillRef>
+          <a:effectRef idx="2">
+            <a:schemeClr val="accent2"/>
+          </a:effectRef>
+          <a:fontRef idx="minor">
+            <a:schemeClr val="lt1"/>
+          </a:fontRef>
+        </p:style>
+        <p:txBody>
+          <a:bodyPr wrap="none" lIns="91428" tIns="45715" rIns="91428" bIns="45715"/>
+          <a:lstStyle/>
+          <a:p>
+            <a:pPr algn="r" fontAlgn="auto">
+              <a:spcBef>
+                <a:spcPts val="0"/>
+              </a:spcBef>
+              <a:spcAft>
+                <a:spcPts val="0"/>
+              </a:spcAft>
+              <a:defRPr/>
+            </a:pPr>
+            <a:r>
+              <a:rPr lang="en-US" sz="3200" dirty="0"/>
+              <a:t>.NET 3.5</a:t>
+            </a:r>
+          </a:p>
+        </p:txBody>
+      </p:sp>
+      <p:sp>
+        <p:nvSpPr>
+          <p:cNvPr id="30" name="Rounded Rectangle 29"/>
+          <p:cNvSpPr/>
+          <p:nvPr/>
+        </p:nvSpPr>
+        <p:spPr>
+          <a:xfrm>
+            <a:off x="457200" y="3048000"/>
+            <a:ext cx="4648200" cy="838200"/>
+          </a:xfrm>
+          <a:prstGeom prst="roundRect">
+            <a:avLst/>
+          </a:prstGeom>
+          <a:ln/>
+        </p:spPr>
+        <p:style>
+          <a:lnRef idx="1">
+            <a:schemeClr val="accent6"/>
+          </a:lnRef>
+          <a:fillRef idx="3">
+            <a:schemeClr val="accent6"/>
+          </a:fillRef>
+          <a:effectRef idx="2">
+            <a:schemeClr val="accent6"/>
+          </a:effectRef>
+          <a:fontRef idx="minor">
+            <a:schemeClr val="lt1"/>
+          </a:fontRef>
+        </p:style>
+        <p:txBody>
+          <a:bodyPr anchor="ctr"/>
+          <a:lstStyle/>
+          <a:p>
+            <a:pPr fontAlgn="auto">
+              <a:spcBef>
+                <a:spcPts val="0"/>
+              </a:spcBef>
+              <a:spcAft>
+                <a:spcPts val="0"/>
+              </a:spcAft>
+              <a:defRPr/>
+            </a:pPr>
+            <a:r>
+              <a:rPr lang="en-US" sz="3200" dirty="0">
+                <a:solidFill>
+                  <a:schemeClr val="tx1"/>
+                </a:solidFill>
+              </a:rPr>
+              <a:t>LINQ</a:t>
+            </a:r>
+          </a:p>
+        </p:txBody>
+      </p:sp>
+      <p:sp>
+        <p:nvSpPr>
+          <p:cNvPr id="14" name="AutoShape 3"/>
+          <p:cNvSpPr>
+            <a:spLocks noChangeArrowheads="1"/>
+          </p:cNvSpPr>
+          <p:nvPr/>
+        </p:nvSpPr>
+        <p:spPr bwMode="auto">
+          <a:xfrm>
+            <a:off x="1391840" y="3962400"/>
+            <a:ext cx="7294960" cy="2590800"/>
+          </a:xfrm>
+          <a:prstGeom prst="roundRect">
+            <a:avLst>
+              <a:gd name="adj" fmla="val 12816"/>
+            </a:avLst>
+          </a:prstGeom>
+          <a:ln>
+            <a:headEnd type="none" w="sm" len="sm"/>
+            <a:tailEnd type="none" w="sm" len="sm"/>
+          </a:ln>
+        </p:spPr>
+        <p:style>
+          <a:lnRef idx="1">
+            <a:schemeClr val="accent2"/>
+          </a:lnRef>
+          <a:fillRef idx="3">
+            <a:schemeClr val="accent2"/>
+          </a:fillRef>
+          <a:effectRef idx="2">
+            <a:schemeClr val="accent2"/>
+          </a:effectRef>
+          <a:fontRef idx="minor">
+            <a:schemeClr val="lt1"/>
+          </a:fontRef>
+        </p:style>
+        <p:txBody>
+          <a:bodyPr wrap="none" lIns="91428" tIns="45715" rIns="91428" bIns="45715"/>
+          <a:lstStyle/>
+          <a:p>
+            <a:pPr algn="r" fontAlgn="auto">
+              <a:spcBef>
+                <a:spcPts val="0"/>
+              </a:spcBef>
+              <a:spcAft>
+                <a:spcPts val="0"/>
+              </a:spcAft>
+              <a:defRPr/>
+            </a:pPr>
+            <a:r>
+              <a:rPr lang="en-US" sz="3200" dirty="0"/>
+              <a:t>.NET 2.0</a:t>
+            </a:r>
+          </a:p>
+        </p:txBody>
+      </p:sp>
+      <p:sp>
+        <p:nvSpPr>
+          <p:cNvPr id="40973" name="Title 1"/>
+          <p:cNvSpPr>
+            <a:spLocks noGrp="1"/>
+          </p:cNvSpPr>
+          <p:nvPr>
+            <p:ph type="title"/>
+          </p:nvPr>
+        </p:nvSpPr>
+        <p:spPr/>
+        <p:txBody>
+          <a:bodyPr/>
+          <a:lstStyle/>
+          <a:p>
+            <a:pPr eaLnBrk="1" hangingPunct="1"/>
+            <a:r>
+              <a:rPr lang="en-US" smtClean="0"/>
+              <a:t>Common Language Runtime</a:t>
+            </a:r>
+          </a:p>
+        </p:txBody>
+      </p:sp>
+      <p:sp>
+        <p:nvSpPr>
+          <p:cNvPr id="3" name="AutoShape 3"/>
+          <p:cNvSpPr>
+            <a:spLocks noChangeArrowheads="1"/>
+          </p:cNvSpPr>
+          <p:nvPr/>
+        </p:nvSpPr>
+        <p:spPr bwMode="auto">
+          <a:xfrm>
+            <a:off x="1391841" y="4876800"/>
+            <a:ext cx="7294959" cy="1676400"/>
+          </a:xfrm>
+          <a:prstGeom prst="roundRect">
+            <a:avLst>
+              <a:gd name="adj" fmla="val 18714"/>
+            </a:avLst>
+          </a:prstGeom>
+          <a:ln>
+            <a:headEnd type="none" w="sm" len="sm"/>
+            <a:tailEnd type="none" w="sm" len="sm"/>
+          </a:ln>
+        </p:spPr>
+        <p:style>
+          <a:lnRef idx="1">
+            <a:schemeClr val="accent2"/>
+          </a:lnRef>
+          <a:fillRef idx="3">
+            <a:schemeClr val="accent2"/>
+          </a:fillRef>
+          <a:effectRef idx="2">
+            <a:schemeClr val="accent2"/>
+          </a:effectRef>
+          <a:fontRef idx="minor">
+            <a:schemeClr val="lt1"/>
+          </a:fontRef>
+        </p:style>
+        <p:txBody>
+          <a:bodyPr wrap="none" lIns="91428" tIns="45715" rIns="91428" bIns="45715" anchor="ctr"/>
+          <a:lstStyle/>
+          <a:p>
+            <a:pPr algn="r" fontAlgn="auto">
+              <a:spcBef>
+                <a:spcPts val="0"/>
+              </a:spcBef>
+              <a:spcAft>
+                <a:spcPts val="0"/>
+              </a:spcAft>
+              <a:defRPr/>
+            </a:pPr>
+            <a:r>
+              <a:rPr lang="en-US" sz="3200" dirty="0"/>
+              <a:t>.NET 1.0</a:t>
+            </a:r>
+          </a:p>
+        </p:txBody>
+      </p:sp>
+      <p:sp>
+        <p:nvSpPr>
+          <p:cNvPr id="4" name="AutoShape 4"/>
+          <p:cNvSpPr>
+            <a:spLocks noChangeArrowheads="1"/>
+          </p:cNvSpPr>
+          <p:nvPr/>
+        </p:nvSpPr>
+        <p:spPr bwMode="auto">
+          <a:xfrm>
+            <a:off x="3429000" y="4953000"/>
+            <a:ext cx="1600200" cy="685800"/>
+          </a:xfrm>
+          <a:prstGeom prst="roundRect">
+            <a:avLst>
+              <a:gd name="adj" fmla="val 16667"/>
+            </a:avLst>
+          </a:prstGeom>
+          <a:ln>
+            <a:headEnd type="none" w="med" len="med"/>
+            <a:tailEnd type="none" w="med" len="med"/>
+          </a:ln>
+        </p:spPr>
+        <p:style>
+          <a:lnRef idx="1">
+            <a:schemeClr val="accent4"/>
+          </a:lnRef>
+          <a:fillRef idx="3">
+            <a:schemeClr val="accent4"/>
+          </a:fillRef>
+          <a:effectRef idx="2">
+            <a:schemeClr val="accent4"/>
+          </a:effectRef>
+          <a:fontRef idx="minor">
+            <a:schemeClr val="lt1"/>
+          </a:fontRef>
+        </p:style>
+        <p:txBody>
+          <a:bodyPr lIns="109720" tIns="54859" rIns="109720" bIns="54859" anchor="ctr"/>
+          <a:lstStyle/>
+          <a:p>
+            <a:pPr algn="ctr" defTabSz="1096875" eaLnBrk="0" fontAlgn="auto" hangingPunct="0">
+              <a:spcBef>
+                <a:spcPts val="0"/>
+              </a:spcBef>
+              <a:spcAft>
+                <a:spcPts val="0"/>
+              </a:spcAft>
+              <a:defRPr/>
+            </a:pPr>
+            <a:r>
+              <a:rPr lang="en-US" sz="2000" dirty="0"/>
+              <a:t>GC</a:t>
+            </a:r>
+          </a:p>
+        </p:txBody>
+      </p:sp>
+      <p:sp>
+        <p:nvSpPr>
+          <p:cNvPr id="9" name="AutoShape 4"/>
+          <p:cNvSpPr>
+            <a:spLocks noChangeArrowheads="1"/>
+          </p:cNvSpPr>
+          <p:nvPr/>
+        </p:nvSpPr>
+        <p:spPr bwMode="auto">
+          <a:xfrm>
+            <a:off x="1676400" y="5715000"/>
+            <a:ext cx="1600200" cy="685800"/>
+          </a:xfrm>
+          <a:prstGeom prst="roundRect">
+            <a:avLst>
+              <a:gd name="adj" fmla="val 16667"/>
+            </a:avLst>
+          </a:prstGeom>
+          <a:ln>
+            <a:headEnd type="none" w="med" len="med"/>
+            <a:tailEnd type="none" w="med" len="med"/>
+          </a:ln>
+        </p:spPr>
+        <p:style>
+          <a:lnRef idx="1">
+            <a:schemeClr val="accent4"/>
+          </a:lnRef>
+          <a:fillRef idx="3">
+            <a:schemeClr val="accent4"/>
+          </a:fillRef>
+          <a:effectRef idx="2">
+            <a:schemeClr val="accent4"/>
+          </a:effectRef>
+          <a:fontRef idx="minor">
+            <a:schemeClr val="lt1"/>
+          </a:fontRef>
+        </p:style>
+        <p:txBody>
+          <a:bodyPr lIns="109720" tIns="54859" rIns="109720" bIns="54859" anchor="ctr"/>
+          <a:lstStyle/>
+          <a:p>
+            <a:pPr algn="ctr" defTabSz="1096875" eaLnBrk="0" fontAlgn="auto" hangingPunct="0">
+              <a:spcBef>
+                <a:spcPts val="0"/>
+              </a:spcBef>
+              <a:spcAft>
+                <a:spcPts val="0"/>
+              </a:spcAft>
+              <a:defRPr/>
+            </a:pPr>
+            <a:r>
+              <a:rPr lang="en-US" sz="2000" dirty="0"/>
+              <a:t>BCL</a:t>
+            </a:r>
+          </a:p>
+        </p:txBody>
+      </p:sp>
+      <p:sp>
+        <p:nvSpPr>
+          <p:cNvPr id="10" name="AutoShape 4"/>
+          <p:cNvSpPr>
+            <a:spLocks noChangeArrowheads="1"/>
+          </p:cNvSpPr>
+          <p:nvPr/>
+        </p:nvSpPr>
+        <p:spPr bwMode="auto">
+          <a:xfrm>
+            <a:off x="5181600" y="4953000"/>
+            <a:ext cx="1600200" cy="685800"/>
+          </a:xfrm>
+          <a:prstGeom prst="roundRect">
+            <a:avLst>
+              <a:gd name="adj" fmla="val 16667"/>
+            </a:avLst>
+          </a:prstGeom>
+          <a:ln>
+            <a:headEnd type="none" w="med" len="med"/>
+            <a:tailEnd type="none" w="med" len="med"/>
+          </a:ln>
+        </p:spPr>
+        <p:style>
+          <a:lnRef idx="1">
+            <a:schemeClr val="accent4"/>
+          </a:lnRef>
+          <a:fillRef idx="3">
+            <a:schemeClr val="accent4"/>
+          </a:fillRef>
+          <a:effectRef idx="2">
+            <a:schemeClr val="accent4"/>
+          </a:effectRef>
+          <a:fontRef idx="minor">
+            <a:schemeClr val="lt1"/>
+          </a:fontRef>
+        </p:style>
+        <p:txBody>
+          <a:bodyPr lIns="109720" tIns="54859" rIns="109720" bIns="54859" anchor="ctr"/>
+          <a:lstStyle/>
+          <a:p>
+            <a:pPr algn="ctr" defTabSz="1096875" eaLnBrk="0" fontAlgn="auto" hangingPunct="0">
+              <a:spcBef>
+                <a:spcPts val="0"/>
+              </a:spcBef>
+              <a:spcAft>
+                <a:spcPts val="0"/>
+              </a:spcAft>
+              <a:defRPr/>
+            </a:pPr>
+            <a:r>
+              <a:rPr lang="en-US" sz="2000" dirty="0"/>
+              <a:t>Reflection</a:t>
+            </a:r>
+          </a:p>
+        </p:txBody>
+      </p:sp>
+      <p:sp>
+        <p:nvSpPr>
+          <p:cNvPr id="11" name="AutoShape 4"/>
+          <p:cNvSpPr>
+            <a:spLocks noChangeArrowheads="1"/>
+          </p:cNvSpPr>
+          <p:nvPr/>
+        </p:nvSpPr>
+        <p:spPr bwMode="auto">
+          <a:xfrm>
+            <a:off x="1676400" y="4953000"/>
+            <a:ext cx="1600200" cy="685800"/>
+          </a:xfrm>
+          <a:prstGeom prst="roundRect">
+            <a:avLst>
+              <a:gd name="adj" fmla="val 16667"/>
+            </a:avLst>
+          </a:prstGeom>
+          <a:ln>
+            <a:headEnd type="none" w="med" len="med"/>
+            <a:tailEnd type="none" w="med" len="med"/>
+          </a:ln>
+        </p:spPr>
+        <p:style>
+          <a:lnRef idx="1">
+            <a:schemeClr val="accent4"/>
+          </a:lnRef>
+          <a:fillRef idx="3">
+            <a:schemeClr val="accent4"/>
+          </a:fillRef>
+          <a:effectRef idx="2">
+            <a:schemeClr val="accent4"/>
+          </a:effectRef>
+          <a:fontRef idx="minor">
+            <a:schemeClr val="lt1"/>
+          </a:fontRef>
+        </p:style>
+        <p:txBody>
+          <a:bodyPr lIns="109720" tIns="54859" rIns="109720" bIns="54859" anchor="ctr"/>
+          <a:lstStyle/>
+          <a:p>
+            <a:pPr algn="ctr" defTabSz="1096875" eaLnBrk="0" fontAlgn="auto" hangingPunct="0">
+              <a:spcBef>
+                <a:spcPts val="0"/>
+              </a:spcBef>
+              <a:spcAft>
+                <a:spcPts val="0"/>
+              </a:spcAft>
+              <a:defRPr/>
+            </a:pPr>
+            <a:r>
+              <a:rPr lang="en-US" sz="2000" dirty="0"/>
+              <a:t>JIT</a:t>
+            </a:r>
+          </a:p>
+        </p:txBody>
+      </p:sp>
+      <p:sp>
+        <p:nvSpPr>
+          <p:cNvPr id="22" name="AutoShape 4"/>
+          <p:cNvSpPr>
+            <a:spLocks noChangeArrowheads="1"/>
+          </p:cNvSpPr>
+          <p:nvPr/>
+        </p:nvSpPr>
+        <p:spPr bwMode="auto">
+          <a:xfrm>
+            <a:off x="3429000" y="4038600"/>
+            <a:ext cx="1600200" cy="685800"/>
+          </a:xfrm>
+          <a:prstGeom prst="roundRect">
+            <a:avLst>
+              <a:gd name="adj" fmla="val 16667"/>
+            </a:avLst>
+          </a:prstGeom>
+          <a:ln>
+            <a:headEnd type="none" w="med" len="med"/>
+            <a:tailEnd type="none" w="med" len="med"/>
+          </a:ln>
+        </p:spPr>
+        <p:style>
+          <a:lnRef idx="1">
+            <a:schemeClr val="accent4"/>
+          </a:lnRef>
+          <a:fillRef idx="3">
+            <a:schemeClr val="accent4"/>
+          </a:fillRef>
+          <a:effectRef idx="2">
+            <a:schemeClr val="accent4"/>
+          </a:effectRef>
+          <a:fontRef idx="minor">
+            <a:schemeClr val="lt1"/>
+          </a:fontRef>
+        </p:style>
+        <p:txBody>
+          <a:bodyPr lIns="109720" tIns="54859" rIns="109720" bIns="54859" anchor="ctr"/>
+          <a:lstStyle/>
+          <a:p>
+            <a:pPr algn="ctr" defTabSz="1096875" eaLnBrk="0" fontAlgn="auto" hangingPunct="0">
+              <a:spcBef>
+                <a:spcPts val="0"/>
+              </a:spcBef>
+              <a:spcAft>
+                <a:spcPts val="0"/>
+              </a:spcAft>
+              <a:defRPr/>
+            </a:pPr>
+            <a:r>
+              <a:rPr lang="en-US" sz="2000" dirty="0"/>
+              <a:t>Generics</a:t>
+            </a:r>
+          </a:p>
+          <a:p>
+            <a:pPr algn="ctr" defTabSz="1096875" eaLnBrk="0" fontAlgn="auto" hangingPunct="0">
+              <a:spcBef>
+                <a:spcPts val="0"/>
+              </a:spcBef>
+              <a:spcAft>
+                <a:spcPts val="0"/>
+              </a:spcAft>
+              <a:defRPr/>
+            </a:pPr>
+            <a:r>
+              <a:rPr lang="en-US" sz="2000" dirty="0"/>
+              <a:t>In Runtime</a:t>
+            </a:r>
+          </a:p>
+        </p:txBody>
+      </p:sp>
+      <p:sp>
+        <p:nvSpPr>
+          <p:cNvPr id="24" name="AutoShape 4"/>
+          <p:cNvSpPr>
+            <a:spLocks noChangeArrowheads="1"/>
+          </p:cNvSpPr>
+          <p:nvPr/>
+        </p:nvSpPr>
+        <p:spPr bwMode="auto">
+          <a:xfrm>
+            <a:off x="3425825" y="3111500"/>
+            <a:ext cx="1600200" cy="685800"/>
+          </a:xfrm>
+          <a:prstGeom prst="roundRect">
+            <a:avLst>
+              <a:gd name="adj" fmla="val 16667"/>
+            </a:avLst>
+          </a:prstGeom>
+          <a:ln>
+            <a:headEnd type="none" w="med" len="med"/>
+            <a:tailEnd type="none" w="med" len="med"/>
+          </a:ln>
+        </p:spPr>
+        <p:style>
+          <a:lnRef idx="1">
+            <a:schemeClr val="accent4"/>
+          </a:lnRef>
+          <a:fillRef idx="3">
+            <a:schemeClr val="accent4"/>
+          </a:fillRef>
+          <a:effectRef idx="2">
+            <a:schemeClr val="accent4"/>
+          </a:effectRef>
+          <a:fontRef idx="minor">
+            <a:schemeClr val="lt1"/>
+          </a:fontRef>
+        </p:style>
+        <p:txBody>
+          <a:bodyPr lIns="109720" tIns="54859" rIns="109720" bIns="54859" anchor="ctr"/>
+          <a:lstStyle/>
+          <a:p>
+            <a:pPr algn="ctr" defTabSz="1096875" eaLnBrk="0" fontAlgn="auto" hangingPunct="0">
+              <a:spcBef>
+                <a:spcPts val="0"/>
+              </a:spcBef>
+              <a:spcAft>
+                <a:spcPts val="0"/>
+              </a:spcAft>
+              <a:defRPr/>
+            </a:pPr>
+            <a:r>
+              <a:rPr lang="en-US" sz="2000" dirty="0"/>
+              <a:t>Expression</a:t>
+            </a:r>
+          </a:p>
+          <a:p>
+            <a:pPr algn="ctr" defTabSz="1096875" eaLnBrk="0" fontAlgn="auto" hangingPunct="0">
+              <a:spcBef>
+                <a:spcPts val="0"/>
+              </a:spcBef>
+              <a:spcAft>
+                <a:spcPts val="0"/>
+              </a:spcAft>
+              <a:defRPr/>
+            </a:pPr>
+            <a:r>
+              <a:rPr lang="en-US" sz="2000" dirty="0"/>
+              <a:t>Trees</a:t>
+            </a:r>
+          </a:p>
+        </p:txBody>
+      </p:sp>
+      <p:sp>
+        <p:nvSpPr>
+          <p:cNvPr id="25" name="AutoShape 4"/>
+          <p:cNvSpPr>
+            <a:spLocks noChangeArrowheads="1"/>
+          </p:cNvSpPr>
+          <p:nvPr/>
+        </p:nvSpPr>
+        <p:spPr bwMode="auto">
+          <a:xfrm>
+            <a:off x="1670050" y="3111500"/>
+            <a:ext cx="1600200" cy="685800"/>
+          </a:xfrm>
+          <a:prstGeom prst="roundRect">
+            <a:avLst>
+              <a:gd name="adj" fmla="val 16667"/>
+            </a:avLst>
+          </a:prstGeom>
+          <a:ln>
+            <a:headEnd type="none" w="med" len="med"/>
+            <a:tailEnd type="none" w="med" len="med"/>
+          </a:ln>
+        </p:spPr>
+        <p:style>
+          <a:lnRef idx="1">
+            <a:schemeClr val="accent4"/>
+          </a:lnRef>
+          <a:fillRef idx="3">
+            <a:schemeClr val="accent4"/>
+          </a:fillRef>
+          <a:effectRef idx="2">
+            <a:schemeClr val="accent4"/>
+          </a:effectRef>
+          <a:fontRef idx="minor">
+            <a:schemeClr val="lt1"/>
+          </a:fontRef>
+        </p:style>
+        <p:txBody>
+          <a:bodyPr lIns="109720" tIns="54859" rIns="109720" bIns="54859" anchor="ctr"/>
+          <a:lstStyle/>
+          <a:p>
+            <a:pPr algn="ctr" defTabSz="1096875" eaLnBrk="0" fontAlgn="auto" hangingPunct="0">
+              <a:spcBef>
+                <a:spcPts val="0"/>
+              </a:spcBef>
+              <a:spcAft>
+                <a:spcPts val="0"/>
+              </a:spcAft>
+              <a:defRPr/>
+            </a:pPr>
+            <a:r>
+              <a:rPr lang="en-US" sz="2000" dirty="0"/>
+              <a:t>Extension</a:t>
+            </a:r>
+          </a:p>
+          <a:p>
+            <a:pPr algn="ctr" defTabSz="1096875" eaLnBrk="0" fontAlgn="auto" hangingPunct="0">
+              <a:spcBef>
+                <a:spcPts val="0"/>
+              </a:spcBef>
+              <a:spcAft>
+                <a:spcPts val="0"/>
+              </a:spcAft>
+              <a:defRPr/>
+            </a:pPr>
+            <a:r>
+              <a:rPr lang="en-US" sz="2000" dirty="0"/>
+              <a:t>Methods</a:t>
+            </a:r>
+          </a:p>
+        </p:txBody>
+      </p:sp>
+      <p:sp>
+        <p:nvSpPr>
+          <p:cNvPr id="31" name="Rounded Rectangle 30"/>
+          <p:cNvSpPr/>
+          <p:nvPr/>
+        </p:nvSpPr>
+        <p:spPr>
+          <a:xfrm>
+            <a:off x="457200" y="2057400"/>
+            <a:ext cx="6400800" cy="838200"/>
+          </a:xfrm>
+          <a:prstGeom prst="roundRect">
+            <a:avLst/>
+          </a:prstGeom>
+          <a:ln/>
+        </p:spPr>
+        <p:style>
+          <a:lnRef idx="1">
+            <a:schemeClr val="accent6"/>
+          </a:lnRef>
+          <a:fillRef idx="3">
+            <a:schemeClr val="accent6"/>
+          </a:fillRef>
+          <a:effectRef idx="2">
+            <a:schemeClr val="accent6"/>
+          </a:effectRef>
+          <a:fontRef idx="minor">
+            <a:schemeClr val="lt1"/>
+          </a:fontRef>
+        </p:style>
+        <p:txBody>
+          <a:bodyPr anchor="ctr"/>
+          <a:lstStyle/>
+          <a:p>
+            <a:pPr fontAlgn="auto">
+              <a:spcBef>
+                <a:spcPts val="0"/>
+              </a:spcBef>
+              <a:spcAft>
+                <a:spcPts val="0"/>
+              </a:spcAft>
+              <a:defRPr/>
+            </a:pPr>
+            <a:r>
+              <a:rPr lang="en-US" sz="3200" dirty="0">
+                <a:solidFill>
+                  <a:schemeClr val="tx1"/>
+                </a:solidFill>
+              </a:rPr>
+              <a:t>DLR</a:t>
+            </a:r>
+          </a:p>
+        </p:txBody>
+      </p:sp>
+      <p:sp>
+        <p:nvSpPr>
+          <p:cNvPr id="27" name="AutoShape 4"/>
+          <p:cNvSpPr>
+            <a:spLocks noChangeArrowheads="1"/>
+          </p:cNvSpPr>
+          <p:nvPr/>
+        </p:nvSpPr>
+        <p:spPr bwMode="auto">
+          <a:xfrm>
+            <a:off x="3429000" y="2133600"/>
+            <a:ext cx="1600200" cy="685800"/>
+          </a:xfrm>
+          <a:prstGeom prst="roundRect">
+            <a:avLst>
+              <a:gd name="adj" fmla="val 16667"/>
+            </a:avLst>
+          </a:prstGeom>
+          <a:ln>
+            <a:headEnd type="none" w="med" len="med"/>
+            <a:tailEnd type="none" w="med" len="med"/>
+          </a:ln>
+        </p:spPr>
+        <p:style>
+          <a:lnRef idx="1">
+            <a:schemeClr val="accent4"/>
+          </a:lnRef>
+          <a:fillRef idx="3">
+            <a:schemeClr val="accent4"/>
+          </a:fillRef>
+          <a:effectRef idx="2">
+            <a:schemeClr val="accent4"/>
+          </a:effectRef>
+          <a:fontRef idx="minor">
+            <a:schemeClr val="lt1"/>
+          </a:fontRef>
+        </p:style>
+        <p:txBody>
+          <a:bodyPr lIns="109720" tIns="54859" rIns="109720" bIns="54859" anchor="ctr"/>
+          <a:lstStyle/>
+          <a:p>
+            <a:pPr algn="ctr" defTabSz="1096875" eaLnBrk="0" fontAlgn="auto" hangingPunct="0">
+              <a:spcBef>
+                <a:spcPts val="0"/>
+              </a:spcBef>
+              <a:spcAft>
+                <a:spcPts val="0"/>
+              </a:spcAft>
+              <a:defRPr/>
+            </a:pPr>
+            <a:r>
+              <a:rPr lang="en-US" sz="2000" dirty="0"/>
+              <a:t>Expression</a:t>
+            </a:r>
+          </a:p>
+          <a:p>
+            <a:pPr algn="ctr" defTabSz="1096875" eaLnBrk="0" fontAlgn="auto" hangingPunct="0">
+              <a:spcBef>
+                <a:spcPts val="0"/>
+              </a:spcBef>
+              <a:spcAft>
+                <a:spcPts val="0"/>
+              </a:spcAft>
+              <a:defRPr/>
+            </a:pPr>
+            <a:r>
+              <a:rPr lang="en-US" sz="2000" dirty="0"/>
+              <a:t>Trees v2</a:t>
+            </a:r>
+          </a:p>
+        </p:txBody>
+      </p:sp>
+      <p:sp>
+        <p:nvSpPr>
+          <p:cNvPr id="28" name="AutoShape 4"/>
+          <p:cNvSpPr>
+            <a:spLocks noChangeArrowheads="1"/>
+          </p:cNvSpPr>
+          <p:nvPr/>
+        </p:nvSpPr>
+        <p:spPr bwMode="auto">
+          <a:xfrm>
+            <a:off x="5181600" y="2133600"/>
+            <a:ext cx="1600200" cy="685800"/>
+          </a:xfrm>
+          <a:prstGeom prst="roundRect">
+            <a:avLst>
+              <a:gd name="adj" fmla="val 16667"/>
+            </a:avLst>
+          </a:prstGeom>
+          <a:ln>
+            <a:headEnd type="none" w="med" len="med"/>
+            <a:tailEnd type="none" w="med" len="med"/>
+          </a:ln>
+        </p:spPr>
+        <p:style>
+          <a:lnRef idx="1">
+            <a:schemeClr val="accent4"/>
+          </a:lnRef>
+          <a:fillRef idx="3">
+            <a:schemeClr val="accent4"/>
+          </a:fillRef>
+          <a:effectRef idx="2">
+            <a:schemeClr val="accent4"/>
+          </a:effectRef>
+          <a:fontRef idx="minor">
+            <a:schemeClr val="lt1"/>
+          </a:fontRef>
+        </p:style>
+        <p:txBody>
+          <a:bodyPr lIns="109720" tIns="54859" rIns="109720" bIns="54859" anchor="ctr"/>
+          <a:lstStyle/>
+          <a:p>
+            <a:pPr algn="ctr" defTabSz="1096875" eaLnBrk="0" fontAlgn="auto" hangingPunct="0">
+              <a:spcBef>
+                <a:spcPts val="0"/>
+              </a:spcBef>
+              <a:spcAft>
+                <a:spcPts val="0"/>
+              </a:spcAft>
+              <a:defRPr/>
+            </a:pPr>
+            <a:r>
+              <a:rPr lang="en-US" sz="2000" dirty="0"/>
+              <a:t>Call Site Caching</a:t>
+            </a:r>
+          </a:p>
+        </p:txBody>
+      </p:sp>
+      <p:sp>
+        <p:nvSpPr>
+          <p:cNvPr id="29" name="AutoShape 4"/>
+          <p:cNvSpPr>
+            <a:spLocks noChangeArrowheads="1"/>
+          </p:cNvSpPr>
+          <p:nvPr/>
+        </p:nvSpPr>
+        <p:spPr bwMode="auto">
+          <a:xfrm>
+            <a:off x="1676400" y="2133600"/>
+            <a:ext cx="1600200" cy="685800"/>
+          </a:xfrm>
+          <a:prstGeom prst="roundRect">
+            <a:avLst>
+              <a:gd name="adj" fmla="val 16667"/>
+            </a:avLst>
+          </a:prstGeom>
+          <a:ln>
+            <a:headEnd type="none" w="med" len="med"/>
+            <a:tailEnd type="none" w="med" len="med"/>
+          </a:ln>
+        </p:spPr>
+        <p:style>
+          <a:lnRef idx="1">
+            <a:schemeClr val="accent4"/>
+          </a:lnRef>
+          <a:fillRef idx="3">
+            <a:schemeClr val="accent4"/>
+          </a:fillRef>
+          <a:effectRef idx="2">
+            <a:schemeClr val="accent4"/>
+          </a:effectRef>
+          <a:fontRef idx="minor">
+            <a:schemeClr val="lt1"/>
+          </a:fontRef>
+        </p:style>
+        <p:txBody>
+          <a:bodyPr lIns="109720" tIns="54859" rIns="109720" bIns="54859" anchor="ctr"/>
+          <a:lstStyle/>
+          <a:p>
+            <a:pPr algn="ctr" defTabSz="1096875" eaLnBrk="0" fontAlgn="auto" hangingPunct="0">
+              <a:spcBef>
+                <a:spcPts val="0"/>
+              </a:spcBef>
+              <a:spcAft>
+                <a:spcPts val="0"/>
+              </a:spcAft>
+              <a:defRPr/>
+            </a:pPr>
+            <a:r>
+              <a:rPr lang="en-US" sz="2000" dirty="0"/>
+              <a:t>Dynamic</a:t>
+            </a:r>
+          </a:p>
+          <a:p>
+            <a:pPr algn="ctr" defTabSz="1096875" eaLnBrk="0" fontAlgn="auto" hangingPunct="0">
+              <a:spcBef>
+                <a:spcPts val="0"/>
+              </a:spcBef>
+              <a:spcAft>
+                <a:spcPts val="0"/>
+              </a:spcAft>
+              <a:defRPr/>
+            </a:pPr>
+            <a:r>
+              <a:rPr lang="en-US" sz="2000" dirty="0"/>
+              <a:t>Dispatch</a:t>
+            </a:r>
+          </a:p>
+        </p:txBody>
+      </p:sp>
+      <p:sp>
+        <p:nvSpPr>
+          <p:cNvPr id="32" name="AutoShape 4"/>
+          <p:cNvSpPr>
+            <a:spLocks noChangeArrowheads="1"/>
+          </p:cNvSpPr>
+          <p:nvPr/>
+        </p:nvSpPr>
+        <p:spPr bwMode="auto">
+          <a:xfrm>
+            <a:off x="5181600" y="5715000"/>
+            <a:ext cx="1600200" cy="685800"/>
+          </a:xfrm>
+          <a:prstGeom prst="roundRect">
+            <a:avLst>
+              <a:gd name="adj" fmla="val 16667"/>
+            </a:avLst>
+          </a:prstGeom>
+          <a:ln>
+            <a:headEnd type="none" w="med" len="med"/>
+            <a:tailEnd type="none" w="med" len="med"/>
+          </a:ln>
+        </p:spPr>
+        <p:style>
+          <a:lnRef idx="1">
+            <a:schemeClr val="accent4"/>
+          </a:lnRef>
+          <a:fillRef idx="3">
+            <a:schemeClr val="accent4"/>
+          </a:fillRef>
+          <a:effectRef idx="2">
+            <a:schemeClr val="accent4"/>
+          </a:effectRef>
+          <a:fontRef idx="minor">
+            <a:schemeClr val="lt1"/>
+          </a:fontRef>
+        </p:style>
+        <p:txBody>
+          <a:bodyPr lIns="109720" tIns="54859" rIns="109720" bIns="54859" anchor="ctr"/>
+          <a:lstStyle/>
+          <a:p>
+            <a:pPr algn="ctr" defTabSz="1096875" eaLnBrk="0" fontAlgn="auto" hangingPunct="0">
+              <a:spcBef>
+                <a:spcPts val="0"/>
+              </a:spcBef>
+              <a:spcAft>
+                <a:spcPts val="0"/>
+              </a:spcAft>
+              <a:defRPr/>
+            </a:pPr>
+            <a:r>
+              <a:rPr lang="en-US" sz="2000" dirty="0"/>
+              <a:t>Dynamic</a:t>
+            </a:r>
+          </a:p>
+          <a:p>
+            <a:pPr algn="ctr" defTabSz="1096875" eaLnBrk="0" fontAlgn="auto" hangingPunct="0">
+              <a:spcBef>
+                <a:spcPts val="0"/>
+              </a:spcBef>
+              <a:spcAft>
+                <a:spcPts val="0"/>
+              </a:spcAft>
+              <a:defRPr/>
+            </a:pPr>
+            <a:r>
+              <a:rPr lang="en-US" sz="2000" dirty="0" err="1"/>
+              <a:t>Codegen</a:t>
+            </a:r>
+            <a:endParaRPr lang="en-US" sz="2000" dirty="0"/>
+          </a:p>
+        </p:txBody>
+      </p:sp>
+      <p:sp>
+        <p:nvSpPr>
+          <p:cNvPr id="33" name="AutoShape 4"/>
+          <p:cNvSpPr>
+            <a:spLocks noChangeArrowheads="1"/>
+          </p:cNvSpPr>
+          <p:nvPr/>
+        </p:nvSpPr>
+        <p:spPr bwMode="auto">
+          <a:xfrm>
+            <a:off x="3429000" y="5715000"/>
+            <a:ext cx="1600200" cy="685800"/>
+          </a:xfrm>
+          <a:prstGeom prst="roundRect">
+            <a:avLst>
+              <a:gd name="adj" fmla="val 16667"/>
+            </a:avLst>
+          </a:prstGeom>
+          <a:ln>
+            <a:headEnd type="none" w="med" len="med"/>
+            <a:tailEnd type="none" w="med" len="med"/>
+          </a:ln>
+        </p:spPr>
+        <p:style>
+          <a:lnRef idx="1">
+            <a:schemeClr val="accent4"/>
+          </a:lnRef>
+          <a:fillRef idx="3">
+            <a:schemeClr val="accent4"/>
+          </a:fillRef>
+          <a:effectRef idx="2">
+            <a:schemeClr val="accent4"/>
+          </a:effectRef>
+          <a:fontRef idx="minor">
+            <a:schemeClr val="lt1"/>
+          </a:fontRef>
+        </p:style>
+        <p:txBody>
+          <a:bodyPr lIns="109720" tIns="54859" rIns="109720" bIns="54859" anchor="ctr"/>
+          <a:lstStyle/>
+          <a:p>
+            <a:pPr algn="ctr" defTabSz="1096875" eaLnBrk="0" fontAlgn="auto" hangingPunct="0">
+              <a:spcBef>
+                <a:spcPts val="0"/>
+              </a:spcBef>
+              <a:spcAft>
+                <a:spcPts val="0"/>
+              </a:spcAft>
+              <a:defRPr/>
+            </a:pPr>
+            <a:r>
+              <a:rPr lang="en-US" sz="2000" dirty="0"/>
+              <a:t>Verifier</a:t>
+            </a:r>
+          </a:p>
+          <a:p>
+            <a:pPr algn="ctr" defTabSz="1096875" eaLnBrk="0" fontAlgn="auto" hangingPunct="0">
+              <a:spcBef>
+                <a:spcPts val="0"/>
+              </a:spcBef>
+              <a:spcAft>
+                <a:spcPts val="0"/>
+              </a:spcAft>
+              <a:defRPr/>
+            </a:pPr>
+            <a:r>
+              <a:rPr lang="en-US" sz="2000" dirty="0"/>
+              <a:t>Sandbox</a:t>
+            </a:r>
+          </a:p>
+        </p:txBody>
+      </p:sp>
+      <p:sp>
+        <p:nvSpPr>
+          <p:cNvPr id="34" name="AutoShape 4"/>
+          <p:cNvSpPr>
+            <a:spLocks noChangeArrowheads="1"/>
+          </p:cNvSpPr>
+          <p:nvPr/>
+        </p:nvSpPr>
+        <p:spPr bwMode="auto">
+          <a:xfrm>
+            <a:off x="5178558" y="3124200"/>
+            <a:ext cx="1675984" cy="685800"/>
+          </a:xfrm>
+          <a:prstGeom prst="hexagon">
+            <a:avLst/>
+          </a:prstGeom>
+          <a:ln>
+            <a:headEnd type="none" w="med" len="med"/>
+            <a:tailEnd type="none" w="med" len="med"/>
+          </a:ln>
+        </p:spPr>
+        <p:style>
+          <a:lnRef idx="1">
+            <a:schemeClr val="accent4"/>
+          </a:lnRef>
+          <a:fillRef idx="3">
+            <a:schemeClr val="accent4"/>
+          </a:fillRef>
+          <a:effectRef idx="2">
+            <a:schemeClr val="accent4"/>
+          </a:effectRef>
+          <a:fontRef idx="minor">
+            <a:schemeClr val="lt1"/>
+          </a:fontRef>
+        </p:style>
+        <p:txBody>
+          <a:bodyPr lIns="109720" tIns="54859" rIns="109720" bIns="54859" anchor="ctr"/>
+          <a:lstStyle/>
+          <a:p>
+            <a:pPr algn="ctr" defTabSz="1096875" eaLnBrk="0" fontAlgn="auto" hangingPunct="0">
+              <a:spcBef>
+                <a:spcPts val="0"/>
+              </a:spcBef>
+              <a:spcAft>
+                <a:spcPts val="0"/>
+              </a:spcAft>
+              <a:defRPr/>
+            </a:pPr>
+            <a:r>
+              <a:rPr lang="en-US" dirty="0" err="1"/>
+              <a:t>Silverlight</a:t>
+            </a:r>
+            <a:endParaRPr lang="en-US" dirty="0"/>
+          </a:p>
+        </p:txBody>
+      </p:sp>
+      <p:sp>
+        <p:nvSpPr>
+          <p:cNvPr id="35" name="AutoShape 4"/>
+          <p:cNvSpPr>
+            <a:spLocks noChangeArrowheads="1"/>
+          </p:cNvSpPr>
+          <p:nvPr/>
+        </p:nvSpPr>
+        <p:spPr bwMode="auto">
+          <a:xfrm>
+            <a:off x="1676400" y="4038600"/>
+            <a:ext cx="1600200" cy="685800"/>
+          </a:xfrm>
+          <a:prstGeom prst="roundRect">
+            <a:avLst>
+              <a:gd name="adj" fmla="val 16667"/>
+            </a:avLst>
+          </a:prstGeom>
+          <a:ln>
+            <a:headEnd type="none" w="med" len="med"/>
+            <a:tailEnd type="none" w="med" len="med"/>
+          </a:ln>
+        </p:spPr>
+        <p:style>
+          <a:lnRef idx="1">
+            <a:schemeClr val="accent4"/>
+          </a:lnRef>
+          <a:fillRef idx="3">
+            <a:schemeClr val="accent4"/>
+          </a:fillRef>
+          <a:effectRef idx="2">
+            <a:schemeClr val="accent4"/>
+          </a:effectRef>
+          <a:fontRef idx="minor">
+            <a:schemeClr val="lt1"/>
+          </a:fontRef>
+        </p:style>
+        <p:txBody>
+          <a:bodyPr lIns="109720" tIns="54859" rIns="109720" bIns="54859" anchor="ctr"/>
+          <a:lstStyle/>
+          <a:p>
+            <a:pPr algn="ctr" defTabSz="1096875" eaLnBrk="0" fontAlgn="auto" hangingPunct="0">
+              <a:spcBef>
+                <a:spcPts val="0"/>
+              </a:spcBef>
+              <a:spcAft>
+                <a:spcPts val="0"/>
+              </a:spcAft>
+              <a:defRPr/>
+            </a:pPr>
+            <a:r>
+              <a:rPr lang="en-US" sz="2000" dirty="0"/>
+              <a:t>Fast</a:t>
+            </a:r>
+          </a:p>
+          <a:p>
+            <a:pPr algn="ctr" defTabSz="1096875" eaLnBrk="0" fontAlgn="auto" hangingPunct="0">
+              <a:spcBef>
+                <a:spcPts val="0"/>
+              </a:spcBef>
+              <a:spcAft>
+                <a:spcPts val="0"/>
+              </a:spcAft>
+              <a:defRPr/>
+            </a:pPr>
+            <a:r>
+              <a:rPr lang="en-US" sz="2000" dirty="0"/>
+              <a:t>Delegates</a:t>
+            </a:r>
+          </a:p>
+        </p:txBody>
+      </p:sp>
+      <p:sp>
+        <p:nvSpPr>
+          <p:cNvPr id="36" name="AutoShape 4"/>
+          <p:cNvSpPr>
+            <a:spLocks noChangeArrowheads="1"/>
+          </p:cNvSpPr>
+          <p:nvPr/>
+        </p:nvSpPr>
+        <p:spPr bwMode="auto">
+          <a:xfrm>
+            <a:off x="5181600" y="4038600"/>
+            <a:ext cx="1600200" cy="685800"/>
+          </a:xfrm>
+          <a:prstGeom prst="roundRect">
+            <a:avLst>
+              <a:gd name="adj" fmla="val 16667"/>
+            </a:avLst>
+          </a:prstGeom>
+          <a:ln>
+            <a:headEnd type="none" w="med" len="med"/>
+            <a:tailEnd type="none" w="med" len="med"/>
+          </a:ln>
+        </p:spPr>
+        <p:style>
+          <a:lnRef idx="1">
+            <a:schemeClr val="accent4"/>
+          </a:lnRef>
+          <a:fillRef idx="3">
+            <a:schemeClr val="accent4"/>
+          </a:fillRef>
+          <a:effectRef idx="2">
+            <a:schemeClr val="accent4"/>
+          </a:effectRef>
+          <a:fontRef idx="minor">
+            <a:schemeClr val="lt1"/>
+          </a:fontRef>
+        </p:style>
+        <p:txBody>
+          <a:bodyPr lIns="109720" tIns="54859" rIns="109720" bIns="54859" anchor="ctr"/>
+          <a:lstStyle/>
+          <a:p>
+            <a:pPr algn="ctr" defTabSz="1096875" eaLnBrk="0" fontAlgn="auto" hangingPunct="0">
+              <a:spcBef>
+                <a:spcPts val="0"/>
+              </a:spcBef>
+              <a:spcAft>
+                <a:spcPts val="0"/>
+              </a:spcAft>
+              <a:defRPr/>
+            </a:pPr>
+            <a:r>
+              <a:rPr lang="en-US" sz="2000" dirty="0"/>
+              <a:t>Dynamic</a:t>
+            </a:r>
+          </a:p>
+          <a:p>
+            <a:pPr algn="ctr" defTabSz="1096875" eaLnBrk="0" fontAlgn="auto" hangingPunct="0">
+              <a:spcBef>
+                <a:spcPts val="0"/>
+              </a:spcBef>
+              <a:spcAft>
+                <a:spcPts val="0"/>
+              </a:spcAft>
+              <a:defRPr/>
+            </a:pPr>
+            <a:r>
+              <a:rPr lang="en-US" sz="2000" dirty="0"/>
+              <a:t>Methods</a:t>
+            </a:r>
+          </a:p>
+        </p:txBody>
+      </p:sp>
+    </p:spTree>
+  </p:cSld>
+  <p:clrMapOvr>
+    <a:masterClrMapping/>
+  </p:clrMapOvr>
+  <p:transition>
+    <p:fade/>
+  </p:transition>
+  <p:timing>
+    <p:tnLst>
+      <p:par>
+        <p:cTn id="1" dur="indefinite" restart="never" nodeType="tmRoot">
+          <p:childTnLst>
+            <p:seq concurrent="1" nextAc="seek">
+              <p:cTn id="2" dur="indefinite" nodeType="mainSeq">
+                <p:childTnLst>
+                  <p:par>
+                    <p:cTn id="3" fill="hold">
+                      <p:stCondLst>
+                        <p:cond delay="indefinite"/>
+                      </p:stCondLst>
+                      <p:childTnLst>
+                        <p:par>
+                          <p:cTn id="4" fill="hold">
+                            <p:stCondLst>
+                              <p:cond delay="0"/>
+                            </p:stCondLst>
+                            <p:childTnLst>
+                              <p:par>
+                                <p:cTn id="5" presetID="1" presetClass="entr" presetSubtype="0" fill="hold" nodeType="clickEffect">
+                                  <p:stCondLst>
+                                    <p:cond delay="0"/>
+                                  </p:stCondLst>
+                                  <p:childTnLst>
+                                    <p:set>
+                                      <p:cBhvr>
+                                        <p:cTn id="6" dur="1" fill="hold">
+                                          <p:stCondLst>
+                                            <p:cond delay="0"/>
+                                          </p:stCondLst>
+                                        </p:cTn>
+                                        <p:tgtEl>
+                                          <p:spTgt spid="14"/>
+                                        </p:tgtEl>
+                                        <p:attrNameLst>
+                                          <p:attrName>style.visibility</p:attrName>
+                                        </p:attrNameLst>
+                                      </p:cBhvr>
+                                      <p:to>
+                                        <p:strVal val="visible"/>
+                                      </p:to>
+                                    </p:set>
+                                  </p:childTnLst>
+                                </p:cTn>
+                              </p:par>
+                              <p:par>
+                                <p:cTn id="7" presetID="1" presetClass="entr" presetSubtype="0" fill="hold" nodeType="withEffect">
+                                  <p:stCondLst>
+                                    <p:cond delay="0"/>
+                                  </p:stCondLst>
+                                  <p:childTnLst>
+                                    <p:set>
+                                      <p:cBhvr>
+                                        <p:cTn id="8" dur="1" fill="hold">
+                                          <p:stCondLst>
+                                            <p:cond delay="0"/>
+                                          </p:stCondLst>
+                                        </p:cTn>
+                                        <p:tgtEl>
+                                          <p:spTgt spid="36"/>
+                                        </p:tgtEl>
+                                        <p:attrNameLst>
+                                          <p:attrName>style.visibility</p:attrName>
+                                        </p:attrNameLst>
+                                      </p:cBhvr>
+                                      <p:to>
+                                        <p:strVal val="visible"/>
+                                      </p:to>
+                                    </p:set>
+                                  </p:childTnLst>
+                                </p:cTn>
+                              </p:par>
+                              <p:par>
+                                <p:cTn id="9" presetID="1" presetClass="entr" presetSubtype="0" fill="hold" nodeType="withEffect">
+                                  <p:stCondLst>
+                                    <p:cond delay="0"/>
+                                  </p:stCondLst>
+                                  <p:childTnLst>
+                                    <p:set>
+                                      <p:cBhvr>
+                                        <p:cTn id="10" dur="1" fill="hold">
+                                          <p:stCondLst>
+                                            <p:cond delay="0"/>
+                                          </p:stCondLst>
+                                        </p:cTn>
+                                        <p:tgtEl>
+                                          <p:spTgt spid="35"/>
+                                        </p:tgtEl>
+                                        <p:attrNameLst>
+                                          <p:attrName>style.visibility</p:attrName>
+                                        </p:attrNameLst>
+                                      </p:cBhvr>
+                                      <p:to>
+                                        <p:strVal val="visible"/>
+                                      </p:to>
+                                    </p:set>
+                                  </p:childTnLst>
+                                </p:cTn>
+                              </p:par>
+                              <p:par>
+                                <p:cTn id="11" presetID="1" presetClass="entr" presetSubtype="0" fill="hold" nodeType="withEffect">
+                                  <p:stCondLst>
+                                    <p:cond delay="0"/>
+                                  </p:stCondLst>
+                                  <p:childTnLst>
+                                    <p:set>
+                                      <p:cBhvr>
+                                        <p:cTn id="12" dur="1" fill="hold">
+                                          <p:stCondLst>
+                                            <p:cond delay="0"/>
+                                          </p:stCondLst>
+                                        </p:cTn>
+                                        <p:tgtEl>
+                                          <p:spTgt spid="22"/>
+                                        </p:tgtEl>
+                                        <p:attrNameLst>
+                                          <p:attrName>style.visibility</p:attrName>
+                                        </p:attrNameLst>
+                                      </p:cBhvr>
+                                      <p:to>
+                                        <p:strVal val="visible"/>
+                                      </p:to>
+                                    </p:set>
+                                  </p:childTnLst>
+                                </p:cTn>
+                              </p:par>
+                            </p:childTnLst>
+                          </p:cTn>
+                        </p:par>
+                      </p:childTnLst>
+                    </p:cTn>
+                  </p:par>
+                  <p:par>
+                    <p:cTn id="13" fill="hold">
+                      <p:stCondLst>
+                        <p:cond delay="indefinite"/>
+                      </p:stCondLst>
+                      <p:childTnLst>
+                        <p:par>
+                          <p:cTn id="14" fill="hold">
+                            <p:stCondLst>
+                              <p:cond delay="0"/>
+                            </p:stCondLst>
+                            <p:childTnLst>
+                              <p:par>
+                                <p:cTn id="15" presetID="1" presetClass="entr" presetSubtype="0" fill="hold" nodeType="clickEffect">
+                                  <p:stCondLst>
+                                    <p:cond delay="0"/>
+                                  </p:stCondLst>
+                                  <p:childTnLst>
+                                    <p:set>
+                                      <p:cBhvr>
+                                        <p:cTn id="16" dur="1" fill="hold">
+                                          <p:stCondLst>
+                                            <p:cond delay="0"/>
+                                          </p:stCondLst>
+                                        </p:cTn>
+                                        <p:tgtEl>
+                                          <p:spTgt spid="24"/>
+                                        </p:tgtEl>
+                                        <p:attrNameLst>
+                                          <p:attrName>style.visibility</p:attrName>
+                                        </p:attrNameLst>
+                                      </p:cBhvr>
+                                      <p:to>
+                                        <p:strVal val="visible"/>
+                                      </p:to>
+                                    </p:set>
+                                  </p:childTnLst>
+                                </p:cTn>
+                              </p:par>
+                              <p:par>
+                                <p:cTn id="17" presetID="1" presetClass="entr" presetSubtype="0" fill="hold" nodeType="withEffect">
+                                  <p:stCondLst>
+                                    <p:cond delay="0"/>
+                                  </p:stCondLst>
+                                  <p:childTnLst>
+                                    <p:set>
+                                      <p:cBhvr>
+                                        <p:cTn id="18" dur="1" fill="hold">
+                                          <p:stCondLst>
+                                            <p:cond delay="0"/>
+                                          </p:stCondLst>
+                                        </p:cTn>
+                                        <p:tgtEl>
+                                          <p:spTgt spid="25"/>
+                                        </p:tgtEl>
+                                        <p:attrNameLst>
+                                          <p:attrName>style.visibility</p:attrName>
+                                        </p:attrNameLst>
+                                      </p:cBhvr>
+                                      <p:to>
+                                        <p:strVal val="visible"/>
+                                      </p:to>
+                                    </p:set>
+                                  </p:childTnLst>
+                                </p:cTn>
+                              </p:par>
+                              <p:par>
+                                <p:cTn id="19" presetID="1" presetClass="entr" presetSubtype="0" fill="hold" nodeType="withEffect">
+                                  <p:stCondLst>
+                                    <p:cond delay="0"/>
+                                  </p:stCondLst>
+                                  <p:childTnLst>
+                                    <p:set>
+                                      <p:cBhvr>
+                                        <p:cTn id="20" dur="1" fill="hold">
+                                          <p:stCondLst>
+                                            <p:cond delay="0"/>
+                                          </p:stCondLst>
+                                        </p:cTn>
+                                        <p:tgtEl>
+                                          <p:spTgt spid="34"/>
+                                        </p:tgtEl>
+                                        <p:attrNameLst>
+                                          <p:attrName>style.visibility</p:attrName>
+                                        </p:attrNameLst>
+                                      </p:cBhvr>
+                                      <p:to>
+                                        <p:strVal val="visible"/>
+                                      </p:to>
+                                    </p:set>
+                                  </p:childTnLst>
+                                </p:cTn>
+                              </p:par>
+                              <p:par>
+                                <p:cTn id="21" presetID="1" presetClass="entr" presetSubtype="0" fill="hold" nodeType="withEffect">
+                                  <p:stCondLst>
+                                    <p:cond delay="0"/>
+                                  </p:stCondLst>
+                                  <p:childTnLst>
+                                    <p:set>
+                                      <p:cBhvr>
+                                        <p:cTn id="22" dur="1" fill="hold">
+                                          <p:stCondLst>
+                                            <p:cond delay="0"/>
+                                          </p:stCondLst>
+                                        </p:cTn>
+                                        <p:tgtEl>
+                                          <p:spTgt spid="23"/>
+                                        </p:tgtEl>
+                                        <p:attrNameLst>
+                                          <p:attrName>style.visibility</p:attrName>
+                                        </p:attrNameLst>
+                                      </p:cBhvr>
+                                      <p:to>
+                                        <p:strVal val="visible"/>
+                                      </p:to>
+                                    </p:set>
+                                  </p:childTnLst>
+                                </p:cTn>
+                              </p:par>
+                            </p:childTnLst>
+                          </p:cTn>
+                        </p:par>
+                      </p:childTnLst>
+                    </p:cTn>
+                  </p:par>
+                  <p:par>
+                    <p:cTn id="23" fill="hold">
+                      <p:stCondLst>
+                        <p:cond delay="indefinite"/>
+                      </p:stCondLst>
+                      <p:childTnLst>
+                        <p:par>
+                          <p:cTn id="24" fill="hold">
+                            <p:stCondLst>
+                              <p:cond delay="0"/>
+                            </p:stCondLst>
+                            <p:childTnLst>
+                              <p:par>
+                                <p:cTn id="25" presetID="1" presetClass="entr" presetSubtype="0" fill="hold" nodeType="clickEffect">
+                                  <p:stCondLst>
+                                    <p:cond delay="0"/>
+                                  </p:stCondLst>
+                                  <p:childTnLst>
+                                    <p:set>
+                                      <p:cBhvr>
+                                        <p:cTn id="26" dur="1" fill="hold">
+                                          <p:stCondLst>
+                                            <p:cond delay="0"/>
+                                          </p:stCondLst>
+                                        </p:cTn>
+                                        <p:tgtEl>
+                                          <p:spTgt spid="30"/>
+                                        </p:tgtEl>
+                                        <p:attrNameLst>
+                                          <p:attrName>style.visibility</p:attrName>
+                                        </p:attrNameLst>
+                                      </p:cBhvr>
+                                      <p:to>
+                                        <p:strVal val="visible"/>
+                                      </p:to>
+                                    </p:set>
+                                  </p:childTnLst>
+                                </p:cTn>
+                              </p:par>
+                            </p:childTnLst>
+                          </p:cTn>
+                        </p:par>
+                      </p:childTnLst>
+                    </p:cTn>
+                  </p:par>
+                  <p:par>
+                    <p:cTn id="27" fill="hold">
+                      <p:stCondLst>
+                        <p:cond delay="indefinite"/>
+                      </p:stCondLst>
+                      <p:childTnLst>
+                        <p:par>
+                          <p:cTn id="28" fill="hold">
+                            <p:stCondLst>
+                              <p:cond delay="0"/>
+                            </p:stCondLst>
+                            <p:childTnLst>
+                              <p:par>
+                                <p:cTn id="29" presetID="1" presetClass="entr" presetSubtype="0" fill="hold" nodeType="clickEffect">
+                                  <p:stCondLst>
+                                    <p:cond delay="0"/>
+                                  </p:stCondLst>
+                                  <p:childTnLst>
+                                    <p:set>
+                                      <p:cBhvr>
+                                        <p:cTn id="30" dur="1" fill="hold">
+                                          <p:stCondLst>
+                                            <p:cond delay="0"/>
+                                          </p:stCondLst>
+                                        </p:cTn>
+                                        <p:tgtEl>
+                                          <p:spTgt spid="26"/>
+                                        </p:tgtEl>
+                                        <p:attrNameLst>
+                                          <p:attrName>style.visibility</p:attrName>
+                                        </p:attrNameLst>
+                                      </p:cBhvr>
+                                      <p:to>
+                                        <p:strVal val="visible"/>
+                                      </p:to>
+                                    </p:set>
+                                  </p:childTnLst>
+                                </p:cTn>
+                              </p:par>
+                              <p:par>
+                                <p:cTn id="31" presetID="1" presetClass="entr" presetSubtype="0" fill="hold" nodeType="withEffect">
+                                  <p:stCondLst>
+                                    <p:cond delay="0"/>
+                                  </p:stCondLst>
+                                  <p:childTnLst>
+                                    <p:set>
+                                      <p:cBhvr>
+                                        <p:cTn id="32" dur="1" fill="hold">
+                                          <p:stCondLst>
+                                            <p:cond delay="0"/>
+                                          </p:stCondLst>
+                                        </p:cTn>
+                                        <p:tgtEl>
+                                          <p:spTgt spid="28"/>
+                                        </p:tgtEl>
+                                        <p:attrNameLst>
+                                          <p:attrName>style.visibility</p:attrName>
+                                        </p:attrNameLst>
+                                      </p:cBhvr>
+                                      <p:to>
+                                        <p:strVal val="visible"/>
+                                      </p:to>
+                                    </p:set>
+                                  </p:childTnLst>
+                                </p:cTn>
+                              </p:par>
+                              <p:par>
+                                <p:cTn id="33" presetID="1" presetClass="entr" presetSubtype="0" fill="hold" nodeType="withEffect">
+                                  <p:stCondLst>
+                                    <p:cond delay="0"/>
+                                  </p:stCondLst>
+                                  <p:childTnLst>
+                                    <p:set>
+                                      <p:cBhvr>
+                                        <p:cTn id="34" dur="1" fill="hold">
+                                          <p:stCondLst>
+                                            <p:cond delay="0"/>
+                                          </p:stCondLst>
+                                        </p:cTn>
+                                        <p:tgtEl>
+                                          <p:spTgt spid="27"/>
+                                        </p:tgtEl>
+                                        <p:attrNameLst>
+                                          <p:attrName>style.visibility</p:attrName>
+                                        </p:attrNameLst>
+                                      </p:cBhvr>
+                                      <p:to>
+                                        <p:strVal val="visible"/>
+                                      </p:to>
+                                    </p:set>
+                                  </p:childTnLst>
+                                </p:cTn>
+                              </p:par>
+                              <p:par>
+                                <p:cTn id="35" presetID="1" presetClass="entr" presetSubtype="0" fill="hold" nodeType="withEffect">
+                                  <p:stCondLst>
+                                    <p:cond delay="0"/>
+                                  </p:stCondLst>
+                                  <p:childTnLst>
+                                    <p:set>
+                                      <p:cBhvr>
+                                        <p:cTn id="36" dur="1" fill="hold">
+                                          <p:stCondLst>
+                                            <p:cond delay="0"/>
+                                          </p:stCondLst>
+                                        </p:cTn>
+                                        <p:tgtEl>
+                                          <p:spTgt spid="29"/>
+                                        </p:tgtEl>
+                                        <p:attrNameLst>
+                                          <p:attrName>style.visibility</p:attrName>
+                                        </p:attrNameLst>
+                                      </p:cBhvr>
+                                      <p:to>
+                                        <p:strVal val="visible"/>
+                                      </p:to>
+                                    </p:set>
+                                  </p:childTnLst>
+                                </p:cTn>
+                              </p:par>
+                            </p:childTnLst>
+                          </p:cTn>
+                        </p:par>
+                      </p:childTnLst>
+                    </p:cTn>
+                  </p:par>
+                  <p:par>
+                    <p:cTn id="37" fill="hold">
+                      <p:stCondLst>
+                        <p:cond delay="indefinite"/>
+                      </p:stCondLst>
+                      <p:childTnLst>
+                        <p:par>
+                          <p:cTn id="38" fill="hold">
+                            <p:stCondLst>
+                              <p:cond delay="0"/>
+                            </p:stCondLst>
+                            <p:childTnLst>
+                              <p:par>
+                                <p:cTn id="39" presetID="1" presetClass="entr" presetSubtype="0" fill="hold" nodeType="clickEffect">
+                                  <p:stCondLst>
+                                    <p:cond delay="0"/>
+                                  </p:stCondLst>
+                                  <p:childTnLst>
+                                    <p:set>
+                                      <p:cBhvr>
+                                        <p:cTn id="40" dur="1" fill="hold">
+                                          <p:stCondLst>
+                                            <p:cond delay="0"/>
+                                          </p:stCondLst>
+                                        </p:cTn>
+                                        <p:tgtEl>
+                                          <p:spTgt spid="31"/>
+                                        </p:tgtEl>
+                                        <p:attrNameLst>
+                                          <p:attrName>style.visibility</p:attrName>
+                                        </p:attrNameLst>
+                                      </p:cBhvr>
+                                      <p:to>
+                                        <p:strVal val="visible"/>
+                                      </p:to>
+                                    </p:set>
+                                  </p:childTnLst>
+                                </p:cTn>
+                              </p:par>
+                            </p:childTnLst>
+                          </p:cTn>
+                        </p:par>
+                      </p:childTnLst>
+                    </p:cTn>
+                  </p:par>
+                </p:childTnLst>
+              </p:cTn>
+              <p:prevCondLst>
+                <p:cond evt="onPrev" delay="0">
+                  <p:tgtEl>
+                    <p:sldTgt/>
+                  </p:tgtEl>
+                </p:cond>
+              </p:prevCondLst>
+              <p:nextCondLst>
+                <p:cond evt="onNext" delay="0">
+                  <p:tgtEl>
+                    <p:sldTgt/>
+                  </p:tgtEl>
+                </p:cond>
+              </p:nextCondLst>
+            </p:seq>
+          </p:childTnLst>
+        </p:cTn>
+      </p:par>
+    </p:tnLst>
+  </p:timing>
+</p:sld>
+</file>
+
+<file path=ppt/slides/slide11.xml><?xml version="1.0" encoding="utf-8"?>
 <p:sld xmlns:a="http://schemas.openxmlformats.org/drawingml/2006/main" xmlns:r="http://schemas.openxmlformats.org/officeDocument/2006/relationships" xmlns:p="http://schemas.openxmlformats.org/presentationml/2006/main">
   <p:cSld>
     <p:spTree>
@@ -14332,7 +16238,7 @@
 </p:sld>
 </file>
 
-<file path=ppt/slides/slide11.xml><?xml version="1.0" encoding="utf-8"?>
+<file path=ppt/slides/slide12.xml><?xml version="1.0" encoding="utf-8"?>
 <p:sld xmlns:a="http://schemas.openxmlformats.org/drawingml/2006/main" xmlns:r="http://schemas.openxmlformats.org/officeDocument/2006/relationships" xmlns:p="http://schemas.openxmlformats.org/presentationml/2006/main">
   <p:cSld>
     <p:spTree>
@@ -15638,7 +17544,7 @@
 </p:sld>
 </file>
 
-<file path=ppt/slides/slide12.xml><?xml version="1.0" encoding="utf-8"?>
+<file path=ppt/slides/slide13.xml><?xml version="1.0" encoding="utf-8"?>
 <p:sld xmlns:a="http://schemas.openxmlformats.org/drawingml/2006/main" xmlns:r="http://schemas.openxmlformats.org/officeDocument/2006/relationships" xmlns:p="http://schemas.openxmlformats.org/presentationml/2006/main">
   <p:cSld>
     <p:spTree>
@@ -17021,7 +18927,7 @@
 </p:sld>
 </file>
 
-<file path=ppt/slides/slide13.xml><?xml version="1.0" encoding="utf-8"?>
+<file path=ppt/slides/slide14.xml><?xml version="1.0" encoding="utf-8"?>
 <p:sld xmlns:a="http://schemas.openxmlformats.org/drawingml/2006/main" xmlns:r="http://schemas.openxmlformats.org/officeDocument/2006/relationships" xmlns:p="http://schemas.openxmlformats.org/presentationml/2006/main">
   <p:cSld>
     <p:spTree>
@@ -18834,7 +20740,7 @@
 </p:sld>
 </file>
 
-<file path=ppt/slides/slide14.xml><?xml version="1.0" encoding="utf-8"?>
+<file path=ppt/slides/slide15.xml><?xml version="1.0" encoding="utf-8"?>
 <p:sld xmlns:a="http://schemas.openxmlformats.org/drawingml/2006/main" xmlns:r="http://schemas.openxmlformats.org/officeDocument/2006/relationships" xmlns:p="http://schemas.openxmlformats.org/presentationml/2006/main">
   <p:cSld>
     <p:spTree>
@@ -19053,7 +20959,7 @@
 </p:sld>
 </file>
 
-<file path=ppt/slides/slide15.xml><?xml version="1.0" encoding="utf-8"?>
+<file path=ppt/slides/slide16.xml><?xml version="1.0" encoding="utf-8"?>
 <p:sld xmlns:a="http://schemas.openxmlformats.org/drawingml/2006/main" xmlns:r="http://schemas.openxmlformats.org/officeDocument/2006/relationships" xmlns:p="http://schemas.openxmlformats.org/presentationml/2006/main">
   <p:cSld>
     <p:spTree>
@@ -19807,7 +21713,7 @@
 </p:sld>
 </file>
 
-<file path=ppt/slides/slide16.xml><?xml version="1.0" encoding="utf-8"?>
+<file path=ppt/slides/slide17.xml><?xml version="1.0" encoding="utf-8"?>
 <p:sld xmlns:a="http://schemas.openxmlformats.org/drawingml/2006/main" xmlns:r="http://schemas.openxmlformats.org/officeDocument/2006/relationships" xmlns:p="http://schemas.openxmlformats.org/presentationml/2006/main">
   <p:cSld>
     <p:spTree>
@@ -19940,7 +21846,7 @@
 </p:sld>
 </file>
 
-<file path=ppt/slides/slide17.xml><?xml version="1.0" encoding="utf-8"?>
+<file path=ppt/slides/slide18.xml><?xml version="1.0" encoding="utf-8"?>
 <p:sld xmlns:a="http://schemas.openxmlformats.org/drawingml/2006/main" xmlns:r="http://schemas.openxmlformats.org/officeDocument/2006/relationships" xmlns:p="http://schemas.openxmlformats.org/presentationml/2006/main">
   <p:cSld>
     <p:spTree>
@@ -20114,7 +22020,7 @@
 </p:sld>
 </file>
 
-<file path=ppt/slides/slide18.xml><?xml version="1.0" encoding="utf-8"?>
+<file path=ppt/slides/slide19.xml><?xml version="1.0" encoding="utf-8"?>
 <p:sld xmlns:a="http://schemas.openxmlformats.org/drawingml/2006/main" xmlns:r="http://schemas.openxmlformats.org/officeDocument/2006/relationships" xmlns:p="http://schemas.openxmlformats.org/presentationml/2006/main">
   <p:cSld>
     <p:spTree>
@@ -22378,7 +24284,869 @@
 </p:sld>
 </file>
 
-<file path=ppt/slides/slide19.xml><?xml version="1.0" encoding="utf-8"?>
+<file path=ppt/slides/slide2.xml><?xml version="1.0" encoding="utf-8"?>
+<p:sld xmlns:a="http://schemas.openxmlformats.org/drawingml/2006/main" xmlns:r="http://schemas.openxmlformats.org/officeDocument/2006/relationships" xmlns:p="http://schemas.openxmlformats.org/presentationml/2006/main">
+  <p:cSld>
+    <p:spTree>
+      <p:nvGrpSpPr>
+        <p:cNvPr id="1" name=""/>
+        <p:cNvGrpSpPr/>
+        <p:nvPr/>
+      </p:nvGrpSpPr>
+      <p:grpSpPr>
+        <a:xfrm>
+          <a:off x="0" y="0"/>
+          <a:ext cx="0" cy="0"/>
+          <a:chOff x="0" y="0"/>
+          <a:chExt cx="0" cy="0"/>
+        </a:xfrm>
+      </p:grpSpPr>
+      <p:sp>
+        <p:nvSpPr>
+          <p:cNvPr id="20" name="Rectangle 19"/>
+          <p:cNvSpPr/>
+          <p:nvPr/>
+        </p:nvSpPr>
+        <p:spPr>
+          <a:xfrm>
+            <a:off x="5181600" y="4289502"/>
+            <a:ext cx="3505200" cy="1443335"/>
+          </a:xfrm>
+          <a:prstGeom prst="rect">
+            <a:avLst/>
+          </a:prstGeom>
+          <a:noFill/>
+          <a:ln>
+            <a:solidFill>
+              <a:schemeClr val="accent2">
+                <a:lumMod val="50000"/>
+              </a:schemeClr>
+            </a:solidFill>
+          </a:ln>
+        </p:spPr>
+        <p:style>
+          <a:lnRef idx="2">
+            <a:schemeClr val="accent1">
+              <a:shade val="50000"/>
+            </a:schemeClr>
+          </a:lnRef>
+          <a:fillRef idx="1">
+            <a:schemeClr val="accent1"/>
+          </a:fillRef>
+          <a:effectRef idx="0">
+            <a:schemeClr val="accent1"/>
+          </a:effectRef>
+          <a:fontRef idx="minor">
+            <a:schemeClr val="lt1"/>
+          </a:fontRef>
+        </p:style>
+        <p:txBody>
+          <a:bodyPr rtlCol="0" anchor="ctr"/>
+          <a:lstStyle/>
+          <a:p>
+            <a:pPr algn="ctr"/>
+            <a:endParaRPr lang="en-US"/>
+          </a:p>
+        </p:txBody>
+      </p:sp>
+      <p:sp>
+        <p:nvSpPr>
+          <p:cNvPr id="21" name="Rectangle 20"/>
+          <p:cNvSpPr/>
+          <p:nvPr/>
+        </p:nvSpPr>
+        <p:spPr>
+          <a:xfrm>
+            <a:off x="460429" y="4289502"/>
+            <a:ext cx="4644971" cy="1443335"/>
+          </a:xfrm>
+          <a:prstGeom prst="rect">
+            <a:avLst/>
+          </a:prstGeom>
+          <a:noFill/>
+          <a:ln>
+            <a:solidFill>
+              <a:schemeClr val="tx1">
+                <a:lumMod val="65000"/>
+              </a:schemeClr>
+            </a:solidFill>
+          </a:ln>
+        </p:spPr>
+        <p:style>
+          <a:lnRef idx="2">
+            <a:schemeClr val="accent1">
+              <a:shade val="50000"/>
+            </a:schemeClr>
+          </a:lnRef>
+          <a:fillRef idx="1">
+            <a:schemeClr val="accent1"/>
+          </a:fillRef>
+          <a:effectRef idx="0">
+            <a:schemeClr val="accent1"/>
+          </a:effectRef>
+          <a:fontRef idx="minor">
+            <a:schemeClr val="lt1"/>
+          </a:fontRef>
+        </p:style>
+        <p:txBody>
+          <a:bodyPr rtlCol="0" anchor="ctr"/>
+          <a:lstStyle/>
+          <a:p>
+            <a:pPr algn="ctr"/>
+            <a:endParaRPr lang="en-US"/>
+          </a:p>
+        </p:txBody>
+      </p:sp>
+      <p:sp>
+        <p:nvSpPr>
+          <p:cNvPr id="22" name="Rectangle 21"/>
+          <p:cNvSpPr/>
+          <p:nvPr/>
+        </p:nvSpPr>
+        <p:spPr>
+          <a:xfrm>
+            <a:off x="460428" y="2438400"/>
+            <a:ext cx="8226371" cy="1795033"/>
+          </a:xfrm>
+          <a:prstGeom prst="rect">
+            <a:avLst/>
+          </a:prstGeom>
+          <a:noFill/>
+          <a:ln>
+            <a:solidFill>
+              <a:schemeClr val="tx2">
+                <a:lumMod val="40000"/>
+                <a:lumOff val="60000"/>
+              </a:schemeClr>
+            </a:solidFill>
+          </a:ln>
+        </p:spPr>
+        <p:style>
+          <a:lnRef idx="2">
+            <a:schemeClr val="accent1">
+              <a:shade val="50000"/>
+            </a:schemeClr>
+          </a:lnRef>
+          <a:fillRef idx="1">
+            <a:schemeClr val="accent1"/>
+          </a:fillRef>
+          <a:effectRef idx="0">
+            <a:schemeClr val="accent1"/>
+          </a:effectRef>
+          <a:fontRef idx="minor">
+            <a:schemeClr val="lt1"/>
+          </a:fontRef>
+        </p:style>
+        <p:txBody>
+          <a:bodyPr rtlCol="0" anchor="ctr"/>
+          <a:lstStyle/>
+          <a:p>
+            <a:pPr algn="ctr"/>
+            <a:endParaRPr lang="en-US"/>
+          </a:p>
+        </p:txBody>
+      </p:sp>
+      <p:sp>
+        <p:nvSpPr>
+          <p:cNvPr id="23" name="Rectangle 22"/>
+          <p:cNvSpPr/>
+          <p:nvPr/>
+        </p:nvSpPr>
+        <p:spPr>
+          <a:xfrm>
+            <a:off x="355007" y="5934670"/>
+            <a:ext cx="8467447" cy="923330"/>
+          </a:xfrm>
+          <a:prstGeom prst="rect">
+            <a:avLst/>
+          </a:prstGeom>
+          <a:noFill/>
+        </p:spPr>
+        <p:txBody>
+          <a:bodyPr wrap="none" lIns="91440" tIns="45720" rIns="91440" bIns="45720">
+            <a:spAutoFit/>
+            <a:scene3d>
+              <a:camera prst="orthographicFront"/>
+              <a:lightRig rig="brightRoom" dir="t"/>
+            </a:scene3d>
+            <a:sp3d extrusionH="57150" contourW="6350" prstMaterial="plastic">
+              <a:bevelT w="20320" h="20320" prst="angle"/>
+              <a:contourClr>
+                <a:schemeClr val="bg2"/>
+              </a:contourClr>
+            </a:sp3d>
+          </a:bodyPr>
+          <a:lstStyle/>
+          <a:p>
+            <a:pPr algn="ctr"/>
+            <a:r>
+              <a:rPr lang="en-US" sz="5400" b="1" cap="all" dirty="0" smtClean="0">
+                <a:ln/>
+                <a:solidFill>
+                  <a:schemeClr val="accent1">
+                    <a:lumMod val="75000"/>
+                  </a:schemeClr>
+                </a:solidFill>
+                <a:effectLst>
+                  <a:outerShdw blurRad="19685" dist="12700" dir="5400000" algn="tl" rotWithShape="0">
+                    <a:schemeClr val="accent1">
+                      <a:satMod val="130000"/>
+                      <a:alpha val="60000"/>
+                    </a:schemeClr>
+                  </a:outerShdw>
+                  <a:reflection blurRad="10000" stA="55000" endPos="48000" dist="500" dir="5400000" sy="-100000" algn="bl" rotWithShape="0"/>
+                </a:effectLst>
+                <a:latin typeface="+mj-lt"/>
+              </a:rPr>
+              <a:t>Thanks to our sponsors!</a:t>
+            </a:r>
+            <a:endParaRPr lang="en-US" sz="5400" b="1" cap="all" dirty="0">
+              <a:ln/>
+              <a:solidFill>
+                <a:schemeClr val="accent1">
+                  <a:lumMod val="75000"/>
+                </a:schemeClr>
+              </a:solidFill>
+              <a:effectLst>
+                <a:outerShdw blurRad="19685" dist="12700" dir="5400000" algn="tl" rotWithShape="0">
+                  <a:schemeClr val="accent1">
+                    <a:satMod val="130000"/>
+                    <a:alpha val="60000"/>
+                  </a:schemeClr>
+                </a:outerShdw>
+                <a:reflection blurRad="10000" stA="55000" endPos="48000" dist="500" dir="5400000" sy="-100000" algn="bl" rotWithShape="0"/>
+              </a:effectLst>
+              <a:latin typeface="+mj-lt"/>
+            </a:endParaRPr>
+          </a:p>
+        </p:txBody>
+      </p:sp>
+      <p:pic>
+        <p:nvPicPr>
+          <p:cNvPr id="24" name="Picture 2" descr="E:\Pictures\KCDC\Sponsors\TypeMock\Typemock_logo_web.jpg"/>
+          <p:cNvPicPr>
+            <a:picLocks noChangeAspect="1" noChangeArrowheads="1"/>
+          </p:cNvPicPr>
+          <p:nvPr/>
+        </p:nvPicPr>
+        <p:blipFill>
+          <a:blip r:embed="rId2" cstate="print">
+            <a:extLst>
+              <a:ext uri="{28A0092B-C50C-407E-A947-70E740481C1C}">
+                <a14:useLocalDpi xmlns:a14="http://schemas.microsoft.com/office/drawing/2010/main" xmlns="" val="0"/>
+              </a:ext>
+            </a:extLst>
+          </a:blip>
+          <a:srcRect/>
+          <a:stretch>
+            <a:fillRect/>
+          </a:stretch>
+        </p:blipFill>
+        <p:spPr bwMode="auto">
+          <a:xfrm>
+            <a:off x="5410201" y="4700983"/>
+            <a:ext cx="1600199" cy="960119"/>
+          </a:xfrm>
+          <a:prstGeom prst="rect">
+            <a:avLst/>
+          </a:prstGeom>
+          <a:noFill/>
+          <a:extLst>
+            <a:ext uri="{909E8E84-426E-40DD-AFC4-6F175D3DCCD1}">
+              <a14:hiddenFill xmlns:a14="http://schemas.microsoft.com/office/drawing/2010/main" xmlns="">
+                <a:solidFill>
+                  <a:srgbClr val="FFFFFF"/>
+                </a:solidFill>
+              </a14:hiddenFill>
+            </a:ext>
+          </a:extLst>
+        </p:spPr>
+      </p:pic>
+      <p:pic>
+        <p:nvPicPr>
+          <p:cNvPr id="25" name="Picture 24"/>
+          <p:cNvPicPr>
+            <a:picLocks noChangeAspect="1"/>
+          </p:cNvPicPr>
+          <p:nvPr/>
+        </p:nvPicPr>
+        <p:blipFill>
+          <a:blip r:embed="rId3" cstate="print">
+            <a:extLst>
+              <a:ext uri="{28A0092B-C50C-407E-A947-70E740481C1C}">
+                <a14:useLocalDpi xmlns:a14="http://schemas.microsoft.com/office/drawing/2010/main" xmlns="" val="0"/>
+              </a:ext>
+            </a:extLst>
+          </a:blip>
+          <a:stretch>
+            <a:fillRect/>
+          </a:stretch>
+        </p:blipFill>
+        <p:spPr>
+          <a:xfrm>
+            <a:off x="1752600" y="3381617"/>
+            <a:ext cx="2081227" cy="831685"/>
+          </a:xfrm>
+          <a:prstGeom prst="rect">
+            <a:avLst/>
+          </a:prstGeom>
+        </p:spPr>
+      </p:pic>
+      <p:pic>
+        <p:nvPicPr>
+          <p:cNvPr id="26" name="Picture 25"/>
+          <p:cNvPicPr>
+            <a:picLocks noChangeAspect="1"/>
+          </p:cNvPicPr>
+          <p:nvPr/>
+        </p:nvPicPr>
+        <p:blipFill>
+          <a:blip r:embed="rId4" cstate="print">
+            <a:extLst>
+              <a:ext uri="{28A0092B-C50C-407E-A947-70E740481C1C}">
+                <a14:useLocalDpi xmlns:a14="http://schemas.microsoft.com/office/drawing/2010/main" xmlns="" val="0"/>
+              </a:ext>
+            </a:extLst>
+          </a:blip>
+          <a:stretch>
+            <a:fillRect/>
+          </a:stretch>
+        </p:blipFill>
+        <p:spPr>
+          <a:xfrm>
+            <a:off x="4800600" y="3406556"/>
+            <a:ext cx="1968500" cy="793738"/>
+          </a:xfrm>
+          <a:prstGeom prst="rect">
+            <a:avLst/>
+          </a:prstGeom>
+        </p:spPr>
+      </p:pic>
+      <p:sp>
+        <p:nvSpPr>
+          <p:cNvPr id="27" name="Rectangle 26"/>
+          <p:cNvSpPr/>
+          <p:nvPr/>
+        </p:nvSpPr>
+        <p:spPr>
+          <a:xfrm>
+            <a:off x="640769" y="2438400"/>
+            <a:ext cx="1641796" cy="830997"/>
+          </a:xfrm>
+          <a:prstGeom prst="rect">
+            <a:avLst/>
+          </a:prstGeom>
+          <a:noFill/>
+        </p:spPr>
+        <p:txBody>
+          <a:bodyPr wrap="none" lIns="91440" tIns="45720" rIns="91440" bIns="45720">
+            <a:spAutoFit/>
+            <a:scene3d>
+              <a:camera prst="orthographicFront"/>
+              <a:lightRig rig="brightRoom" dir="t"/>
+            </a:scene3d>
+            <a:sp3d contourW="6350" prstMaterial="plastic">
+              <a:bevelT w="20320" h="20320" prst="angle"/>
+              <a:contourClr>
+                <a:schemeClr val="accent1">
+                  <a:tint val="100000"/>
+                  <a:shade val="100000"/>
+                  <a:hueMod val="100000"/>
+                  <a:satMod val="100000"/>
+                </a:schemeClr>
+              </a:contourClr>
+            </a:sp3d>
+          </a:bodyPr>
+          <a:lstStyle/>
+          <a:p>
+            <a:pPr algn="ctr"/>
+            <a:r>
+              <a:rPr lang="en-US" sz="4800" b="1" cap="all" dirty="0" smtClean="0">
+                <a:ln/>
+                <a:solidFill>
+                  <a:schemeClr val="tx1">
+                    <a:lumMod val="75000"/>
+                    <a:lumOff val="25000"/>
+                  </a:schemeClr>
+                </a:solidFill>
+                <a:effectLst>
+                  <a:outerShdw blurRad="19685" dist="12700" dir="5400000" algn="tl" rotWithShape="0">
+                    <a:schemeClr val="accent1">
+                      <a:satMod val="130000"/>
+                      <a:alpha val="60000"/>
+                    </a:schemeClr>
+                  </a:outerShdw>
+                  <a:reflection blurRad="10000" stA="55000" endPos="48000" dist="500" dir="5400000" sy="-100000" algn="bl" rotWithShape="0"/>
+                </a:effectLst>
+                <a:latin typeface="+mj-lt"/>
+              </a:rPr>
+              <a:t>GOLD</a:t>
+            </a:r>
+            <a:endParaRPr lang="en-US" sz="4800" b="1" cap="all" dirty="0">
+              <a:ln/>
+              <a:solidFill>
+                <a:schemeClr val="tx1">
+                  <a:lumMod val="75000"/>
+                  <a:lumOff val="25000"/>
+                </a:schemeClr>
+              </a:solidFill>
+              <a:effectLst>
+                <a:outerShdw blurRad="19685" dist="12700" dir="5400000" algn="tl" rotWithShape="0">
+                  <a:schemeClr val="accent1">
+                    <a:satMod val="130000"/>
+                    <a:alpha val="60000"/>
+                  </a:schemeClr>
+                </a:outerShdw>
+                <a:reflection blurRad="10000" stA="55000" endPos="48000" dist="500" dir="5400000" sy="-100000" algn="bl" rotWithShape="0"/>
+              </a:effectLst>
+              <a:latin typeface="+mj-lt"/>
+            </a:endParaRPr>
+          </a:p>
+        </p:txBody>
+      </p:sp>
+      <p:sp>
+        <p:nvSpPr>
+          <p:cNvPr id="28" name="Rectangle 27"/>
+          <p:cNvSpPr/>
+          <p:nvPr/>
+        </p:nvSpPr>
+        <p:spPr>
+          <a:xfrm>
+            <a:off x="656158" y="4763951"/>
+            <a:ext cx="1580881" cy="707886"/>
+          </a:xfrm>
+          <a:prstGeom prst="rect">
+            <a:avLst/>
+          </a:prstGeom>
+          <a:noFill/>
+        </p:spPr>
+        <p:txBody>
+          <a:bodyPr wrap="none" lIns="91440" tIns="45720" rIns="91440" bIns="45720">
+            <a:spAutoFit/>
+            <a:scene3d>
+              <a:camera prst="orthographicFront"/>
+              <a:lightRig rig="brightRoom" dir="t"/>
+            </a:scene3d>
+            <a:sp3d contourW="6350" prstMaterial="plastic">
+              <a:bevelT w="20320" h="20320" prst="angle"/>
+              <a:contourClr>
+                <a:schemeClr val="accent1">
+                  <a:tint val="100000"/>
+                  <a:shade val="100000"/>
+                  <a:hueMod val="100000"/>
+                  <a:satMod val="100000"/>
+                </a:schemeClr>
+              </a:contourClr>
+            </a:sp3d>
+          </a:bodyPr>
+          <a:lstStyle/>
+          <a:p>
+            <a:pPr algn="ctr"/>
+            <a:r>
+              <a:rPr lang="en-US" sz="4000" b="1" cap="all" dirty="0" smtClean="0">
+                <a:ln/>
+                <a:solidFill>
+                  <a:schemeClr val="tx1">
+                    <a:lumMod val="65000"/>
+                    <a:lumOff val="35000"/>
+                  </a:schemeClr>
+                </a:solidFill>
+                <a:effectLst>
+                  <a:outerShdw blurRad="19685" dist="12700" dir="5400000" algn="tl" rotWithShape="0">
+                    <a:schemeClr val="accent1">
+                      <a:satMod val="130000"/>
+                      <a:alpha val="60000"/>
+                    </a:schemeClr>
+                  </a:outerShdw>
+                  <a:reflection blurRad="10000" stA="55000" endPos="48000" dist="500" dir="5400000" sy="-100000" algn="bl" rotWithShape="0"/>
+                </a:effectLst>
+                <a:latin typeface="+mj-lt"/>
+              </a:rPr>
+              <a:t>silver</a:t>
+            </a:r>
+            <a:endParaRPr lang="en-US" sz="4000" b="1" cap="all" dirty="0">
+              <a:ln/>
+              <a:solidFill>
+                <a:schemeClr val="tx1">
+                  <a:lumMod val="65000"/>
+                  <a:lumOff val="35000"/>
+                </a:schemeClr>
+              </a:solidFill>
+              <a:effectLst>
+                <a:outerShdw blurRad="19685" dist="12700" dir="5400000" algn="tl" rotWithShape="0">
+                  <a:schemeClr val="accent1">
+                    <a:satMod val="130000"/>
+                    <a:alpha val="60000"/>
+                  </a:schemeClr>
+                </a:outerShdw>
+                <a:reflection blurRad="10000" stA="55000" endPos="48000" dist="500" dir="5400000" sy="-100000" algn="bl" rotWithShape="0"/>
+              </a:effectLst>
+              <a:latin typeface="+mj-lt"/>
+            </a:endParaRPr>
+          </a:p>
+        </p:txBody>
+      </p:sp>
+      <p:pic>
+        <p:nvPicPr>
+          <p:cNvPr id="29" name="Picture 4" descr="E:\Pictures\KCDC\Sponsors\advantegetech.jpg"/>
+          <p:cNvPicPr>
+            <a:picLocks noChangeAspect="1" noChangeArrowheads="1"/>
+          </p:cNvPicPr>
+          <p:nvPr/>
+        </p:nvPicPr>
+        <p:blipFill>
+          <a:blip r:embed="rId5" cstate="print">
+            <a:extLst>
+              <a:ext uri="{28A0092B-C50C-407E-A947-70E740481C1C}">
+                <a14:useLocalDpi xmlns:a14="http://schemas.microsoft.com/office/drawing/2010/main" xmlns="" val="0"/>
+              </a:ext>
+            </a:extLst>
+          </a:blip>
+          <a:srcRect/>
+          <a:stretch>
+            <a:fillRect/>
+          </a:stretch>
+        </p:blipFill>
+        <p:spPr bwMode="auto">
+          <a:xfrm>
+            <a:off x="2667000" y="4756600"/>
+            <a:ext cx="1968377" cy="676628"/>
+          </a:xfrm>
+          <a:prstGeom prst="rect">
+            <a:avLst/>
+          </a:prstGeom>
+          <a:noFill/>
+          <a:extLst>
+            <a:ext uri="{909E8E84-426E-40DD-AFC4-6F175D3DCCD1}">
+              <a14:hiddenFill xmlns:a14="http://schemas.microsoft.com/office/drawing/2010/main" xmlns="">
+                <a:solidFill>
+                  <a:srgbClr val="FFFFFF"/>
+                </a:solidFill>
+              </a14:hiddenFill>
+            </a:ext>
+          </a:extLst>
+        </p:spPr>
+      </p:pic>
+      <p:sp>
+        <p:nvSpPr>
+          <p:cNvPr id="30" name="Rectangle 29"/>
+          <p:cNvSpPr/>
+          <p:nvPr/>
+        </p:nvSpPr>
+        <p:spPr>
+          <a:xfrm>
+            <a:off x="5181600" y="4248090"/>
+            <a:ext cx="3175000" cy="400110"/>
+          </a:xfrm>
+          <a:prstGeom prst="rect">
+            <a:avLst/>
+          </a:prstGeom>
+        </p:spPr>
+        <p:txBody>
+          <a:bodyPr wrap="square">
+            <a:spAutoFit/>
+          </a:bodyPr>
+          <a:lstStyle/>
+          <a:p>
+            <a:pPr lvl="0"/>
+            <a:r>
+              <a:rPr lang="en-US" sz="2000" b="1" cap="all" dirty="0">
+                <a:ln/>
+                <a:solidFill>
+                  <a:srgbClr val="80716A">
+                    <a:lumMod val="60000"/>
+                    <a:lumOff val="40000"/>
+                  </a:srgbClr>
+                </a:solidFill>
+                <a:effectLst>
+                  <a:outerShdw blurRad="19685" dist="12700" dir="5400000" algn="tl" rotWithShape="0">
+                    <a:srgbClr val="838D9B">
+                      <a:satMod val="130000"/>
+                      <a:alpha val="60000"/>
+                    </a:srgbClr>
+                  </a:outerShdw>
+                  <a:reflection blurRad="10000" stA="55000" endPos="48000" dist="500" dir="5400000" sy="-100000" algn="bl" rotWithShape="0"/>
+                </a:effectLst>
+              </a:rPr>
+              <a:t>PRIZE SPONSORS</a:t>
+            </a:r>
+          </a:p>
+        </p:txBody>
+      </p:sp>
+      <p:pic>
+        <p:nvPicPr>
+          <p:cNvPr id="31" name="Picture 5" descr="E:\Pictures\KCDC\Sponsors\who_is_informit.png"/>
+          <p:cNvPicPr>
+            <a:picLocks noChangeAspect="1" noChangeArrowheads="1"/>
+          </p:cNvPicPr>
+          <p:nvPr/>
+        </p:nvPicPr>
+        <p:blipFill>
+          <a:blip r:embed="rId6" cstate="print">
+            <a:extLst>
+              <a:ext uri="{28A0092B-C50C-407E-A947-70E740481C1C}">
+                <a14:useLocalDpi xmlns:a14="http://schemas.microsoft.com/office/drawing/2010/main" xmlns="" val="0"/>
+              </a:ext>
+            </a:extLst>
+          </a:blip>
+          <a:srcRect/>
+          <a:stretch>
+            <a:fillRect/>
+          </a:stretch>
+        </p:blipFill>
+        <p:spPr bwMode="auto">
+          <a:xfrm>
+            <a:off x="7329366" y="4622595"/>
+            <a:ext cx="1247219" cy="1042996"/>
+          </a:xfrm>
+          <a:prstGeom prst="rect">
+            <a:avLst/>
+          </a:prstGeom>
+          <a:noFill/>
+          <a:extLst>
+            <a:ext uri="{909E8E84-426E-40DD-AFC4-6F175D3DCCD1}">
+              <a14:hiddenFill xmlns:a14="http://schemas.microsoft.com/office/drawing/2010/main" xmlns="">
+                <a:solidFill>
+                  <a:srgbClr val="FFFFFF"/>
+                </a:solidFill>
+              </a14:hiddenFill>
+            </a:ext>
+          </a:extLst>
+        </p:spPr>
+      </p:pic>
+      <p:sp>
+        <p:nvSpPr>
+          <p:cNvPr id="32" name="Rectangle 31"/>
+          <p:cNvSpPr/>
+          <p:nvPr/>
+        </p:nvSpPr>
+        <p:spPr>
+          <a:xfrm>
+            <a:off x="413254" y="762000"/>
+            <a:ext cx="3254801" cy="923330"/>
+          </a:xfrm>
+          <a:prstGeom prst="rect">
+            <a:avLst/>
+          </a:prstGeom>
+          <a:noFill/>
+        </p:spPr>
+        <p:txBody>
+          <a:bodyPr wrap="none" lIns="91440" tIns="45720" rIns="91440" bIns="45720">
+            <a:spAutoFit/>
+            <a:scene3d>
+              <a:camera prst="orthographicFront"/>
+              <a:lightRig rig="brightRoom" dir="t"/>
+            </a:scene3d>
+            <a:sp3d contourW="6350" prstMaterial="plastic">
+              <a:bevelT w="20320" h="20320" prst="angle"/>
+              <a:contourClr>
+                <a:schemeClr val="accent1">
+                  <a:tint val="100000"/>
+                  <a:shade val="100000"/>
+                  <a:hueMod val="100000"/>
+                  <a:satMod val="100000"/>
+                </a:schemeClr>
+              </a:contourClr>
+            </a:sp3d>
+          </a:bodyPr>
+          <a:lstStyle/>
+          <a:p>
+            <a:pPr algn="ctr"/>
+            <a:r>
+              <a:rPr lang="en-US" sz="5400" b="1" cap="all" spc="0" dirty="0" smtClean="0">
+                <a:ln/>
+                <a:effectLst>
+                  <a:outerShdw blurRad="19685" dist="12700" dir="5400000" algn="tl" rotWithShape="0">
+                    <a:schemeClr val="accent1">
+                      <a:satMod val="130000"/>
+                      <a:alpha val="60000"/>
+                    </a:schemeClr>
+                  </a:outerShdw>
+                  <a:reflection blurRad="10000" stA="55000" endPos="48000" dist="500" dir="5400000" sy="-100000" algn="bl" rotWithShape="0"/>
+                </a:effectLst>
+                <a:latin typeface="+mj-lt"/>
+              </a:rPr>
+              <a:t>platinum</a:t>
+            </a:r>
+            <a:endParaRPr lang="en-US" sz="5400" b="1" cap="all" spc="0" dirty="0">
+              <a:ln/>
+              <a:effectLst>
+                <a:outerShdw blurRad="19685" dist="12700" dir="5400000" algn="tl" rotWithShape="0">
+                  <a:schemeClr val="accent1">
+                    <a:satMod val="130000"/>
+                    <a:alpha val="60000"/>
+                  </a:schemeClr>
+                </a:outerShdw>
+                <a:reflection blurRad="10000" stA="55000" endPos="48000" dist="500" dir="5400000" sy="-100000" algn="bl" rotWithShape="0"/>
+              </a:effectLst>
+              <a:latin typeface="+mj-lt"/>
+            </a:endParaRPr>
+          </a:p>
+        </p:txBody>
+      </p:sp>
+      <p:pic>
+        <p:nvPicPr>
+          <p:cNvPr id="33" name="Picture 32"/>
+          <p:cNvPicPr>
+            <a:picLocks noChangeAspect="1"/>
+          </p:cNvPicPr>
+          <p:nvPr/>
+        </p:nvPicPr>
+        <p:blipFill>
+          <a:blip r:embed="rId7" cstate="print">
+            <a:extLst>
+              <a:ext uri="{28A0092B-C50C-407E-A947-70E740481C1C}">
+                <a14:useLocalDpi xmlns:a14="http://schemas.microsoft.com/office/drawing/2010/main" xmlns="" val="0"/>
+              </a:ext>
+            </a:extLst>
+          </a:blip>
+          <a:stretch>
+            <a:fillRect/>
+          </a:stretch>
+        </p:blipFill>
+        <p:spPr>
+          <a:xfrm>
+            <a:off x="3624430" y="352155"/>
+            <a:ext cx="2067214" cy="1933845"/>
+          </a:xfrm>
+          <a:prstGeom prst="rect">
+            <a:avLst/>
+          </a:prstGeom>
+        </p:spPr>
+      </p:pic>
+      <p:pic>
+        <p:nvPicPr>
+          <p:cNvPr id="34" name="Picture 33"/>
+          <p:cNvPicPr>
+            <a:picLocks noChangeAspect="1"/>
+          </p:cNvPicPr>
+          <p:nvPr/>
+        </p:nvPicPr>
+        <p:blipFill>
+          <a:blip r:embed="rId8" cstate="print">
+            <a:extLst>
+              <a:ext uri="{28A0092B-C50C-407E-A947-70E740481C1C}">
+                <a14:useLocalDpi xmlns:a14="http://schemas.microsoft.com/office/drawing/2010/main" xmlns="" val="0"/>
+              </a:ext>
+            </a:extLst>
+          </a:blip>
+          <a:stretch>
+            <a:fillRect/>
+          </a:stretch>
+        </p:blipFill>
+        <p:spPr>
+          <a:xfrm>
+            <a:off x="5887075" y="804815"/>
+            <a:ext cx="2653710" cy="1023985"/>
+          </a:xfrm>
+          <a:prstGeom prst="rect">
+            <a:avLst/>
+          </a:prstGeom>
+          <a:ln>
+            <a:noFill/>
+          </a:ln>
+          <a:effectLst>
+            <a:outerShdw blurRad="63500" sx="102000" sy="102000" algn="ctr" rotWithShape="0">
+              <a:prstClr val="black">
+                <a:alpha val="40000"/>
+              </a:prstClr>
+            </a:outerShdw>
+          </a:effectLst>
+        </p:spPr>
+      </p:pic>
+      <p:pic>
+        <p:nvPicPr>
+          <p:cNvPr id="35" name="Picture 34"/>
+          <p:cNvPicPr/>
+          <p:nvPr/>
+        </p:nvPicPr>
+        <p:blipFill>
+          <a:blip r:embed="rId9" cstate="print">
+            <a:extLst>
+              <a:ext uri="{28A0092B-C50C-407E-A947-70E740481C1C}">
+                <a14:useLocalDpi xmlns:a14="http://schemas.microsoft.com/office/drawing/2010/main" xmlns="" val="0"/>
+              </a:ext>
+            </a:extLst>
+          </a:blip>
+          <a:stretch>
+            <a:fillRect/>
+          </a:stretch>
+        </p:blipFill>
+        <p:spPr>
+          <a:xfrm>
+            <a:off x="2857500" y="2497176"/>
+            <a:ext cx="2476500" cy="790575"/>
+          </a:xfrm>
+          <a:prstGeom prst="rect">
+            <a:avLst/>
+          </a:prstGeom>
+        </p:spPr>
+      </p:pic>
+      <p:pic>
+        <p:nvPicPr>
+          <p:cNvPr id="36" name="Picture 3" descr="E:\Pictures\KCDC\Sponsors\telerikLogo-web-225x90px.jpg"/>
+          <p:cNvPicPr>
+            <a:picLocks noChangeAspect="1" noChangeArrowheads="1"/>
+          </p:cNvPicPr>
+          <p:nvPr/>
+        </p:nvPicPr>
+        <p:blipFill>
+          <a:blip r:embed="rId10" cstate="print">
+            <a:extLst>
+              <a:ext uri="{28A0092B-C50C-407E-A947-70E740481C1C}">
+                <a14:useLocalDpi xmlns:a14="http://schemas.microsoft.com/office/drawing/2010/main" xmlns="" val="0"/>
+              </a:ext>
+            </a:extLst>
+          </a:blip>
+          <a:srcRect/>
+          <a:stretch>
+            <a:fillRect/>
+          </a:stretch>
+        </p:blipFill>
+        <p:spPr bwMode="auto">
+          <a:xfrm>
+            <a:off x="6210300" y="2494156"/>
+            <a:ext cx="2330485" cy="860108"/>
+          </a:xfrm>
+          <a:prstGeom prst="rect">
+            <a:avLst/>
+          </a:prstGeom>
+          <a:noFill/>
+          <a:extLst>
+            <a:ext uri="{909E8E84-426E-40DD-AFC4-6F175D3DCCD1}">
+              <a14:hiddenFill xmlns:a14="http://schemas.microsoft.com/office/drawing/2010/main" xmlns="">
+                <a:solidFill>
+                  <a:srgbClr val="FFFFFF"/>
+                </a:solidFill>
+              </a14:hiddenFill>
+            </a:ext>
+          </a:extLst>
+        </p:spPr>
+      </p:pic>
+    </p:spTree>
+    <p:extLst>
+      <p:ext uri="{BB962C8B-B14F-4D97-AF65-F5344CB8AC3E}">
+        <p14:creationId xmlns:p14="http://schemas.microsoft.com/office/powerpoint/2010/main" xmlns="" val="4248424993"/>
+      </p:ext>
+    </p:extLst>
+  </p:cSld>
+  <p:clrMapOvr>
+    <a:masterClrMapping/>
+  </p:clrMapOvr>
+  <p:transition>
+    <p:fade/>
+  </p:transition>
+  <p:timing>
+    <p:tnLst>
+      <p:par>
+        <p:cTn id="1" dur="indefinite" restart="never" nodeType="tmRoot"/>
+      </p:par>
+    </p:tnLst>
+  </p:timing>
+</p:sld>
+</file>
+
+<file path=ppt/slides/slide20.xml><?xml version="1.0" encoding="utf-8"?>
 <p:sld xmlns:a="http://schemas.openxmlformats.org/drawingml/2006/main" xmlns:r="http://schemas.openxmlformats.org/officeDocument/2006/relationships" xmlns:p="http://schemas.openxmlformats.org/presentationml/2006/main">
   <p:cSld>
     <p:spTree>
@@ -22552,170 +25320,7 @@
 </p:sld>
 </file>
 
-<file path=ppt/slides/slide2.xml><?xml version="1.0" encoding="utf-8"?>
-<p:sld xmlns:a="http://schemas.openxmlformats.org/drawingml/2006/main" xmlns:r="http://schemas.openxmlformats.org/officeDocument/2006/relationships" xmlns:p="http://schemas.openxmlformats.org/presentationml/2006/main">
-  <p:cSld>
-    <p:spTree>
-      <p:nvGrpSpPr>
-        <p:cNvPr id="1" name=""/>
-        <p:cNvGrpSpPr/>
-        <p:nvPr/>
-      </p:nvGrpSpPr>
-      <p:grpSpPr>
-        <a:xfrm>
-          <a:off x="0" y="0"/>
-          <a:ext cx="0" cy="0"/>
-          <a:chOff x="0" y="0"/>
-          <a:chExt cx="0" cy="0"/>
-        </a:xfrm>
-      </p:grpSpPr>
-      <p:sp>
-        <p:nvSpPr>
-          <p:cNvPr id="28673" name="Title 1"/>
-          <p:cNvSpPr>
-            <a:spLocks noGrp="1"/>
-          </p:cNvSpPr>
-          <p:nvPr>
-            <p:ph type="title"/>
-          </p:nvPr>
-        </p:nvSpPr>
-        <p:spPr/>
-        <p:txBody>
-          <a:bodyPr/>
-          <a:lstStyle/>
-          <a:p>
-            <a:pPr eaLnBrk="1" hangingPunct="1"/>
-            <a:r>
-              <a:rPr lang="en-US" dirty="0" smtClean="0"/>
-              <a:t>Who am I?</a:t>
-            </a:r>
-          </a:p>
-        </p:txBody>
-      </p:sp>
-      <p:sp>
-        <p:nvSpPr>
-          <p:cNvPr id="28674" name="Content Placeholder 2"/>
-          <p:cNvSpPr>
-            <a:spLocks noGrp="1"/>
-          </p:cNvSpPr>
-          <p:nvPr>
-            <p:ph idx="1"/>
-          </p:nvPr>
-        </p:nvSpPr>
-        <p:spPr>
-          <a:xfrm>
-            <a:off x="457200" y="1905000"/>
-            <a:ext cx="8229600" cy="4389438"/>
-          </a:xfrm>
-        </p:spPr>
-        <p:txBody>
-          <a:bodyPr/>
-          <a:lstStyle/>
-          <a:p>
-            <a:pPr marL="457200" indent="-457200" eaLnBrk="1" hangingPunct="1"/>
-            <a:r>
-              <a:rPr lang="en-US" sz="2400" dirty="0" smtClean="0"/>
-              <a:t>Iowa Native</a:t>
-            </a:r>
-          </a:p>
-          <a:p>
-            <a:pPr marL="457200" indent="-457200" eaLnBrk="1" hangingPunct="1"/>
-            <a:r>
-              <a:rPr lang="en-US" sz="2400" dirty="0" smtClean="0"/>
-              <a:t>Iowa State University</a:t>
-            </a:r>
-          </a:p>
-          <a:p>
-            <a:pPr marL="457200" indent="-457200" eaLnBrk="1" hangingPunct="1"/>
-            <a:r>
-              <a:rPr lang="en-US" sz="2400" dirty="0" smtClean="0"/>
-              <a:t>Cedar Rapids</a:t>
-            </a:r>
-          </a:p>
-          <a:p>
-            <a:pPr marL="457200" indent="-457200" eaLnBrk="1" hangingPunct="1"/>
-            <a:r>
-              <a:rPr lang="en-US" sz="2400" dirty="0" smtClean="0"/>
-              <a:t>SharePoint </a:t>
-            </a:r>
-            <a:r>
-              <a:rPr lang="en-US" sz="2400" dirty="0" smtClean="0">
-                <a:sym typeface="Wingdings" pitchFamily="2" charset="2"/>
-              </a:rPr>
-              <a:t> ASP.NET MVC</a:t>
-            </a:r>
-            <a:endParaRPr lang="en-US" sz="2400" dirty="0" smtClean="0"/>
-          </a:p>
-          <a:p>
-            <a:pPr marL="457200" indent="-457200" eaLnBrk="1" hangingPunct="1"/>
-            <a:r>
-              <a:rPr lang="en-US" sz="2400" dirty="0" smtClean="0">
-                <a:sym typeface="Wingdings" pitchFamily="2" charset="2"/>
-              </a:rPr>
-              <a:t>J&amp;P Cycles</a:t>
-            </a:r>
-            <a:endParaRPr lang="en-US" sz="2400" dirty="0" smtClean="0"/>
-          </a:p>
-          <a:p>
-            <a:pPr marL="457200" indent="-457200" eaLnBrk="1" hangingPunct="1"/>
-            <a:r>
-              <a:rPr lang="en-US" sz="2400" dirty="0" smtClean="0"/>
-              <a:t>Language Geek</a:t>
-            </a:r>
-          </a:p>
-        </p:txBody>
-      </p:sp>
-      <p:pic>
-        <p:nvPicPr>
-          <p:cNvPr id="28675" name="Picture 3"/>
-          <p:cNvPicPr>
-            <a:picLocks noChangeAspect="1" noChangeArrowheads="1"/>
-          </p:cNvPicPr>
-          <p:nvPr/>
-        </p:nvPicPr>
-        <p:blipFill>
-          <a:blip r:embed="rId2" cstate="print"/>
-          <a:srcRect/>
-          <a:stretch>
-            <a:fillRect/>
-          </a:stretch>
-        </p:blipFill>
-        <p:spPr bwMode="auto">
-          <a:xfrm>
-            <a:off x="571500" y="5257800"/>
-            <a:ext cx="4991100" cy="981075"/>
-          </a:xfrm>
-          <a:prstGeom prst="rect">
-            <a:avLst/>
-          </a:prstGeom>
-          <a:noFill/>
-          <a:ln w="9525">
-            <a:noFill/>
-            <a:miter lim="800000"/>
-            <a:headEnd/>
-            <a:tailEnd/>
-          </a:ln>
-        </p:spPr>
-      </p:pic>
-    </p:spTree>
-  </p:cSld>
-  <p:clrMapOvr>
-    <a:masterClrMapping/>
-  </p:clrMapOvr>
-  <p:transition>
-    <p:fade/>
-  </p:transition>
-  <p:timing>
-    <p:tnLst>
-      <p:par>
-        <p:cTn id="1" dur="indefinite" restart="never" nodeType="tmRoot"/>
-      </p:par>
-    </p:tnLst>
-  </p:timing>
-</p:sld>
-</file>
-
-<file path=ppt/slides/slide20.xml><?xml version="1.0" encoding="utf-8"?>
+<file path=ppt/slides/slide21.xml><?xml version="1.0" encoding="utf-8"?>
 <p:sld xmlns:a="http://schemas.openxmlformats.org/drawingml/2006/main" xmlns:r="http://schemas.openxmlformats.org/officeDocument/2006/relationships" xmlns:p="http://schemas.openxmlformats.org/presentationml/2006/main">
   <p:cSld>
     <p:spTree>
@@ -27014,7 +29619,7 @@
 </p:sld>
 </file>
 
-<file path=ppt/slides/slide21.xml><?xml version="1.0" encoding="utf-8"?>
+<file path=ppt/slides/slide22.xml><?xml version="1.0" encoding="utf-8"?>
 <p:sld xmlns:a="http://schemas.openxmlformats.org/drawingml/2006/main" xmlns:r="http://schemas.openxmlformats.org/officeDocument/2006/relationships" xmlns:p="http://schemas.openxmlformats.org/presentationml/2006/main">
   <p:cSld>
     <p:spTree>
@@ -27695,7 +30300,7 @@
 </p:sld>
 </file>
 
-<file path=ppt/slides/slide22.xml><?xml version="1.0" encoding="utf-8"?>
+<file path=ppt/slides/slide23.xml><?xml version="1.0" encoding="utf-8"?>
 <p:sld xmlns:a="http://schemas.openxmlformats.org/drawingml/2006/main" xmlns:r="http://schemas.openxmlformats.org/officeDocument/2006/relationships" xmlns:p="http://schemas.openxmlformats.org/presentationml/2006/main">
   <p:cSld>
     <p:spTree>
@@ -29179,7 +31784,7 @@
 </p:sld>
 </file>
 
-<file path=ppt/slides/slide23.xml><?xml version="1.0" encoding="utf-8"?>
+<file path=ppt/slides/slide24.xml><?xml version="1.0" encoding="utf-8"?>
 <p:sld xmlns:a="http://schemas.openxmlformats.org/drawingml/2006/main" xmlns:r="http://schemas.openxmlformats.org/officeDocument/2006/relationships" xmlns:p="http://schemas.openxmlformats.org/presentationml/2006/main">
   <p:cSld>
     <p:spTree>
@@ -30648,7 +33253,7 @@
 </p:sld>
 </file>
 
-<file path=ppt/slides/slide24.xml><?xml version="1.0" encoding="utf-8"?>
+<file path=ppt/slides/slide25.xml><?xml version="1.0" encoding="utf-8"?>
 <p:sld xmlns:a="http://schemas.openxmlformats.org/drawingml/2006/main" xmlns:r="http://schemas.openxmlformats.org/officeDocument/2006/relationships" xmlns:p="http://schemas.openxmlformats.org/presentationml/2006/main">
   <p:cSld>
     <p:spTree>
@@ -32317,7 +34922,7 @@
 </p:sld>
 </file>
 
-<file path=ppt/slides/slide25.xml><?xml version="1.0" encoding="utf-8"?>
+<file path=ppt/slides/slide26.xml><?xml version="1.0" encoding="utf-8"?>
 <p:sld xmlns:a="http://schemas.openxmlformats.org/drawingml/2006/main" xmlns:r="http://schemas.openxmlformats.org/officeDocument/2006/relationships" xmlns:p="http://schemas.openxmlformats.org/presentationml/2006/main">
   <p:cSld>
     <p:spTree>
@@ -33819,7 +36424,7 @@
 </p:sld>
 </file>
 
-<file path=ppt/slides/slide26.xml><?xml version="1.0" encoding="utf-8"?>
+<file path=ppt/slides/slide27.xml><?xml version="1.0" encoding="utf-8"?>
 <p:sld xmlns:a="http://schemas.openxmlformats.org/drawingml/2006/main" xmlns:r="http://schemas.openxmlformats.org/officeDocument/2006/relationships" xmlns:p="http://schemas.openxmlformats.org/presentationml/2006/main">
   <p:cSld>
     <p:spTree>
@@ -34839,7 +37444,7 @@
 </p:sld>
 </file>
 
-<file path=ppt/slides/slide27.xml><?xml version="1.0" encoding="utf-8"?>
+<file path=ppt/slides/slide28.xml><?xml version="1.0" encoding="utf-8"?>
 <p:sld xmlns:a="http://schemas.openxmlformats.org/drawingml/2006/main" xmlns:r="http://schemas.openxmlformats.org/officeDocument/2006/relationships" xmlns:p="http://schemas.openxmlformats.org/presentationml/2006/main">
   <p:cSld>
     <p:spTree>
@@ -35013,7 +37618,7 @@
 </p:sld>
 </file>
 
-<file path=ppt/slides/slide28.xml><?xml version="1.0" encoding="utf-8"?>
+<file path=ppt/slides/slide29.xml><?xml version="1.0" encoding="utf-8"?>
 <p:sld xmlns:a="http://schemas.openxmlformats.org/drawingml/2006/main" xmlns:r="http://schemas.openxmlformats.org/officeDocument/2006/relationships" xmlns:p="http://schemas.openxmlformats.org/presentationml/2006/main">
   <p:cSld>
     <p:spTree>
@@ -35148,7 +37753,170 @@
 </p:sld>
 </file>
 
-<file path=ppt/slides/slide29.xml><?xml version="1.0" encoding="utf-8"?>
+<file path=ppt/slides/slide3.xml><?xml version="1.0" encoding="utf-8"?>
+<p:sld xmlns:a="http://schemas.openxmlformats.org/drawingml/2006/main" xmlns:r="http://schemas.openxmlformats.org/officeDocument/2006/relationships" xmlns:p="http://schemas.openxmlformats.org/presentationml/2006/main">
+  <p:cSld>
+    <p:spTree>
+      <p:nvGrpSpPr>
+        <p:cNvPr id="1" name=""/>
+        <p:cNvGrpSpPr/>
+        <p:nvPr/>
+      </p:nvGrpSpPr>
+      <p:grpSpPr>
+        <a:xfrm>
+          <a:off x="0" y="0"/>
+          <a:ext cx="0" cy="0"/>
+          <a:chOff x="0" y="0"/>
+          <a:chExt cx="0" cy="0"/>
+        </a:xfrm>
+      </p:grpSpPr>
+      <p:sp>
+        <p:nvSpPr>
+          <p:cNvPr id="28673" name="Title 1"/>
+          <p:cNvSpPr>
+            <a:spLocks noGrp="1"/>
+          </p:cNvSpPr>
+          <p:nvPr>
+            <p:ph type="title"/>
+          </p:nvPr>
+        </p:nvSpPr>
+        <p:spPr/>
+        <p:txBody>
+          <a:bodyPr/>
+          <a:lstStyle/>
+          <a:p>
+            <a:pPr eaLnBrk="1" hangingPunct="1"/>
+            <a:r>
+              <a:rPr lang="en-US" dirty="0" smtClean="0"/>
+              <a:t>Who am I?</a:t>
+            </a:r>
+          </a:p>
+        </p:txBody>
+      </p:sp>
+      <p:sp>
+        <p:nvSpPr>
+          <p:cNvPr id="28674" name="Content Placeholder 2"/>
+          <p:cNvSpPr>
+            <a:spLocks noGrp="1"/>
+          </p:cNvSpPr>
+          <p:nvPr>
+            <p:ph idx="1"/>
+          </p:nvPr>
+        </p:nvSpPr>
+        <p:spPr>
+          <a:xfrm>
+            <a:off x="457200" y="1905000"/>
+            <a:ext cx="8229600" cy="4389438"/>
+          </a:xfrm>
+        </p:spPr>
+        <p:txBody>
+          <a:bodyPr/>
+          <a:lstStyle/>
+          <a:p>
+            <a:pPr marL="457200" indent="-457200" eaLnBrk="1" hangingPunct="1"/>
+            <a:r>
+              <a:rPr lang="en-US" sz="2400" dirty="0" smtClean="0"/>
+              <a:t>Iowa Native</a:t>
+            </a:r>
+          </a:p>
+          <a:p>
+            <a:pPr marL="457200" indent="-457200" eaLnBrk="1" hangingPunct="1"/>
+            <a:r>
+              <a:rPr lang="en-US" sz="2400" dirty="0" smtClean="0"/>
+              <a:t>Iowa State University</a:t>
+            </a:r>
+          </a:p>
+          <a:p>
+            <a:pPr marL="457200" indent="-457200" eaLnBrk="1" hangingPunct="1"/>
+            <a:r>
+              <a:rPr lang="en-US" sz="2400" dirty="0" smtClean="0"/>
+              <a:t>Cedar Rapids</a:t>
+            </a:r>
+          </a:p>
+          <a:p>
+            <a:pPr marL="457200" indent="-457200" eaLnBrk="1" hangingPunct="1"/>
+            <a:r>
+              <a:rPr lang="en-US" sz="2400" dirty="0" smtClean="0"/>
+              <a:t>SharePoint </a:t>
+            </a:r>
+            <a:r>
+              <a:rPr lang="en-US" sz="2400" dirty="0" smtClean="0">
+                <a:sym typeface="Wingdings" pitchFamily="2" charset="2"/>
+              </a:rPr>
+              <a:t> ASP.NET MVC</a:t>
+            </a:r>
+            <a:endParaRPr lang="en-US" sz="2400" dirty="0" smtClean="0"/>
+          </a:p>
+          <a:p>
+            <a:pPr marL="457200" indent="-457200" eaLnBrk="1" hangingPunct="1"/>
+            <a:r>
+              <a:rPr lang="en-US" sz="2400" dirty="0" smtClean="0">
+                <a:sym typeface="Wingdings" pitchFamily="2" charset="2"/>
+              </a:rPr>
+              <a:t>J&amp;P Cycles</a:t>
+            </a:r>
+            <a:endParaRPr lang="en-US" sz="2400" dirty="0" smtClean="0"/>
+          </a:p>
+          <a:p>
+            <a:pPr marL="457200" indent="-457200" eaLnBrk="1" hangingPunct="1"/>
+            <a:r>
+              <a:rPr lang="en-US" sz="2400" dirty="0" smtClean="0"/>
+              <a:t>Language Geek</a:t>
+            </a:r>
+          </a:p>
+        </p:txBody>
+      </p:sp>
+      <p:pic>
+        <p:nvPicPr>
+          <p:cNvPr id="28675" name="Picture 3"/>
+          <p:cNvPicPr>
+            <a:picLocks noChangeAspect="1" noChangeArrowheads="1"/>
+          </p:cNvPicPr>
+          <p:nvPr/>
+        </p:nvPicPr>
+        <p:blipFill>
+          <a:blip r:embed="rId2" cstate="print"/>
+          <a:srcRect/>
+          <a:stretch>
+            <a:fillRect/>
+          </a:stretch>
+        </p:blipFill>
+        <p:spPr bwMode="auto">
+          <a:xfrm>
+            <a:off x="571500" y="5257800"/>
+            <a:ext cx="4991100" cy="981075"/>
+          </a:xfrm>
+          <a:prstGeom prst="rect">
+            <a:avLst/>
+          </a:prstGeom>
+          <a:noFill/>
+          <a:ln w="9525">
+            <a:noFill/>
+            <a:miter lim="800000"/>
+            <a:headEnd/>
+            <a:tailEnd/>
+          </a:ln>
+        </p:spPr>
+      </p:pic>
+    </p:spTree>
+  </p:cSld>
+  <p:clrMapOvr>
+    <a:masterClrMapping/>
+  </p:clrMapOvr>
+  <p:transition>
+    <p:fade/>
+  </p:transition>
+  <p:timing>
+    <p:tnLst>
+      <p:par>
+        <p:cTn id="1" dur="indefinite" restart="never" nodeType="tmRoot"/>
+      </p:par>
+    </p:tnLst>
+  </p:timing>
+</p:sld>
+</file>
+
+<file path=ppt/slides/slide30.xml><?xml version="1.0" encoding="utf-8"?>
 <p:sld xmlns:a="http://schemas.openxmlformats.org/drawingml/2006/main" xmlns:r="http://schemas.openxmlformats.org/officeDocument/2006/relationships" xmlns:p="http://schemas.openxmlformats.org/presentationml/2006/main">
   <p:cSld>
     <p:spTree>
@@ -36033,96 +38801,7 @@
 </p:sld>
 </file>
 
-<file path=ppt/slides/slide3.xml><?xml version="1.0" encoding="utf-8"?>
-<p:sld xmlns:a="http://schemas.openxmlformats.org/drawingml/2006/main" xmlns:r="http://schemas.openxmlformats.org/officeDocument/2006/relationships" xmlns:p="http://schemas.openxmlformats.org/presentationml/2006/main">
-  <p:cSld>
-    <p:spTree>
-      <p:nvGrpSpPr>
-        <p:cNvPr id="1" name=""/>
-        <p:cNvGrpSpPr/>
-        <p:nvPr/>
-      </p:nvGrpSpPr>
-      <p:grpSpPr>
-        <a:xfrm>
-          <a:off x="0" y="0"/>
-          <a:ext cx="0" cy="0"/>
-          <a:chOff x="0" y="0"/>
-          <a:chExt cx="0" cy="0"/>
-        </a:xfrm>
-      </p:grpSpPr>
-      <p:sp>
-        <p:nvSpPr>
-          <p:cNvPr id="4" name="Title 3"/>
-          <p:cNvSpPr>
-            <a:spLocks noGrp="1"/>
-          </p:cNvSpPr>
-          <p:nvPr>
-            <p:ph type="title"/>
-          </p:nvPr>
-        </p:nvSpPr>
-        <p:spPr/>
-        <p:txBody>
-          <a:bodyPr/>
-          <a:lstStyle/>
-          <a:p>
-            <a:pPr eaLnBrk="1" fontAlgn="auto" hangingPunct="1">
-              <a:spcAft>
-                <a:spcPts val="0"/>
-              </a:spcAft>
-              <a:defRPr/>
-            </a:pPr>
-            <a:r>
-              <a:rPr smtClean="0"/>
-              <a:t>Demo: Dynamic vs. Static</a:t>
-            </a:r>
-            <a:endParaRPr/>
-          </a:p>
-        </p:txBody>
-      </p:sp>
-      <p:sp>
-        <p:nvSpPr>
-          <p:cNvPr id="29698" name="Text Placeholder 4"/>
-          <p:cNvSpPr>
-            <a:spLocks noGrp="1"/>
-          </p:cNvSpPr>
-          <p:nvPr>
-            <p:ph type="body" idx="1"/>
-          </p:nvPr>
-        </p:nvSpPr>
-        <p:spPr>
-          <a:xfrm>
-            <a:off x="530225" y="2705100"/>
-            <a:ext cx="7772400" cy="1509713"/>
-          </a:xfrm>
-        </p:spPr>
-        <p:txBody>
-          <a:bodyPr/>
-          <a:lstStyle/>
-          <a:p>
-            <a:pPr eaLnBrk="1" hangingPunct="1"/>
-            <a:endParaRPr lang="en-US" smtClean="0"/>
-          </a:p>
-        </p:txBody>
-      </p:sp>
-    </p:spTree>
-  </p:cSld>
-  <p:clrMapOvr>
-    <a:masterClrMapping/>
-  </p:clrMapOvr>
-  <p:transition>
-    <p:fade/>
-  </p:transition>
-  <p:timing>
-    <p:tnLst>
-      <p:par>
-        <p:cTn id="1" dur="indefinite" restart="never" nodeType="tmRoot"/>
-      </p:par>
-    </p:tnLst>
-  </p:timing>
-</p:sld>
-</file>
-
-<file path=ppt/slides/slide30.xml><?xml version="1.0" encoding="utf-8"?>
+<file path=ppt/slides/slide31.xml><?xml version="1.0" encoding="utf-8"?>
 <p:sld xmlns:a="http://schemas.openxmlformats.org/drawingml/2006/main" xmlns:r="http://schemas.openxmlformats.org/officeDocument/2006/relationships" xmlns:p="http://schemas.openxmlformats.org/presentationml/2006/main">
   <p:cSld>
     <p:spTree>
@@ -36578,7 +39257,7 @@
 </p:sld>
 </file>
 
-<file path=ppt/slides/slide31.xml><?xml version="1.0" encoding="utf-8"?>
+<file path=ppt/slides/slide32.xml><?xml version="1.0" encoding="utf-8"?>
 <p:sld xmlns:a="http://schemas.openxmlformats.org/drawingml/2006/main" xmlns:r="http://schemas.openxmlformats.org/officeDocument/2006/relationships" xmlns:p="http://schemas.openxmlformats.org/presentationml/2006/main">
   <p:cSld>
     <p:spTree>
@@ -36667,7 +39346,7 @@
 </p:sld>
 </file>
 
-<file path=ppt/slides/slide32.xml><?xml version="1.0" encoding="utf-8"?>
+<file path=ppt/slides/slide33.xml><?xml version="1.0" encoding="utf-8"?>
 <p:sld xmlns:a="http://schemas.openxmlformats.org/drawingml/2006/main" xmlns:r="http://schemas.openxmlformats.org/officeDocument/2006/relationships" xmlns:p="http://schemas.openxmlformats.org/presentationml/2006/main">
   <p:cSld>
     <p:spTree>
@@ -38189,7 +40868,7 @@
 </p:sld>
 </file>
 
-<file path=ppt/slides/slide33.xml><?xml version="1.0" encoding="utf-8"?>
+<file path=ppt/slides/slide34.xml><?xml version="1.0" encoding="utf-8"?>
 <p:sld xmlns:a="http://schemas.openxmlformats.org/drawingml/2006/main" xmlns:r="http://schemas.openxmlformats.org/officeDocument/2006/relationships" xmlns:p="http://schemas.openxmlformats.org/presentationml/2006/main">
   <p:cSld>
     <p:spTree>
@@ -38281,7 +40960,6 @@
               <a:rPr lang="en-US" sz="2200" dirty="0" smtClean="0"/>
               <a:t> </a:t>
             </a:r>
-            <a:endParaRPr lang="en-US" sz="2200" dirty="0" smtClean="0"/>
           </a:p>
           <a:p>
             <a:pPr marL="274320" indent="-274320" eaLnBrk="1" fontAlgn="auto" hangingPunct="1">
@@ -38297,11 +40975,7 @@
             </a:pPr>
             <a:r>
               <a:rPr lang="en-US" sz="2400" i="1" dirty="0" smtClean="0"/>
-              <a:t>C</a:t>
-            </a:r>
-            <a:r>
-              <a:rPr lang="en-US" sz="2400" i="1" dirty="0" smtClean="0"/>
-              <a:t># in Depth</a:t>
+              <a:t>C# in Depth</a:t>
             </a:r>
             <a:r>
               <a:rPr lang="en-US" sz="2400" dirty="0" smtClean="0"/>
@@ -38451,6 +41125,95 @@
 </file>
 
 <file path=ppt/slides/slide4.xml><?xml version="1.0" encoding="utf-8"?>
+<p:sld xmlns:a="http://schemas.openxmlformats.org/drawingml/2006/main" xmlns:r="http://schemas.openxmlformats.org/officeDocument/2006/relationships" xmlns:p="http://schemas.openxmlformats.org/presentationml/2006/main">
+  <p:cSld>
+    <p:spTree>
+      <p:nvGrpSpPr>
+        <p:cNvPr id="1" name=""/>
+        <p:cNvGrpSpPr/>
+        <p:nvPr/>
+      </p:nvGrpSpPr>
+      <p:grpSpPr>
+        <a:xfrm>
+          <a:off x="0" y="0"/>
+          <a:ext cx="0" cy="0"/>
+          <a:chOff x="0" y="0"/>
+          <a:chExt cx="0" cy="0"/>
+        </a:xfrm>
+      </p:grpSpPr>
+      <p:sp>
+        <p:nvSpPr>
+          <p:cNvPr id="4" name="Title 3"/>
+          <p:cNvSpPr>
+            <a:spLocks noGrp="1"/>
+          </p:cNvSpPr>
+          <p:nvPr>
+            <p:ph type="title"/>
+          </p:nvPr>
+        </p:nvSpPr>
+        <p:spPr/>
+        <p:txBody>
+          <a:bodyPr/>
+          <a:lstStyle/>
+          <a:p>
+            <a:pPr eaLnBrk="1" fontAlgn="auto" hangingPunct="1">
+              <a:spcAft>
+                <a:spcPts val="0"/>
+              </a:spcAft>
+              <a:defRPr/>
+            </a:pPr>
+            <a:r>
+              <a:rPr smtClean="0"/>
+              <a:t>Demo: Dynamic vs. Static</a:t>
+            </a:r>
+            <a:endParaRPr/>
+          </a:p>
+        </p:txBody>
+      </p:sp>
+      <p:sp>
+        <p:nvSpPr>
+          <p:cNvPr id="29698" name="Text Placeholder 4"/>
+          <p:cNvSpPr>
+            <a:spLocks noGrp="1"/>
+          </p:cNvSpPr>
+          <p:nvPr>
+            <p:ph type="body" idx="1"/>
+          </p:nvPr>
+        </p:nvSpPr>
+        <p:spPr>
+          <a:xfrm>
+            <a:off x="530225" y="2705100"/>
+            <a:ext cx="7772400" cy="1509713"/>
+          </a:xfrm>
+        </p:spPr>
+        <p:txBody>
+          <a:bodyPr/>
+          <a:lstStyle/>
+          <a:p>
+            <a:pPr eaLnBrk="1" hangingPunct="1"/>
+            <a:endParaRPr lang="en-US" smtClean="0"/>
+          </a:p>
+        </p:txBody>
+      </p:sp>
+    </p:spTree>
+  </p:cSld>
+  <p:clrMapOvr>
+    <a:masterClrMapping/>
+  </p:clrMapOvr>
+  <p:transition>
+    <p:fade/>
+  </p:transition>
+  <p:timing>
+    <p:tnLst>
+      <p:par>
+        <p:cTn id="1" dur="indefinite" restart="never" nodeType="tmRoot"/>
+      </p:par>
+    </p:tnLst>
+  </p:timing>
+</p:sld>
+</file>
+
+<file path=ppt/slides/slide5.xml><?xml version="1.0" encoding="utf-8"?>
 <p:sld xmlns:a="http://schemas.openxmlformats.org/drawingml/2006/main" xmlns:r="http://schemas.openxmlformats.org/officeDocument/2006/relationships" xmlns:p="http://schemas.openxmlformats.org/presentationml/2006/main">
   <p:cSld>
     <p:spTree>
@@ -38524,7 +41287,7 @@
 </p:sld>
 </file>
 
-<file path=ppt/slides/slide5.xml><?xml version="1.0" encoding="utf-8"?>
+<file path=ppt/slides/slide6.xml><?xml version="1.0" encoding="utf-8"?>
 <p:sld xmlns:a="http://schemas.openxmlformats.org/drawingml/2006/main" xmlns:r="http://schemas.openxmlformats.org/officeDocument/2006/relationships" xmlns:p="http://schemas.openxmlformats.org/presentationml/2006/main">
   <p:cSld>
     <p:spTree>
@@ -39196,7 +41959,7 @@
 </p:sld>
 </file>
 
-<file path=ppt/slides/slide6.xml><?xml version="1.0" encoding="utf-8"?>
+<file path=ppt/slides/slide7.xml><?xml version="1.0" encoding="utf-8"?>
 <p:sld xmlns:a="http://schemas.openxmlformats.org/drawingml/2006/main" xmlns:r="http://schemas.openxmlformats.org/officeDocument/2006/relationships" xmlns:p="http://schemas.openxmlformats.org/presentationml/2006/main">
   <p:cSld>
     <p:spTree>
@@ -39929,832 +42692,6 @@
                 <a:cs typeface="Times New Roman"/>
               </a:rPr>
               <a:t>, loc, 7);</a:t>
-            </a:r>
-          </a:p>
-        </p:txBody>
-      </p:sp>
-    </p:spTree>
-  </p:cSld>
-  <p:clrMapOvr>
-    <a:masterClrMapping/>
-  </p:clrMapOvr>
-  <p:transition>
-    <p:fade/>
-  </p:transition>
-  <p:timing>
-    <p:tnLst>
-      <p:par>
-        <p:cTn id="1" dur="indefinite" restart="never" nodeType="tmRoot"/>
-      </p:par>
-    </p:tnLst>
-  </p:timing>
-</p:sld>
-</file>
-
-<file path=ppt/slides/slide7.xml><?xml version="1.0" encoding="utf-8"?>
-<p:sld xmlns:a="http://schemas.openxmlformats.org/drawingml/2006/main" xmlns:r="http://schemas.openxmlformats.org/officeDocument/2006/relationships" xmlns:p="http://schemas.openxmlformats.org/presentationml/2006/main">
-  <p:cSld>
-    <p:spTree>
-      <p:nvGrpSpPr>
-        <p:cNvPr id="1" name=""/>
-        <p:cNvGrpSpPr/>
-        <p:nvPr/>
-      </p:nvGrpSpPr>
-      <p:grpSpPr>
-        <a:xfrm>
-          <a:off x="0" y="0"/>
-          <a:ext cx="0" cy="0"/>
-          <a:chOff x="0" y="0"/>
-          <a:chExt cx="0" cy="0"/>
-        </a:xfrm>
-      </p:grpSpPr>
-      <p:sp>
-        <p:nvSpPr>
-          <p:cNvPr id="3" name="Title 2"/>
-          <p:cNvSpPr>
-            <a:spLocks noGrp="1"/>
-          </p:cNvSpPr>
-          <p:nvPr>
-            <p:ph type="title"/>
-          </p:nvPr>
-        </p:nvSpPr>
-        <p:spPr/>
-        <p:txBody>
-          <a:bodyPr/>
-          <a:lstStyle/>
-          <a:p>
-            <a:pPr eaLnBrk="1" fontAlgn="auto" hangingPunct="1">
-              <a:spcAft>
-                <a:spcPts val="0"/>
-              </a:spcAft>
-              <a:defRPr/>
-            </a:pPr>
-            <a:r>
-              <a:rPr dirty="0" smtClean="0"/>
-              <a:t>COM</a:t>
-            </a:r>
-            <a:r>
-              <a:rPr lang="en-US" dirty="0" smtClean="0"/>
-              <a:t> – VBA</a:t>
-            </a:r>
-            <a:endParaRPr lang="en-US" sz="3200" dirty="0">
-              <a:solidFill>
-                <a:schemeClr val="accent3"/>
-              </a:solidFill>
-            </a:endParaRPr>
-          </a:p>
-        </p:txBody>
-      </p:sp>
-      <p:sp>
-        <p:nvSpPr>
-          <p:cNvPr id="8" name="Content Placeholder 7"/>
-          <p:cNvSpPr>
-            <a:spLocks noGrp="1"/>
-          </p:cNvSpPr>
-          <p:nvPr>
-            <p:ph idx="1"/>
-          </p:nvPr>
-        </p:nvSpPr>
-        <p:spPr/>
-        <p:txBody>
-          <a:bodyPr/>
-          <a:lstStyle/>
-          <a:p>
-            <a:pPr eaLnBrk="1" hangingPunct="1">
-              <a:lnSpc>
-                <a:spcPct val="100000"/>
-              </a:lnSpc>
-              <a:spcBef>
-                <a:spcPts val="0"/>
-              </a:spcBef>
-            </a:pPr>
-            <a:r>
-              <a:rPr lang="en-US" dirty="0" smtClean="0"/>
-              <a:t>VBA:</a:t>
-            </a:r>
-          </a:p>
-          <a:p>
-            <a:pPr eaLnBrk="1" hangingPunct="1">
-              <a:lnSpc>
-                <a:spcPct val="100000"/>
-              </a:lnSpc>
-              <a:spcBef>
-                <a:spcPts val="0"/>
-              </a:spcBef>
-            </a:pPr>
-            <a:endParaRPr lang="en-US" dirty="0" smtClean="0"/>
-          </a:p>
-          <a:p>
-            <a:pPr eaLnBrk="1" hangingPunct="1">
-              <a:lnSpc>
-                <a:spcPct val="100000"/>
-              </a:lnSpc>
-              <a:spcBef>
-                <a:spcPts val="0"/>
-              </a:spcBef>
-            </a:pPr>
-            <a:r>
-              <a:rPr lang="en-US" dirty="0" smtClean="0"/>
-              <a:t>VB.NET:</a:t>
-            </a:r>
-          </a:p>
-          <a:p>
-            <a:pPr eaLnBrk="1" hangingPunct="1">
-              <a:lnSpc>
-                <a:spcPct val="100000"/>
-              </a:lnSpc>
-              <a:spcBef>
-                <a:spcPts val="0"/>
-              </a:spcBef>
-            </a:pPr>
-            <a:endParaRPr lang="en-US" dirty="0" smtClean="0"/>
-          </a:p>
-          <a:p>
-            <a:pPr eaLnBrk="1" hangingPunct="1">
-              <a:lnSpc>
-                <a:spcPct val="100000"/>
-              </a:lnSpc>
-              <a:spcBef>
-                <a:spcPts val="0"/>
-              </a:spcBef>
-            </a:pPr>
-            <a:r>
-              <a:rPr lang="en-US" dirty="0" smtClean="0"/>
-              <a:t>C# 3.0:</a:t>
-            </a:r>
-          </a:p>
-          <a:p>
-            <a:endParaRPr lang="en-US" dirty="0"/>
-          </a:p>
-        </p:txBody>
-      </p:sp>
-      <p:sp>
-        <p:nvSpPr>
-          <p:cNvPr id="6" name="TextBox 5"/>
-          <p:cNvSpPr txBox="1"/>
-          <p:nvPr/>
-        </p:nvSpPr>
-        <p:spPr>
-          <a:xfrm>
-            <a:off x="990600" y="4038600"/>
-            <a:ext cx="7239000" cy="1779588"/>
-          </a:xfrm>
-          <a:prstGeom prst="rect">
-            <a:avLst/>
-          </a:prstGeom>
-          <a:solidFill>
-            <a:srgbClr val="FFFF99"/>
-          </a:solidFill>
-          <a:ln>
-            <a:noFill/>
-          </a:ln>
-          <a:effectLst>
-            <a:outerShdw blurRad="50800" dist="38100" dir="5400000" algn="t" rotWithShape="0">
-              <a:prstClr val="black">
-                <a:alpha val="40000"/>
-              </a:prstClr>
-            </a:outerShdw>
-          </a:effectLst>
-        </p:spPr>
-        <p:style>
-          <a:lnRef idx="2">
-            <a:schemeClr val="dk1"/>
-          </a:lnRef>
-          <a:fillRef idx="1">
-            <a:schemeClr val="lt1"/>
-          </a:fillRef>
-          <a:effectRef idx="0">
-            <a:schemeClr val="dk1"/>
-          </a:effectRef>
-          <a:fontRef idx="minor">
-            <a:schemeClr val="dk1"/>
-          </a:fontRef>
-        </p:style>
-        <p:txBody>
-          <a:bodyPr>
-            <a:spAutoFit/>
-          </a:bodyPr>
-          <a:lstStyle/>
-          <a:p>
-            <a:pPr fontAlgn="auto">
-              <a:lnSpc>
-                <a:spcPct val="78000"/>
-              </a:lnSpc>
-              <a:spcBef>
-                <a:spcPts val="576"/>
-              </a:spcBef>
-              <a:spcAft>
-                <a:spcPts val="0"/>
-              </a:spcAft>
-              <a:defRPr/>
-            </a:pPr>
-            <a:r>
-              <a:rPr lang="en-US" dirty="0">
-                <a:solidFill>
-                  <a:srgbClr val="0000FF"/>
-                </a:solidFill>
-                <a:latin typeface="Consolas" pitchFamily="49" charset="0"/>
-                <a:ea typeface="Calibri"/>
-                <a:cs typeface="Times New Roman"/>
-              </a:rPr>
-              <a:t>object</a:t>
-            </a:r>
-            <a:r>
-              <a:rPr lang="en-US" dirty="0">
-                <a:solidFill>
-                  <a:srgbClr val="000000"/>
-                </a:solidFill>
-                <a:latin typeface="Consolas" pitchFamily="49" charset="0"/>
-                <a:ea typeface="Calibri"/>
-                <a:cs typeface="Courier New" pitchFamily="49" charset="0"/>
-              </a:rPr>
-              <a:t> missing = </a:t>
-            </a:r>
-            <a:r>
-              <a:rPr lang="en-US" dirty="0" err="1">
-                <a:solidFill>
-                  <a:srgbClr val="3898B2"/>
-                </a:solidFill>
-                <a:latin typeface="Consolas" pitchFamily="49" charset="0"/>
-                <a:ea typeface="Calibri"/>
-                <a:cs typeface="Times New Roman"/>
-              </a:rPr>
-              <a:t>Type</a:t>
-            </a:r>
-            <a:r>
-              <a:rPr lang="en-US" dirty="0" err="1">
-                <a:solidFill>
-                  <a:srgbClr val="000000"/>
-                </a:solidFill>
-                <a:latin typeface="Consolas" pitchFamily="49" charset="0"/>
-                <a:ea typeface="Calibri"/>
-                <a:cs typeface="Courier New" pitchFamily="49" charset="0"/>
-              </a:rPr>
-              <a:t>.Missing</a:t>
-            </a:r>
-            <a:r>
-              <a:rPr lang="en-US" dirty="0">
-                <a:solidFill>
-                  <a:srgbClr val="000000"/>
-                </a:solidFill>
-                <a:latin typeface="Consolas" pitchFamily="49" charset="0"/>
-                <a:ea typeface="Calibri"/>
-                <a:cs typeface="Courier New" pitchFamily="49" charset="0"/>
-              </a:rPr>
-              <a:t>;</a:t>
-            </a:r>
-            <a:endParaRPr lang="en-US" dirty="0">
-              <a:solidFill>
-                <a:srgbClr val="0000FF"/>
-              </a:solidFill>
-              <a:latin typeface="Consolas" pitchFamily="49" charset="0"/>
-              <a:ea typeface="Calibri"/>
-              <a:cs typeface="Times New Roman"/>
-            </a:endParaRPr>
-          </a:p>
-          <a:p>
-            <a:pPr fontAlgn="auto">
-              <a:lnSpc>
-                <a:spcPct val="78000"/>
-              </a:lnSpc>
-              <a:spcBef>
-                <a:spcPts val="576"/>
-              </a:spcBef>
-              <a:spcAft>
-                <a:spcPts val="0"/>
-              </a:spcAft>
-              <a:defRPr/>
-            </a:pPr>
-            <a:r>
-              <a:rPr lang="en-US" dirty="0">
-                <a:solidFill>
-                  <a:srgbClr val="0000FF"/>
-                </a:solidFill>
-                <a:latin typeface="Consolas" pitchFamily="49" charset="0"/>
-                <a:ea typeface="Calibri"/>
-                <a:cs typeface="Times New Roman"/>
-              </a:rPr>
-              <a:t>object</a:t>
-            </a:r>
-            <a:r>
-              <a:rPr lang="en-US" dirty="0">
-                <a:solidFill>
-                  <a:srgbClr val="000000"/>
-                </a:solidFill>
-                <a:latin typeface="Consolas" pitchFamily="49" charset="0"/>
-                <a:ea typeface="Calibri"/>
-                <a:cs typeface="Courier New" pitchFamily="49" charset="0"/>
-              </a:rPr>
-              <a:t> link = </a:t>
-            </a:r>
-            <a:r>
-              <a:rPr lang="en-US" dirty="0">
-                <a:solidFill>
-                  <a:srgbClr val="0000FF"/>
-                </a:solidFill>
-                <a:latin typeface="Consolas" pitchFamily="49" charset="0"/>
-                <a:ea typeface="Calibri"/>
-                <a:cs typeface="Times New Roman"/>
-              </a:rPr>
-              <a:t>true</a:t>
-            </a:r>
-            <a:r>
-              <a:rPr lang="en-US" dirty="0">
-                <a:solidFill>
-                  <a:srgbClr val="000000"/>
-                </a:solidFill>
-                <a:latin typeface="Consolas" pitchFamily="49" charset="0"/>
-                <a:ea typeface="Calibri"/>
-                <a:cs typeface="Courier New" pitchFamily="49" charset="0"/>
-              </a:rPr>
-              <a:t>;</a:t>
-            </a:r>
-          </a:p>
-          <a:p>
-            <a:pPr fontAlgn="auto">
-              <a:lnSpc>
-                <a:spcPct val="78000"/>
-              </a:lnSpc>
-              <a:spcBef>
-                <a:spcPts val="576"/>
-              </a:spcBef>
-              <a:spcAft>
-                <a:spcPts val="0"/>
-              </a:spcAft>
-              <a:defRPr/>
-            </a:pPr>
-            <a:r>
-              <a:rPr lang="en-US" dirty="0" err="1">
-                <a:solidFill>
-                  <a:srgbClr val="000000"/>
-                </a:solidFill>
-                <a:latin typeface="Consolas" pitchFamily="49" charset="0"/>
-                <a:ea typeface="Calibri"/>
-                <a:cs typeface="Courier New" pitchFamily="49" charset="0"/>
-              </a:rPr>
-              <a:t>word.Selection.PasteSpecial</a:t>
-            </a:r>
-            <a:r>
-              <a:rPr lang="en-US" dirty="0">
-                <a:solidFill>
-                  <a:srgbClr val="000000"/>
-                </a:solidFill>
-                <a:latin typeface="Consolas" pitchFamily="49" charset="0"/>
-                <a:ea typeface="Calibri"/>
-                <a:cs typeface="Courier New" pitchFamily="49" charset="0"/>
-              </a:rPr>
-              <a:t>(</a:t>
-            </a:r>
-          </a:p>
-          <a:p>
-            <a:pPr fontAlgn="auto">
-              <a:lnSpc>
-                <a:spcPct val="78000"/>
-              </a:lnSpc>
-              <a:spcBef>
-                <a:spcPts val="576"/>
-              </a:spcBef>
-              <a:spcAft>
-                <a:spcPts val="0"/>
-              </a:spcAft>
-              <a:defRPr/>
-            </a:pPr>
-            <a:r>
-              <a:rPr lang="en-US" dirty="0">
-                <a:solidFill>
-                  <a:srgbClr val="000000"/>
-                </a:solidFill>
-                <a:latin typeface="Consolas" pitchFamily="49" charset="0"/>
-                <a:ea typeface="Calibri"/>
-                <a:cs typeface="Courier New" pitchFamily="49" charset="0"/>
-              </a:rPr>
-              <a:t>    </a:t>
-            </a:r>
-            <a:r>
-              <a:rPr lang="en-US" dirty="0">
-                <a:solidFill>
-                  <a:srgbClr val="0000FF"/>
-                </a:solidFill>
-                <a:latin typeface="Consolas" pitchFamily="49" charset="0"/>
-                <a:ea typeface="Calibri"/>
-                <a:cs typeface="Times New Roman"/>
-              </a:rPr>
-              <a:t>ref</a:t>
-            </a:r>
-            <a:r>
-              <a:rPr lang="en-US" dirty="0">
-                <a:solidFill>
-                  <a:srgbClr val="000000"/>
-                </a:solidFill>
-                <a:latin typeface="Consolas" pitchFamily="49" charset="0"/>
-                <a:ea typeface="Calibri"/>
-                <a:cs typeface="Courier New" pitchFamily="49" charset="0"/>
-              </a:rPr>
-              <a:t> missing, </a:t>
-            </a:r>
-            <a:r>
-              <a:rPr lang="en-US" dirty="0">
-                <a:solidFill>
-                  <a:srgbClr val="0000FF"/>
-                </a:solidFill>
-                <a:latin typeface="Consolas" pitchFamily="49" charset="0"/>
-                <a:ea typeface="Calibri"/>
-                <a:cs typeface="Times New Roman"/>
-              </a:rPr>
-              <a:t>ref</a:t>
-            </a:r>
-            <a:r>
-              <a:rPr lang="en-US" dirty="0">
-                <a:solidFill>
-                  <a:srgbClr val="000000"/>
-                </a:solidFill>
-                <a:latin typeface="Consolas" pitchFamily="49" charset="0"/>
-                <a:ea typeface="Calibri"/>
-                <a:cs typeface="Courier New" pitchFamily="49" charset="0"/>
-              </a:rPr>
-              <a:t> link, </a:t>
-            </a:r>
-            <a:r>
-              <a:rPr lang="en-US" dirty="0">
-                <a:solidFill>
-                  <a:srgbClr val="0000FF"/>
-                </a:solidFill>
-                <a:latin typeface="Consolas" pitchFamily="49" charset="0"/>
-                <a:ea typeface="Calibri"/>
-                <a:cs typeface="Times New Roman"/>
-              </a:rPr>
-              <a:t>ref</a:t>
-            </a:r>
-            <a:r>
-              <a:rPr lang="en-US" dirty="0">
-                <a:solidFill>
-                  <a:srgbClr val="000000"/>
-                </a:solidFill>
-                <a:latin typeface="Consolas" pitchFamily="49" charset="0"/>
-                <a:ea typeface="Calibri"/>
-                <a:cs typeface="Courier New" pitchFamily="49" charset="0"/>
-              </a:rPr>
-              <a:t> missing,</a:t>
-            </a:r>
-          </a:p>
-          <a:p>
-            <a:pPr fontAlgn="auto">
-              <a:lnSpc>
-                <a:spcPct val="78000"/>
-              </a:lnSpc>
-              <a:spcBef>
-                <a:spcPts val="576"/>
-              </a:spcBef>
-              <a:spcAft>
-                <a:spcPts val="0"/>
-              </a:spcAft>
-              <a:defRPr/>
-            </a:pPr>
-            <a:r>
-              <a:rPr lang="en-US" dirty="0">
-                <a:solidFill>
-                  <a:srgbClr val="0000FF"/>
-                </a:solidFill>
-                <a:latin typeface="Consolas" pitchFamily="49" charset="0"/>
-                <a:ea typeface="Calibri"/>
-                <a:cs typeface="Times New Roman"/>
-              </a:rPr>
-              <a:t>    ref</a:t>
-            </a:r>
-            <a:r>
-              <a:rPr lang="en-US" dirty="0">
-                <a:solidFill>
-                  <a:srgbClr val="000000"/>
-                </a:solidFill>
-                <a:latin typeface="Consolas" pitchFamily="49" charset="0"/>
-                <a:ea typeface="Calibri"/>
-                <a:cs typeface="Courier New" pitchFamily="49" charset="0"/>
-              </a:rPr>
-              <a:t> missing, </a:t>
-            </a:r>
-            <a:r>
-              <a:rPr lang="en-US" dirty="0">
-                <a:solidFill>
-                  <a:srgbClr val="0000FF"/>
-                </a:solidFill>
-                <a:latin typeface="Consolas" pitchFamily="49" charset="0"/>
-                <a:ea typeface="Calibri"/>
-                <a:cs typeface="Times New Roman"/>
-              </a:rPr>
-              <a:t>ref</a:t>
-            </a:r>
-            <a:r>
-              <a:rPr lang="en-US" dirty="0">
-                <a:solidFill>
-                  <a:srgbClr val="000000"/>
-                </a:solidFill>
-                <a:latin typeface="Consolas" pitchFamily="49" charset="0"/>
-                <a:ea typeface="Calibri"/>
-                <a:cs typeface="Courier New" pitchFamily="49" charset="0"/>
-              </a:rPr>
-              <a:t> missing, </a:t>
-            </a:r>
-            <a:r>
-              <a:rPr lang="en-US" dirty="0">
-                <a:solidFill>
-                  <a:srgbClr val="0000FF"/>
-                </a:solidFill>
-                <a:latin typeface="Consolas" pitchFamily="49" charset="0"/>
-                <a:ea typeface="Calibri"/>
-                <a:cs typeface="Times New Roman"/>
-              </a:rPr>
-              <a:t>ref</a:t>
-            </a:r>
-            <a:r>
-              <a:rPr lang="en-US" dirty="0">
-                <a:solidFill>
-                  <a:srgbClr val="000000"/>
-                </a:solidFill>
-                <a:latin typeface="Consolas" pitchFamily="49" charset="0"/>
-                <a:ea typeface="Calibri"/>
-                <a:cs typeface="Courier New" pitchFamily="49" charset="0"/>
-              </a:rPr>
-              <a:t> missing,</a:t>
-            </a:r>
-          </a:p>
-          <a:p>
-            <a:pPr fontAlgn="auto">
-              <a:lnSpc>
-                <a:spcPct val="78000"/>
-              </a:lnSpc>
-              <a:spcBef>
-                <a:spcPts val="576"/>
-              </a:spcBef>
-              <a:spcAft>
-                <a:spcPts val="0"/>
-              </a:spcAft>
-              <a:defRPr/>
-            </a:pPr>
-            <a:r>
-              <a:rPr lang="en-US" dirty="0">
-                <a:solidFill>
-                  <a:srgbClr val="000000"/>
-                </a:solidFill>
-                <a:latin typeface="Consolas" pitchFamily="49" charset="0"/>
-                <a:ea typeface="Calibri"/>
-                <a:cs typeface="Courier New" pitchFamily="49" charset="0"/>
-              </a:rPr>
-              <a:t>    </a:t>
-            </a:r>
-            <a:r>
-              <a:rPr lang="en-US" dirty="0">
-                <a:solidFill>
-                  <a:srgbClr val="0000FF"/>
-                </a:solidFill>
-                <a:latin typeface="Consolas" pitchFamily="49" charset="0"/>
-                <a:ea typeface="Calibri"/>
-                <a:cs typeface="Times New Roman"/>
-              </a:rPr>
-              <a:t>ref</a:t>
-            </a:r>
-            <a:r>
-              <a:rPr lang="en-US" dirty="0">
-                <a:solidFill>
-                  <a:srgbClr val="000000"/>
-                </a:solidFill>
-                <a:latin typeface="Consolas" pitchFamily="49" charset="0"/>
-                <a:ea typeface="Calibri"/>
-                <a:cs typeface="Courier New" pitchFamily="49" charset="0"/>
-              </a:rPr>
-              <a:t> missing);</a:t>
-            </a:r>
-          </a:p>
-        </p:txBody>
-      </p:sp>
-      <p:sp>
-        <p:nvSpPr>
-          <p:cNvPr id="10" name="TextBox 9"/>
-          <p:cNvSpPr txBox="1"/>
-          <p:nvPr/>
-        </p:nvSpPr>
-        <p:spPr>
-          <a:xfrm>
-            <a:off x="990600" y="2404872"/>
-            <a:ext cx="7239000" cy="314325"/>
-          </a:xfrm>
-          <a:prstGeom prst="rect">
-            <a:avLst/>
-          </a:prstGeom>
-          <a:solidFill>
-            <a:srgbClr val="FFFF99"/>
-          </a:solidFill>
-          <a:ln>
-            <a:noFill/>
-          </a:ln>
-          <a:effectLst>
-            <a:outerShdw blurRad="50800" dist="38100" dir="5400000" algn="t" rotWithShape="0">
-              <a:prstClr val="black">
-                <a:alpha val="40000"/>
-              </a:prstClr>
-            </a:outerShdw>
-          </a:effectLst>
-        </p:spPr>
-        <p:style>
-          <a:lnRef idx="2">
-            <a:schemeClr val="dk1"/>
-          </a:lnRef>
-          <a:fillRef idx="1">
-            <a:schemeClr val="lt1"/>
-          </a:fillRef>
-          <a:effectRef idx="0">
-            <a:schemeClr val="dk1"/>
-          </a:effectRef>
-          <a:fontRef idx="minor">
-            <a:schemeClr val="dk1"/>
-          </a:fontRef>
-        </p:style>
-        <p:txBody>
-          <a:bodyPr>
-            <a:spAutoFit/>
-          </a:bodyPr>
-          <a:lstStyle/>
-          <a:p>
-            <a:pPr fontAlgn="auto">
-              <a:lnSpc>
-                <a:spcPct val="78000"/>
-              </a:lnSpc>
-              <a:spcBef>
-                <a:spcPts val="576"/>
-              </a:spcBef>
-              <a:spcAft>
-                <a:spcPts val="0"/>
-              </a:spcAft>
-              <a:defRPr/>
-            </a:pPr>
-            <a:r>
-              <a:rPr lang="en-US" dirty="0" err="1">
-                <a:solidFill>
-                  <a:schemeClr val="tx1"/>
-                </a:solidFill>
-                <a:latin typeface="Consolas" pitchFamily="49" charset="0"/>
-                <a:ea typeface="Calibri"/>
-                <a:cs typeface="Courier New" pitchFamily="49" charset="0"/>
-              </a:rPr>
-              <a:t>Selection.PasteSpecial</a:t>
-            </a:r>
-            <a:r>
-              <a:rPr lang="en-US" dirty="0">
-                <a:solidFill>
-                  <a:schemeClr val="tx1"/>
-                </a:solidFill>
-                <a:latin typeface="Consolas" pitchFamily="49" charset="0"/>
-                <a:ea typeface="Calibri"/>
-                <a:cs typeface="Courier New" pitchFamily="49" charset="0"/>
-              </a:rPr>
-              <a:t> </a:t>
-            </a:r>
-            <a:r>
-              <a:rPr lang="en-US" dirty="0">
-                <a:solidFill>
-                  <a:schemeClr val="tx1"/>
-                </a:solidFill>
-                <a:latin typeface="Consolas" pitchFamily="49" charset="0"/>
-                <a:ea typeface="Calibri"/>
-                <a:cs typeface="Times New Roman"/>
-              </a:rPr>
-              <a:t>Link:=</a:t>
-            </a:r>
-            <a:r>
-              <a:rPr lang="en-US" dirty="0">
-                <a:solidFill>
-                  <a:srgbClr val="0000FF"/>
-                </a:solidFill>
-                <a:latin typeface="Consolas" pitchFamily="49" charset="0"/>
-                <a:ea typeface="Calibri"/>
-                <a:cs typeface="Times New Roman"/>
-              </a:rPr>
-              <a:t>True</a:t>
-            </a:r>
-            <a:endParaRPr lang="en-US" dirty="0">
-              <a:solidFill>
-                <a:schemeClr val="tx1"/>
-              </a:solidFill>
-              <a:latin typeface="Consolas" pitchFamily="49" charset="0"/>
-              <a:ea typeface="Calibri"/>
-              <a:cs typeface="Times New Roman"/>
-            </a:endParaRPr>
-          </a:p>
-        </p:txBody>
-      </p:sp>
-      <p:sp>
-        <p:nvSpPr>
-          <p:cNvPr id="14" name="TextBox 13"/>
-          <p:cNvSpPr txBox="1"/>
-          <p:nvPr/>
-        </p:nvSpPr>
-        <p:spPr>
-          <a:xfrm>
-            <a:off x="990600" y="3200400"/>
-            <a:ext cx="7239000" cy="314325"/>
-          </a:xfrm>
-          <a:prstGeom prst="rect">
-            <a:avLst/>
-          </a:prstGeom>
-          <a:solidFill>
-            <a:srgbClr val="FFFF99"/>
-          </a:solidFill>
-          <a:ln>
-            <a:noFill/>
-          </a:ln>
-          <a:effectLst>
-            <a:outerShdw blurRad="50800" dist="38100" dir="5400000" algn="t" rotWithShape="0">
-              <a:prstClr val="black">
-                <a:alpha val="40000"/>
-              </a:prstClr>
-            </a:outerShdw>
-          </a:effectLst>
-        </p:spPr>
-        <p:style>
-          <a:lnRef idx="2">
-            <a:schemeClr val="dk1"/>
-          </a:lnRef>
-          <a:fillRef idx="1">
-            <a:schemeClr val="lt1"/>
-          </a:fillRef>
-          <a:effectRef idx="0">
-            <a:schemeClr val="dk1"/>
-          </a:effectRef>
-          <a:fontRef idx="minor">
-            <a:schemeClr val="dk1"/>
-          </a:fontRef>
-        </p:style>
-        <p:txBody>
-          <a:bodyPr>
-            <a:spAutoFit/>
-          </a:bodyPr>
-          <a:lstStyle/>
-          <a:p>
-            <a:pPr fontAlgn="auto">
-              <a:lnSpc>
-                <a:spcPct val="78000"/>
-              </a:lnSpc>
-              <a:spcBef>
-                <a:spcPts val="576"/>
-              </a:spcBef>
-              <a:spcAft>
-                <a:spcPts val="0"/>
-              </a:spcAft>
-              <a:defRPr/>
-            </a:pPr>
-            <a:r>
-              <a:rPr lang="en-US" dirty="0" err="1">
-                <a:solidFill>
-                  <a:schemeClr val="tx1"/>
-                </a:solidFill>
-                <a:latin typeface="Consolas" pitchFamily="49" charset="0"/>
-                <a:ea typeface="Calibri"/>
-                <a:cs typeface="Courier New" pitchFamily="49" charset="0"/>
-              </a:rPr>
-              <a:t>word.Selection.PasteSpecial</a:t>
-            </a:r>
-            <a:r>
-              <a:rPr lang="en-US" dirty="0">
-                <a:solidFill>
-                  <a:schemeClr val="tx1"/>
-                </a:solidFill>
-                <a:latin typeface="Consolas" pitchFamily="49" charset="0"/>
-                <a:ea typeface="Calibri"/>
-                <a:cs typeface="Courier New" pitchFamily="49" charset="0"/>
-              </a:rPr>
-              <a:t>(</a:t>
-            </a:r>
-            <a:r>
-              <a:rPr lang="en-US" dirty="0">
-                <a:solidFill>
-                  <a:schemeClr val="tx1"/>
-                </a:solidFill>
-                <a:latin typeface="Consolas" pitchFamily="49" charset="0"/>
-                <a:ea typeface="Calibri"/>
-                <a:cs typeface="Times New Roman"/>
-              </a:rPr>
-              <a:t>Link:=</a:t>
-            </a:r>
-            <a:r>
-              <a:rPr lang="en-US" dirty="0">
-                <a:solidFill>
-                  <a:srgbClr val="0000FF"/>
-                </a:solidFill>
-                <a:latin typeface="Consolas" pitchFamily="49" charset="0"/>
-                <a:ea typeface="Calibri"/>
-                <a:cs typeface="Times New Roman"/>
-              </a:rPr>
-              <a:t>True</a:t>
-            </a:r>
-            <a:r>
-              <a:rPr lang="en-US" dirty="0">
-                <a:solidFill>
-                  <a:schemeClr val="tx1"/>
-                </a:solidFill>
-                <a:latin typeface="Consolas" pitchFamily="49" charset="0"/>
-                <a:ea typeface="Calibri"/>
-                <a:cs typeface="Times New Roman"/>
-              </a:rPr>
-              <a:t>)</a:t>
             </a:r>
           </a:p>
         </p:txBody>
@@ -40817,6 +42754,832 @@
             </a:pPr>
             <a:r>
               <a:rPr dirty="0" smtClean="0"/>
+              <a:t>COM</a:t>
+            </a:r>
+            <a:r>
+              <a:rPr lang="en-US" dirty="0" smtClean="0"/>
+              <a:t> – VBA</a:t>
+            </a:r>
+            <a:endParaRPr lang="en-US" sz="3200" dirty="0">
+              <a:solidFill>
+                <a:schemeClr val="accent3"/>
+              </a:solidFill>
+            </a:endParaRPr>
+          </a:p>
+        </p:txBody>
+      </p:sp>
+      <p:sp>
+        <p:nvSpPr>
+          <p:cNvPr id="8" name="Content Placeholder 7"/>
+          <p:cNvSpPr>
+            <a:spLocks noGrp="1"/>
+          </p:cNvSpPr>
+          <p:nvPr>
+            <p:ph idx="1"/>
+          </p:nvPr>
+        </p:nvSpPr>
+        <p:spPr/>
+        <p:txBody>
+          <a:bodyPr/>
+          <a:lstStyle/>
+          <a:p>
+            <a:pPr eaLnBrk="1" hangingPunct="1">
+              <a:lnSpc>
+                <a:spcPct val="100000"/>
+              </a:lnSpc>
+              <a:spcBef>
+                <a:spcPts val="0"/>
+              </a:spcBef>
+            </a:pPr>
+            <a:r>
+              <a:rPr lang="en-US" dirty="0" smtClean="0"/>
+              <a:t>VBA:</a:t>
+            </a:r>
+          </a:p>
+          <a:p>
+            <a:pPr eaLnBrk="1" hangingPunct="1">
+              <a:lnSpc>
+                <a:spcPct val="100000"/>
+              </a:lnSpc>
+              <a:spcBef>
+                <a:spcPts val="0"/>
+              </a:spcBef>
+            </a:pPr>
+            <a:endParaRPr lang="en-US" dirty="0" smtClean="0"/>
+          </a:p>
+          <a:p>
+            <a:pPr eaLnBrk="1" hangingPunct="1">
+              <a:lnSpc>
+                <a:spcPct val="100000"/>
+              </a:lnSpc>
+              <a:spcBef>
+                <a:spcPts val="0"/>
+              </a:spcBef>
+            </a:pPr>
+            <a:r>
+              <a:rPr lang="en-US" dirty="0" smtClean="0"/>
+              <a:t>VB.NET:</a:t>
+            </a:r>
+          </a:p>
+          <a:p>
+            <a:pPr eaLnBrk="1" hangingPunct="1">
+              <a:lnSpc>
+                <a:spcPct val="100000"/>
+              </a:lnSpc>
+              <a:spcBef>
+                <a:spcPts val="0"/>
+              </a:spcBef>
+            </a:pPr>
+            <a:endParaRPr lang="en-US" dirty="0" smtClean="0"/>
+          </a:p>
+          <a:p>
+            <a:pPr eaLnBrk="1" hangingPunct="1">
+              <a:lnSpc>
+                <a:spcPct val="100000"/>
+              </a:lnSpc>
+              <a:spcBef>
+                <a:spcPts val="0"/>
+              </a:spcBef>
+            </a:pPr>
+            <a:r>
+              <a:rPr lang="en-US" dirty="0" smtClean="0"/>
+              <a:t>C# 3.0:</a:t>
+            </a:r>
+          </a:p>
+          <a:p>
+            <a:endParaRPr lang="en-US" dirty="0"/>
+          </a:p>
+        </p:txBody>
+      </p:sp>
+      <p:sp>
+        <p:nvSpPr>
+          <p:cNvPr id="6" name="TextBox 5"/>
+          <p:cNvSpPr txBox="1"/>
+          <p:nvPr/>
+        </p:nvSpPr>
+        <p:spPr>
+          <a:xfrm>
+            <a:off x="990600" y="4038600"/>
+            <a:ext cx="7239000" cy="1779588"/>
+          </a:xfrm>
+          <a:prstGeom prst="rect">
+            <a:avLst/>
+          </a:prstGeom>
+          <a:solidFill>
+            <a:srgbClr val="FFFF99"/>
+          </a:solidFill>
+          <a:ln>
+            <a:noFill/>
+          </a:ln>
+          <a:effectLst>
+            <a:outerShdw blurRad="50800" dist="38100" dir="5400000" algn="t" rotWithShape="0">
+              <a:prstClr val="black">
+                <a:alpha val="40000"/>
+              </a:prstClr>
+            </a:outerShdw>
+          </a:effectLst>
+        </p:spPr>
+        <p:style>
+          <a:lnRef idx="2">
+            <a:schemeClr val="dk1"/>
+          </a:lnRef>
+          <a:fillRef idx="1">
+            <a:schemeClr val="lt1"/>
+          </a:fillRef>
+          <a:effectRef idx="0">
+            <a:schemeClr val="dk1"/>
+          </a:effectRef>
+          <a:fontRef idx="minor">
+            <a:schemeClr val="dk1"/>
+          </a:fontRef>
+        </p:style>
+        <p:txBody>
+          <a:bodyPr>
+            <a:spAutoFit/>
+          </a:bodyPr>
+          <a:lstStyle/>
+          <a:p>
+            <a:pPr fontAlgn="auto">
+              <a:lnSpc>
+                <a:spcPct val="78000"/>
+              </a:lnSpc>
+              <a:spcBef>
+                <a:spcPts val="576"/>
+              </a:spcBef>
+              <a:spcAft>
+                <a:spcPts val="0"/>
+              </a:spcAft>
+              <a:defRPr/>
+            </a:pPr>
+            <a:r>
+              <a:rPr lang="en-US" dirty="0">
+                <a:solidFill>
+                  <a:srgbClr val="0000FF"/>
+                </a:solidFill>
+                <a:latin typeface="Consolas" pitchFamily="49" charset="0"/>
+                <a:ea typeface="Calibri"/>
+                <a:cs typeface="Times New Roman"/>
+              </a:rPr>
+              <a:t>object</a:t>
+            </a:r>
+            <a:r>
+              <a:rPr lang="en-US" dirty="0">
+                <a:solidFill>
+                  <a:srgbClr val="000000"/>
+                </a:solidFill>
+                <a:latin typeface="Consolas" pitchFamily="49" charset="0"/>
+                <a:ea typeface="Calibri"/>
+                <a:cs typeface="Courier New" pitchFamily="49" charset="0"/>
+              </a:rPr>
+              <a:t> missing = </a:t>
+            </a:r>
+            <a:r>
+              <a:rPr lang="en-US" dirty="0" err="1">
+                <a:solidFill>
+                  <a:srgbClr val="3898B2"/>
+                </a:solidFill>
+                <a:latin typeface="Consolas" pitchFamily="49" charset="0"/>
+                <a:ea typeface="Calibri"/>
+                <a:cs typeface="Times New Roman"/>
+              </a:rPr>
+              <a:t>Type</a:t>
+            </a:r>
+            <a:r>
+              <a:rPr lang="en-US" dirty="0" err="1">
+                <a:solidFill>
+                  <a:srgbClr val="000000"/>
+                </a:solidFill>
+                <a:latin typeface="Consolas" pitchFamily="49" charset="0"/>
+                <a:ea typeface="Calibri"/>
+                <a:cs typeface="Courier New" pitchFamily="49" charset="0"/>
+              </a:rPr>
+              <a:t>.Missing</a:t>
+            </a:r>
+            <a:r>
+              <a:rPr lang="en-US" dirty="0">
+                <a:solidFill>
+                  <a:srgbClr val="000000"/>
+                </a:solidFill>
+                <a:latin typeface="Consolas" pitchFamily="49" charset="0"/>
+                <a:ea typeface="Calibri"/>
+                <a:cs typeface="Courier New" pitchFamily="49" charset="0"/>
+              </a:rPr>
+              <a:t>;</a:t>
+            </a:r>
+            <a:endParaRPr lang="en-US" dirty="0">
+              <a:solidFill>
+                <a:srgbClr val="0000FF"/>
+              </a:solidFill>
+              <a:latin typeface="Consolas" pitchFamily="49" charset="0"/>
+              <a:ea typeface="Calibri"/>
+              <a:cs typeface="Times New Roman"/>
+            </a:endParaRPr>
+          </a:p>
+          <a:p>
+            <a:pPr fontAlgn="auto">
+              <a:lnSpc>
+                <a:spcPct val="78000"/>
+              </a:lnSpc>
+              <a:spcBef>
+                <a:spcPts val="576"/>
+              </a:spcBef>
+              <a:spcAft>
+                <a:spcPts val="0"/>
+              </a:spcAft>
+              <a:defRPr/>
+            </a:pPr>
+            <a:r>
+              <a:rPr lang="en-US" dirty="0">
+                <a:solidFill>
+                  <a:srgbClr val="0000FF"/>
+                </a:solidFill>
+                <a:latin typeface="Consolas" pitchFamily="49" charset="0"/>
+                <a:ea typeface="Calibri"/>
+                <a:cs typeface="Times New Roman"/>
+              </a:rPr>
+              <a:t>object</a:t>
+            </a:r>
+            <a:r>
+              <a:rPr lang="en-US" dirty="0">
+                <a:solidFill>
+                  <a:srgbClr val="000000"/>
+                </a:solidFill>
+                <a:latin typeface="Consolas" pitchFamily="49" charset="0"/>
+                <a:ea typeface="Calibri"/>
+                <a:cs typeface="Courier New" pitchFamily="49" charset="0"/>
+              </a:rPr>
+              <a:t> link = </a:t>
+            </a:r>
+            <a:r>
+              <a:rPr lang="en-US" dirty="0">
+                <a:solidFill>
+                  <a:srgbClr val="0000FF"/>
+                </a:solidFill>
+                <a:latin typeface="Consolas" pitchFamily="49" charset="0"/>
+                <a:ea typeface="Calibri"/>
+                <a:cs typeface="Times New Roman"/>
+              </a:rPr>
+              <a:t>true</a:t>
+            </a:r>
+            <a:r>
+              <a:rPr lang="en-US" dirty="0">
+                <a:solidFill>
+                  <a:srgbClr val="000000"/>
+                </a:solidFill>
+                <a:latin typeface="Consolas" pitchFamily="49" charset="0"/>
+                <a:ea typeface="Calibri"/>
+                <a:cs typeface="Courier New" pitchFamily="49" charset="0"/>
+              </a:rPr>
+              <a:t>;</a:t>
+            </a:r>
+          </a:p>
+          <a:p>
+            <a:pPr fontAlgn="auto">
+              <a:lnSpc>
+                <a:spcPct val="78000"/>
+              </a:lnSpc>
+              <a:spcBef>
+                <a:spcPts val="576"/>
+              </a:spcBef>
+              <a:spcAft>
+                <a:spcPts val="0"/>
+              </a:spcAft>
+              <a:defRPr/>
+            </a:pPr>
+            <a:r>
+              <a:rPr lang="en-US" dirty="0" err="1">
+                <a:solidFill>
+                  <a:srgbClr val="000000"/>
+                </a:solidFill>
+                <a:latin typeface="Consolas" pitchFamily="49" charset="0"/>
+                <a:ea typeface="Calibri"/>
+                <a:cs typeface="Courier New" pitchFamily="49" charset="0"/>
+              </a:rPr>
+              <a:t>word.Selection.PasteSpecial</a:t>
+            </a:r>
+            <a:r>
+              <a:rPr lang="en-US" dirty="0">
+                <a:solidFill>
+                  <a:srgbClr val="000000"/>
+                </a:solidFill>
+                <a:latin typeface="Consolas" pitchFamily="49" charset="0"/>
+                <a:ea typeface="Calibri"/>
+                <a:cs typeface="Courier New" pitchFamily="49" charset="0"/>
+              </a:rPr>
+              <a:t>(</a:t>
+            </a:r>
+          </a:p>
+          <a:p>
+            <a:pPr fontAlgn="auto">
+              <a:lnSpc>
+                <a:spcPct val="78000"/>
+              </a:lnSpc>
+              <a:spcBef>
+                <a:spcPts val="576"/>
+              </a:spcBef>
+              <a:spcAft>
+                <a:spcPts val="0"/>
+              </a:spcAft>
+              <a:defRPr/>
+            </a:pPr>
+            <a:r>
+              <a:rPr lang="en-US" dirty="0">
+                <a:solidFill>
+                  <a:srgbClr val="000000"/>
+                </a:solidFill>
+                <a:latin typeface="Consolas" pitchFamily="49" charset="0"/>
+                <a:ea typeface="Calibri"/>
+                <a:cs typeface="Courier New" pitchFamily="49" charset="0"/>
+              </a:rPr>
+              <a:t>    </a:t>
+            </a:r>
+            <a:r>
+              <a:rPr lang="en-US" dirty="0">
+                <a:solidFill>
+                  <a:srgbClr val="0000FF"/>
+                </a:solidFill>
+                <a:latin typeface="Consolas" pitchFamily="49" charset="0"/>
+                <a:ea typeface="Calibri"/>
+                <a:cs typeface="Times New Roman"/>
+              </a:rPr>
+              <a:t>ref</a:t>
+            </a:r>
+            <a:r>
+              <a:rPr lang="en-US" dirty="0">
+                <a:solidFill>
+                  <a:srgbClr val="000000"/>
+                </a:solidFill>
+                <a:latin typeface="Consolas" pitchFamily="49" charset="0"/>
+                <a:ea typeface="Calibri"/>
+                <a:cs typeface="Courier New" pitchFamily="49" charset="0"/>
+              </a:rPr>
+              <a:t> missing, </a:t>
+            </a:r>
+            <a:r>
+              <a:rPr lang="en-US" dirty="0">
+                <a:solidFill>
+                  <a:srgbClr val="0000FF"/>
+                </a:solidFill>
+                <a:latin typeface="Consolas" pitchFamily="49" charset="0"/>
+                <a:ea typeface="Calibri"/>
+                <a:cs typeface="Times New Roman"/>
+              </a:rPr>
+              <a:t>ref</a:t>
+            </a:r>
+            <a:r>
+              <a:rPr lang="en-US" dirty="0">
+                <a:solidFill>
+                  <a:srgbClr val="000000"/>
+                </a:solidFill>
+                <a:latin typeface="Consolas" pitchFamily="49" charset="0"/>
+                <a:ea typeface="Calibri"/>
+                <a:cs typeface="Courier New" pitchFamily="49" charset="0"/>
+              </a:rPr>
+              <a:t> link, </a:t>
+            </a:r>
+            <a:r>
+              <a:rPr lang="en-US" dirty="0">
+                <a:solidFill>
+                  <a:srgbClr val="0000FF"/>
+                </a:solidFill>
+                <a:latin typeface="Consolas" pitchFamily="49" charset="0"/>
+                <a:ea typeface="Calibri"/>
+                <a:cs typeface="Times New Roman"/>
+              </a:rPr>
+              <a:t>ref</a:t>
+            </a:r>
+            <a:r>
+              <a:rPr lang="en-US" dirty="0">
+                <a:solidFill>
+                  <a:srgbClr val="000000"/>
+                </a:solidFill>
+                <a:latin typeface="Consolas" pitchFamily="49" charset="0"/>
+                <a:ea typeface="Calibri"/>
+                <a:cs typeface="Courier New" pitchFamily="49" charset="0"/>
+              </a:rPr>
+              <a:t> missing,</a:t>
+            </a:r>
+          </a:p>
+          <a:p>
+            <a:pPr fontAlgn="auto">
+              <a:lnSpc>
+                <a:spcPct val="78000"/>
+              </a:lnSpc>
+              <a:spcBef>
+                <a:spcPts val="576"/>
+              </a:spcBef>
+              <a:spcAft>
+                <a:spcPts val="0"/>
+              </a:spcAft>
+              <a:defRPr/>
+            </a:pPr>
+            <a:r>
+              <a:rPr lang="en-US" dirty="0">
+                <a:solidFill>
+                  <a:srgbClr val="0000FF"/>
+                </a:solidFill>
+                <a:latin typeface="Consolas" pitchFamily="49" charset="0"/>
+                <a:ea typeface="Calibri"/>
+                <a:cs typeface="Times New Roman"/>
+              </a:rPr>
+              <a:t>    ref</a:t>
+            </a:r>
+            <a:r>
+              <a:rPr lang="en-US" dirty="0">
+                <a:solidFill>
+                  <a:srgbClr val="000000"/>
+                </a:solidFill>
+                <a:latin typeface="Consolas" pitchFamily="49" charset="0"/>
+                <a:ea typeface="Calibri"/>
+                <a:cs typeface="Courier New" pitchFamily="49" charset="0"/>
+              </a:rPr>
+              <a:t> missing, </a:t>
+            </a:r>
+            <a:r>
+              <a:rPr lang="en-US" dirty="0">
+                <a:solidFill>
+                  <a:srgbClr val="0000FF"/>
+                </a:solidFill>
+                <a:latin typeface="Consolas" pitchFamily="49" charset="0"/>
+                <a:ea typeface="Calibri"/>
+                <a:cs typeface="Times New Roman"/>
+              </a:rPr>
+              <a:t>ref</a:t>
+            </a:r>
+            <a:r>
+              <a:rPr lang="en-US" dirty="0">
+                <a:solidFill>
+                  <a:srgbClr val="000000"/>
+                </a:solidFill>
+                <a:latin typeface="Consolas" pitchFamily="49" charset="0"/>
+                <a:ea typeface="Calibri"/>
+                <a:cs typeface="Courier New" pitchFamily="49" charset="0"/>
+              </a:rPr>
+              <a:t> missing, </a:t>
+            </a:r>
+            <a:r>
+              <a:rPr lang="en-US" dirty="0">
+                <a:solidFill>
+                  <a:srgbClr val="0000FF"/>
+                </a:solidFill>
+                <a:latin typeface="Consolas" pitchFamily="49" charset="0"/>
+                <a:ea typeface="Calibri"/>
+                <a:cs typeface="Times New Roman"/>
+              </a:rPr>
+              <a:t>ref</a:t>
+            </a:r>
+            <a:r>
+              <a:rPr lang="en-US" dirty="0">
+                <a:solidFill>
+                  <a:srgbClr val="000000"/>
+                </a:solidFill>
+                <a:latin typeface="Consolas" pitchFamily="49" charset="0"/>
+                <a:ea typeface="Calibri"/>
+                <a:cs typeface="Courier New" pitchFamily="49" charset="0"/>
+              </a:rPr>
+              <a:t> missing,</a:t>
+            </a:r>
+          </a:p>
+          <a:p>
+            <a:pPr fontAlgn="auto">
+              <a:lnSpc>
+                <a:spcPct val="78000"/>
+              </a:lnSpc>
+              <a:spcBef>
+                <a:spcPts val="576"/>
+              </a:spcBef>
+              <a:spcAft>
+                <a:spcPts val="0"/>
+              </a:spcAft>
+              <a:defRPr/>
+            </a:pPr>
+            <a:r>
+              <a:rPr lang="en-US" dirty="0">
+                <a:solidFill>
+                  <a:srgbClr val="000000"/>
+                </a:solidFill>
+                <a:latin typeface="Consolas" pitchFamily="49" charset="0"/>
+                <a:ea typeface="Calibri"/>
+                <a:cs typeface="Courier New" pitchFamily="49" charset="0"/>
+              </a:rPr>
+              <a:t>    </a:t>
+            </a:r>
+            <a:r>
+              <a:rPr lang="en-US" dirty="0">
+                <a:solidFill>
+                  <a:srgbClr val="0000FF"/>
+                </a:solidFill>
+                <a:latin typeface="Consolas" pitchFamily="49" charset="0"/>
+                <a:ea typeface="Calibri"/>
+                <a:cs typeface="Times New Roman"/>
+              </a:rPr>
+              <a:t>ref</a:t>
+            </a:r>
+            <a:r>
+              <a:rPr lang="en-US" dirty="0">
+                <a:solidFill>
+                  <a:srgbClr val="000000"/>
+                </a:solidFill>
+                <a:latin typeface="Consolas" pitchFamily="49" charset="0"/>
+                <a:ea typeface="Calibri"/>
+                <a:cs typeface="Courier New" pitchFamily="49" charset="0"/>
+              </a:rPr>
+              <a:t> missing);</a:t>
+            </a:r>
+          </a:p>
+        </p:txBody>
+      </p:sp>
+      <p:sp>
+        <p:nvSpPr>
+          <p:cNvPr id="10" name="TextBox 9"/>
+          <p:cNvSpPr txBox="1"/>
+          <p:nvPr/>
+        </p:nvSpPr>
+        <p:spPr>
+          <a:xfrm>
+            <a:off x="990600" y="2404872"/>
+            <a:ext cx="7239000" cy="314325"/>
+          </a:xfrm>
+          <a:prstGeom prst="rect">
+            <a:avLst/>
+          </a:prstGeom>
+          <a:solidFill>
+            <a:srgbClr val="FFFF99"/>
+          </a:solidFill>
+          <a:ln>
+            <a:noFill/>
+          </a:ln>
+          <a:effectLst>
+            <a:outerShdw blurRad="50800" dist="38100" dir="5400000" algn="t" rotWithShape="0">
+              <a:prstClr val="black">
+                <a:alpha val="40000"/>
+              </a:prstClr>
+            </a:outerShdw>
+          </a:effectLst>
+        </p:spPr>
+        <p:style>
+          <a:lnRef idx="2">
+            <a:schemeClr val="dk1"/>
+          </a:lnRef>
+          <a:fillRef idx="1">
+            <a:schemeClr val="lt1"/>
+          </a:fillRef>
+          <a:effectRef idx="0">
+            <a:schemeClr val="dk1"/>
+          </a:effectRef>
+          <a:fontRef idx="minor">
+            <a:schemeClr val="dk1"/>
+          </a:fontRef>
+        </p:style>
+        <p:txBody>
+          <a:bodyPr>
+            <a:spAutoFit/>
+          </a:bodyPr>
+          <a:lstStyle/>
+          <a:p>
+            <a:pPr fontAlgn="auto">
+              <a:lnSpc>
+                <a:spcPct val="78000"/>
+              </a:lnSpc>
+              <a:spcBef>
+                <a:spcPts val="576"/>
+              </a:spcBef>
+              <a:spcAft>
+                <a:spcPts val="0"/>
+              </a:spcAft>
+              <a:defRPr/>
+            </a:pPr>
+            <a:r>
+              <a:rPr lang="en-US" dirty="0" err="1">
+                <a:solidFill>
+                  <a:schemeClr val="tx1"/>
+                </a:solidFill>
+                <a:latin typeface="Consolas" pitchFamily="49" charset="0"/>
+                <a:ea typeface="Calibri"/>
+                <a:cs typeface="Courier New" pitchFamily="49" charset="0"/>
+              </a:rPr>
+              <a:t>Selection.PasteSpecial</a:t>
+            </a:r>
+            <a:r>
+              <a:rPr lang="en-US" dirty="0">
+                <a:solidFill>
+                  <a:schemeClr val="tx1"/>
+                </a:solidFill>
+                <a:latin typeface="Consolas" pitchFamily="49" charset="0"/>
+                <a:ea typeface="Calibri"/>
+                <a:cs typeface="Courier New" pitchFamily="49" charset="0"/>
+              </a:rPr>
+              <a:t> </a:t>
+            </a:r>
+            <a:r>
+              <a:rPr lang="en-US" dirty="0">
+                <a:solidFill>
+                  <a:schemeClr val="tx1"/>
+                </a:solidFill>
+                <a:latin typeface="Consolas" pitchFamily="49" charset="0"/>
+                <a:ea typeface="Calibri"/>
+                <a:cs typeface="Times New Roman"/>
+              </a:rPr>
+              <a:t>Link:=</a:t>
+            </a:r>
+            <a:r>
+              <a:rPr lang="en-US" dirty="0">
+                <a:solidFill>
+                  <a:srgbClr val="0000FF"/>
+                </a:solidFill>
+                <a:latin typeface="Consolas" pitchFamily="49" charset="0"/>
+                <a:ea typeface="Calibri"/>
+                <a:cs typeface="Times New Roman"/>
+              </a:rPr>
+              <a:t>True</a:t>
+            </a:r>
+            <a:endParaRPr lang="en-US" dirty="0">
+              <a:solidFill>
+                <a:schemeClr val="tx1"/>
+              </a:solidFill>
+              <a:latin typeface="Consolas" pitchFamily="49" charset="0"/>
+              <a:ea typeface="Calibri"/>
+              <a:cs typeface="Times New Roman"/>
+            </a:endParaRPr>
+          </a:p>
+        </p:txBody>
+      </p:sp>
+      <p:sp>
+        <p:nvSpPr>
+          <p:cNvPr id="14" name="TextBox 13"/>
+          <p:cNvSpPr txBox="1"/>
+          <p:nvPr/>
+        </p:nvSpPr>
+        <p:spPr>
+          <a:xfrm>
+            <a:off x="990600" y="3200400"/>
+            <a:ext cx="7239000" cy="314325"/>
+          </a:xfrm>
+          <a:prstGeom prst="rect">
+            <a:avLst/>
+          </a:prstGeom>
+          <a:solidFill>
+            <a:srgbClr val="FFFF99"/>
+          </a:solidFill>
+          <a:ln>
+            <a:noFill/>
+          </a:ln>
+          <a:effectLst>
+            <a:outerShdw blurRad="50800" dist="38100" dir="5400000" algn="t" rotWithShape="0">
+              <a:prstClr val="black">
+                <a:alpha val="40000"/>
+              </a:prstClr>
+            </a:outerShdw>
+          </a:effectLst>
+        </p:spPr>
+        <p:style>
+          <a:lnRef idx="2">
+            <a:schemeClr val="dk1"/>
+          </a:lnRef>
+          <a:fillRef idx="1">
+            <a:schemeClr val="lt1"/>
+          </a:fillRef>
+          <a:effectRef idx="0">
+            <a:schemeClr val="dk1"/>
+          </a:effectRef>
+          <a:fontRef idx="minor">
+            <a:schemeClr val="dk1"/>
+          </a:fontRef>
+        </p:style>
+        <p:txBody>
+          <a:bodyPr>
+            <a:spAutoFit/>
+          </a:bodyPr>
+          <a:lstStyle/>
+          <a:p>
+            <a:pPr fontAlgn="auto">
+              <a:lnSpc>
+                <a:spcPct val="78000"/>
+              </a:lnSpc>
+              <a:spcBef>
+                <a:spcPts val="576"/>
+              </a:spcBef>
+              <a:spcAft>
+                <a:spcPts val="0"/>
+              </a:spcAft>
+              <a:defRPr/>
+            </a:pPr>
+            <a:r>
+              <a:rPr lang="en-US" dirty="0" err="1">
+                <a:solidFill>
+                  <a:schemeClr val="tx1"/>
+                </a:solidFill>
+                <a:latin typeface="Consolas" pitchFamily="49" charset="0"/>
+                <a:ea typeface="Calibri"/>
+                <a:cs typeface="Courier New" pitchFamily="49" charset="0"/>
+              </a:rPr>
+              <a:t>word.Selection.PasteSpecial</a:t>
+            </a:r>
+            <a:r>
+              <a:rPr lang="en-US" dirty="0">
+                <a:solidFill>
+                  <a:schemeClr val="tx1"/>
+                </a:solidFill>
+                <a:latin typeface="Consolas" pitchFamily="49" charset="0"/>
+                <a:ea typeface="Calibri"/>
+                <a:cs typeface="Courier New" pitchFamily="49" charset="0"/>
+              </a:rPr>
+              <a:t>(</a:t>
+            </a:r>
+            <a:r>
+              <a:rPr lang="en-US" dirty="0">
+                <a:solidFill>
+                  <a:schemeClr val="tx1"/>
+                </a:solidFill>
+                <a:latin typeface="Consolas" pitchFamily="49" charset="0"/>
+                <a:ea typeface="Calibri"/>
+                <a:cs typeface="Times New Roman"/>
+              </a:rPr>
+              <a:t>Link:=</a:t>
+            </a:r>
+            <a:r>
+              <a:rPr lang="en-US" dirty="0">
+                <a:solidFill>
+                  <a:srgbClr val="0000FF"/>
+                </a:solidFill>
+                <a:latin typeface="Consolas" pitchFamily="49" charset="0"/>
+                <a:ea typeface="Calibri"/>
+                <a:cs typeface="Times New Roman"/>
+              </a:rPr>
+              <a:t>True</a:t>
+            </a:r>
+            <a:r>
+              <a:rPr lang="en-US" dirty="0">
+                <a:solidFill>
+                  <a:schemeClr val="tx1"/>
+                </a:solidFill>
+                <a:latin typeface="Consolas" pitchFamily="49" charset="0"/>
+                <a:ea typeface="Calibri"/>
+                <a:cs typeface="Times New Roman"/>
+              </a:rPr>
+              <a:t>)</a:t>
+            </a:r>
+          </a:p>
+        </p:txBody>
+      </p:sp>
+    </p:spTree>
+  </p:cSld>
+  <p:clrMapOvr>
+    <a:masterClrMapping/>
+  </p:clrMapOvr>
+  <p:transition>
+    <p:fade/>
+  </p:transition>
+  <p:timing>
+    <p:tnLst>
+      <p:par>
+        <p:cTn id="1" dur="indefinite" restart="never" nodeType="tmRoot"/>
+      </p:par>
+    </p:tnLst>
+  </p:timing>
+</p:sld>
+</file>
+
+<file path=ppt/slides/slide9.xml><?xml version="1.0" encoding="utf-8"?>
+<p:sld xmlns:a="http://schemas.openxmlformats.org/drawingml/2006/main" xmlns:r="http://schemas.openxmlformats.org/officeDocument/2006/relationships" xmlns:p="http://schemas.openxmlformats.org/presentationml/2006/main">
+  <p:cSld>
+    <p:spTree>
+      <p:nvGrpSpPr>
+        <p:cNvPr id="1" name=""/>
+        <p:cNvGrpSpPr/>
+        <p:nvPr/>
+      </p:nvGrpSpPr>
+      <p:grpSpPr>
+        <a:xfrm>
+          <a:off x="0" y="0"/>
+          <a:ext cx="0" cy="0"/>
+          <a:chOff x="0" y="0"/>
+          <a:chExt cx="0" cy="0"/>
+        </a:xfrm>
+      </p:grpSpPr>
+      <p:sp>
+        <p:nvSpPr>
+          <p:cNvPr id="3" name="Title 2"/>
+          <p:cNvSpPr>
+            <a:spLocks noGrp="1"/>
+          </p:cNvSpPr>
+          <p:nvPr>
+            <p:ph type="title"/>
+          </p:nvPr>
+        </p:nvSpPr>
+        <p:spPr/>
+        <p:txBody>
+          <a:bodyPr/>
+          <a:lstStyle/>
+          <a:p>
+            <a:pPr eaLnBrk="1" fontAlgn="auto" hangingPunct="1">
+              <a:spcAft>
+                <a:spcPts val="0"/>
+              </a:spcAft>
+              <a:defRPr/>
+            </a:pPr>
+            <a:r>
+              <a:rPr dirty="0" smtClean="0"/>
               <a:t>Python Libraries</a:t>
             </a:r>
             <a:endParaRPr lang="en-US" sz="3200" dirty="0">
@@ -41524,1881 +44287,6 @@
     <p:tnLst>
       <p:par>
         <p:cTn id="1" dur="indefinite" restart="never" nodeType="tmRoot"/>
-      </p:par>
-    </p:tnLst>
-  </p:timing>
-</p:sld>
-</file>
-
-<file path=ppt/slides/slide9.xml><?xml version="1.0" encoding="utf-8"?>
-<p:sld xmlns:a="http://schemas.openxmlformats.org/drawingml/2006/main" xmlns:r="http://schemas.openxmlformats.org/officeDocument/2006/relationships" xmlns:p="http://schemas.openxmlformats.org/presentationml/2006/main">
-  <p:cSld>
-    <p:spTree>
-      <p:nvGrpSpPr>
-        <p:cNvPr id="1" name=""/>
-        <p:cNvGrpSpPr/>
-        <p:nvPr/>
-      </p:nvGrpSpPr>
-      <p:grpSpPr>
-        <a:xfrm>
-          <a:off x="0" y="0"/>
-          <a:ext cx="0" cy="0"/>
-          <a:chOff x="0" y="0"/>
-          <a:chExt cx="0" cy="0"/>
-        </a:xfrm>
-      </p:grpSpPr>
-      <p:sp>
-        <p:nvSpPr>
-          <p:cNvPr id="26" name="AutoShape 3"/>
-          <p:cNvSpPr>
-            <a:spLocks noChangeArrowheads="1"/>
-          </p:cNvSpPr>
-          <p:nvPr/>
-        </p:nvSpPr>
-        <p:spPr bwMode="auto">
-          <a:xfrm>
-            <a:off x="1391840" y="1905000"/>
-            <a:ext cx="7294960" cy="4000528"/>
-          </a:xfrm>
-          <a:prstGeom prst="roundRect">
-            <a:avLst>
-              <a:gd name="adj" fmla="val 9375"/>
-            </a:avLst>
-          </a:prstGeom>
-          <a:ln>
-            <a:headEnd type="none" w="sm" len="sm"/>
-            <a:tailEnd type="none" w="sm" len="sm"/>
-          </a:ln>
-        </p:spPr>
-        <p:style>
-          <a:lnRef idx="1">
-            <a:schemeClr val="accent2"/>
-          </a:lnRef>
-          <a:fillRef idx="3">
-            <a:schemeClr val="accent2"/>
-          </a:fillRef>
-          <a:effectRef idx="2">
-            <a:schemeClr val="accent2"/>
-          </a:effectRef>
-          <a:fontRef idx="minor">
-            <a:schemeClr val="lt1"/>
-          </a:fontRef>
-        </p:style>
-        <p:txBody>
-          <a:bodyPr wrap="none" lIns="91428" tIns="45715" rIns="91428" bIns="45715"/>
-          <a:lstStyle/>
-          <a:p>
-            <a:pPr algn="r" fontAlgn="auto">
-              <a:spcBef>
-                <a:spcPts val="0"/>
-              </a:spcBef>
-              <a:spcAft>
-                <a:spcPts val="0"/>
-              </a:spcAft>
-              <a:defRPr/>
-            </a:pPr>
-            <a:r>
-              <a:rPr lang="en-US" sz="3200" dirty="0"/>
-              <a:t>.NET 4.0</a:t>
-            </a:r>
-          </a:p>
-        </p:txBody>
-      </p:sp>
-      <p:sp>
-        <p:nvSpPr>
-          <p:cNvPr id="23" name="AutoShape 3"/>
-          <p:cNvSpPr>
-            <a:spLocks noChangeArrowheads="1"/>
-          </p:cNvSpPr>
-          <p:nvPr/>
-        </p:nvSpPr>
-        <p:spPr bwMode="auto">
-          <a:xfrm>
-            <a:off x="1391840" y="2971800"/>
-            <a:ext cx="7294960" cy="3581400"/>
-          </a:xfrm>
-          <a:prstGeom prst="roundRect">
-            <a:avLst>
-              <a:gd name="adj" fmla="val 9375"/>
-            </a:avLst>
-          </a:prstGeom>
-          <a:ln>
-            <a:headEnd type="none" w="sm" len="sm"/>
-            <a:tailEnd type="none" w="sm" len="sm"/>
-          </a:ln>
-        </p:spPr>
-        <p:style>
-          <a:lnRef idx="1">
-            <a:schemeClr val="accent2"/>
-          </a:lnRef>
-          <a:fillRef idx="3">
-            <a:schemeClr val="accent2"/>
-          </a:fillRef>
-          <a:effectRef idx="2">
-            <a:schemeClr val="accent2"/>
-          </a:effectRef>
-          <a:fontRef idx="minor">
-            <a:schemeClr val="lt1"/>
-          </a:fontRef>
-        </p:style>
-        <p:txBody>
-          <a:bodyPr wrap="none" lIns="91428" tIns="45715" rIns="91428" bIns="45715"/>
-          <a:lstStyle/>
-          <a:p>
-            <a:pPr algn="r" fontAlgn="auto">
-              <a:spcBef>
-                <a:spcPts val="0"/>
-              </a:spcBef>
-              <a:spcAft>
-                <a:spcPts val="0"/>
-              </a:spcAft>
-              <a:defRPr/>
-            </a:pPr>
-            <a:r>
-              <a:rPr lang="en-US" sz="3200" dirty="0"/>
-              <a:t>.NET 3.5</a:t>
-            </a:r>
-          </a:p>
-        </p:txBody>
-      </p:sp>
-      <p:sp>
-        <p:nvSpPr>
-          <p:cNvPr id="30" name="Rounded Rectangle 29"/>
-          <p:cNvSpPr/>
-          <p:nvPr/>
-        </p:nvSpPr>
-        <p:spPr>
-          <a:xfrm>
-            <a:off x="457200" y="3048000"/>
-            <a:ext cx="4648200" cy="838200"/>
-          </a:xfrm>
-          <a:prstGeom prst="roundRect">
-            <a:avLst/>
-          </a:prstGeom>
-          <a:ln/>
-        </p:spPr>
-        <p:style>
-          <a:lnRef idx="1">
-            <a:schemeClr val="accent6"/>
-          </a:lnRef>
-          <a:fillRef idx="3">
-            <a:schemeClr val="accent6"/>
-          </a:fillRef>
-          <a:effectRef idx="2">
-            <a:schemeClr val="accent6"/>
-          </a:effectRef>
-          <a:fontRef idx="minor">
-            <a:schemeClr val="lt1"/>
-          </a:fontRef>
-        </p:style>
-        <p:txBody>
-          <a:bodyPr anchor="ctr"/>
-          <a:lstStyle/>
-          <a:p>
-            <a:pPr fontAlgn="auto">
-              <a:spcBef>
-                <a:spcPts val="0"/>
-              </a:spcBef>
-              <a:spcAft>
-                <a:spcPts val="0"/>
-              </a:spcAft>
-              <a:defRPr/>
-            </a:pPr>
-            <a:r>
-              <a:rPr lang="en-US" sz="3200" dirty="0">
-                <a:solidFill>
-                  <a:schemeClr val="tx1"/>
-                </a:solidFill>
-              </a:rPr>
-              <a:t>LINQ</a:t>
-            </a:r>
-          </a:p>
-        </p:txBody>
-      </p:sp>
-      <p:sp>
-        <p:nvSpPr>
-          <p:cNvPr id="14" name="AutoShape 3"/>
-          <p:cNvSpPr>
-            <a:spLocks noChangeArrowheads="1"/>
-          </p:cNvSpPr>
-          <p:nvPr/>
-        </p:nvSpPr>
-        <p:spPr bwMode="auto">
-          <a:xfrm>
-            <a:off x="1391840" y="3962400"/>
-            <a:ext cx="7294960" cy="2590800"/>
-          </a:xfrm>
-          <a:prstGeom prst="roundRect">
-            <a:avLst>
-              <a:gd name="adj" fmla="val 12816"/>
-            </a:avLst>
-          </a:prstGeom>
-          <a:ln>
-            <a:headEnd type="none" w="sm" len="sm"/>
-            <a:tailEnd type="none" w="sm" len="sm"/>
-          </a:ln>
-        </p:spPr>
-        <p:style>
-          <a:lnRef idx="1">
-            <a:schemeClr val="accent2"/>
-          </a:lnRef>
-          <a:fillRef idx="3">
-            <a:schemeClr val="accent2"/>
-          </a:fillRef>
-          <a:effectRef idx="2">
-            <a:schemeClr val="accent2"/>
-          </a:effectRef>
-          <a:fontRef idx="minor">
-            <a:schemeClr val="lt1"/>
-          </a:fontRef>
-        </p:style>
-        <p:txBody>
-          <a:bodyPr wrap="none" lIns="91428" tIns="45715" rIns="91428" bIns="45715"/>
-          <a:lstStyle/>
-          <a:p>
-            <a:pPr algn="r" fontAlgn="auto">
-              <a:spcBef>
-                <a:spcPts val="0"/>
-              </a:spcBef>
-              <a:spcAft>
-                <a:spcPts val="0"/>
-              </a:spcAft>
-              <a:defRPr/>
-            </a:pPr>
-            <a:r>
-              <a:rPr lang="en-US" sz="3200" dirty="0"/>
-              <a:t>.NET 2.0</a:t>
-            </a:r>
-          </a:p>
-        </p:txBody>
-      </p:sp>
-      <p:sp>
-        <p:nvSpPr>
-          <p:cNvPr id="40973" name="Title 1"/>
-          <p:cNvSpPr>
-            <a:spLocks noGrp="1"/>
-          </p:cNvSpPr>
-          <p:nvPr>
-            <p:ph type="title"/>
-          </p:nvPr>
-        </p:nvSpPr>
-        <p:spPr/>
-        <p:txBody>
-          <a:bodyPr/>
-          <a:lstStyle/>
-          <a:p>
-            <a:pPr eaLnBrk="1" hangingPunct="1"/>
-            <a:r>
-              <a:rPr lang="en-US" smtClean="0"/>
-              <a:t>Common Language Runtime</a:t>
-            </a:r>
-          </a:p>
-        </p:txBody>
-      </p:sp>
-      <p:sp>
-        <p:nvSpPr>
-          <p:cNvPr id="3" name="AutoShape 3"/>
-          <p:cNvSpPr>
-            <a:spLocks noChangeArrowheads="1"/>
-          </p:cNvSpPr>
-          <p:nvPr/>
-        </p:nvSpPr>
-        <p:spPr bwMode="auto">
-          <a:xfrm>
-            <a:off x="1391841" y="4876800"/>
-            <a:ext cx="7294959" cy="1676400"/>
-          </a:xfrm>
-          <a:prstGeom prst="roundRect">
-            <a:avLst>
-              <a:gd name="adj" fmla="val 18714"/>
-            </a:avLst>
-          </a:prstGeom>
-          <a:ln>
-            <a:headEnd type="none" w="sm" len="sm"/>
-            <a:tailEnd type="none" w="sm" len="sm"/>
-          </a:ln>
-        </p:spPr>
-        <p:style>
-          <a:lnRef idx="1">
-            <a:schemeClr val="accent2"/>
-          </a:lnRef>
-          <a:fillRef idx="3">
-            <a:schemeClr val="accent2"/>
-          </a:fillRef>
-          <a:effectRef idx="2">
-            <a:schemeClr val="accent2"/>
-          </a:effectRef>
-          <a:fontRef idx="minor">
-            <a:schemeClr val="lt1"/>
-          </a:fontRef>
-        </p:style>
-        <p:txBody>
-          <a:bodyPr wrap="none" lIns="91428" tIns="45715" rIns="91428" bIns="45715" anchor="ctr"/>
-          <a:lstStyle/>
-          <a:p>
-            <a:pPr algn="r" fontAlgn="auto">
-              <a:spcBef>
-                <a:spcPts val="0"/>
-              </a:spcBef>
-              <a:spcAft>
-                <a:spcPts val="0"/>
-              </a:spcAft>
-              <a:defRPr/>
-            </a:pPr>
-            <a:r>
-              <a:rPr lang="en-US" sz="3200" dirty="0"/>
-              <a:t>.NET 1.0</a:t>
-            </a:r>
-          </a:p>
-        </p:txBody>
-      </p:sp>
-      <p:sp>
-        <p:nvSpPr>
-          <p:cNvPr id="4" name="AutoShape 4"/>
-          <p:cNvSpPr>
-            <a:spLocks noChangeArrowheads="1"/>
-          </p:cNvSpPr>
-          <p:nvPr/>
-        </p:nvSpPr>
-        <p:spPr bwMode="auto">
-          <a:xfrm>
-            <a:off x="3429000" y="4953000"/>
-            <a:ext cx="1600200" cy="685800"/>
-          </a:xfrm>
-          <a:prstGeom prst="roundRect">
-            <a:avLst>
-              <a:gd name="adj" fmla="val 16667"/>
-            </a:avLst>
-          </a:prstGeom>
-          <a:ln>
-            <a:headEnd type="none" w="med" len="med"/>
-            <a:tailEnd type="none" w="med" len="med"/>
-          </a:ln>
-        </p:spPr>
-        <p:style>
-          <a:lnRef idx="1">
-            <a:schemeClr val="accent4"/>
-          </a:lnRef>
-          <a:fillRef idx="3">
-            <a:schemeClr val="accent4"/>
-          </a:fillRef>
-          <a:effectRef idx="2">
-            <a:schemeClr val="accent4"/>
-          </a:effectRef>
-          <a:fontRef idx="minor">
-            <a:schemeClr val="lt1"/>
-          </a:fontRef>
-        </p:style>
-        <p:txBody>
-          <a:bodyPr lIns="109720" tIns="54859" rIns="109720" bIns="54859" anchor="ctr"/>
-          <a:lstStyle/>
-          <a:p>
-            <a:pPr algn="ctr" defTabSz="1096875" eaLnBrk="0" fontAlgn="auto" hangingPunct="0">
-              <a:spcBef>
-                <a:spcPts val="0"/>
-              </a:spcBef>
-              <a:spcAft>
-                <a:spcPts val="0"/>
-              </a:spcAft>
-              <a:defRPr/>
-            </a:pPr>
-            <a:r>
-              <a:rPr lang="en-US" sz="2000" dirty="0"/>
-              <a:t>GC</a:t>
-            </a:r>
-          </a:p>
-        </p:txBody>
-      </p:sp>
-      <p:sp>
-        <p:nvSpPr>
-          <p:cNvPr id="9" name="AutoShape 4"/>
-          <p:cNvSpPr>
-            <a:spLocks noChangeArrowheads="1"/>
-          </p:cNvSpPr>
-          <p:nvPr/>
-        </p:nvSpPr>
-        <p:spPr bwMode="auto">
-          <a:xfrm>
-            <a:off x="1676400" y="5715000"/>
-            <a:ext cx="1600200" cy="685800"/>
-          </a:xfrm>
-          <a:prstGeom prst="roundRect">
-            <a:avLst>
-              <a:gd name="adj" fmla="val 16667"/>
-            </a:avLst>
-          </a:prstGeom>
-          <a:ln>
-            <a:headEnd type="none" w="med" len="med"/>
-            <a:tailEnd type="none" w="med" len="med"/>
-          </a:ln>
-        </p:spPr>
-        <p:style>
-          <a:lnRef idx="1">
-            <a:schemeClr val="accent4"/>
-          </a:lnRef>
-          <a:fillRef idx="3">
-            <a:schemeClr val="accent4"/>
-          </a:fillRef>
-          <a:effectRef idx="2">
-            <a:schemeClr val="accent4"/>
-          </a:effectRef>
-          <a:fontRef idx="minor">
-            <a:schemeClr val="lt1"/>
-          </a:fontRef>
-        </p:style>
-        <p:txBody>
-          <a:bodyPr lIns="109720" tIns="54859" rIns="109720" bIns="54859" anchor="ctr"/>
-          <a:lstStyle/>
-          <a:p>
-            <a:pPr algn="ctr" defTabSz="1096875" eaLnBrk="0" fontAlgn="auto" hangingPunct="0">
-              <a:spcBef>
-                <a:spcPts val="0"/>
-              </a:spcBef>
-              <a:spcAft>
-                <a:spcPts val="0"/>
-              </a:spcAft>
-              <a:defRPr/>
-            </a:pPr>
-            <a:r>
-              <a:rPr lang="en-US" sz="2000" dirty="0"/>
-              <a:t>BCL</a:t>
-            </a:r>
-          </a:p>
-        </p:txBody>
-      </p:sp>
-      <p:sp>
-        <p:nvSpPr>
-          <p:cNvPr id="10" name="AutoShape 4"/>
-          <p:cNvSpPr>
-            <a:spLocks noChangeArrowheads="1"/>
-          </p:cNvSpPr>
-          <p:nvPr/>
-        </p:nvSpPr>
-        <p:spPr bwMode="auto">
-          <a:xfrm>
-            <a:off x="5181600" y="4953000"/>
-            <a:ext cx="1600200" cy="685800"/>
-          </a:xfrm>
-          <a:prstGeom prst="roundRect">
-            <a:avLst>
-              <a:gd name="adj" fmla="val 16667"/>
-            </a:avLst>
-          </a:prstGeom>
-          <a:ln>
-            <a:headEnd type="none" w="med" len="med"/>
-            <a:tailEnd type="none" w="med" len="med"/>
-          </a:ln>
-        </p:spPr>
-        <p:style>
-          <a:lnRef idx="1">
-            <a:schemeClr val="accent4"/>
-          </a:lnRef>
-          <a:fillRef idx="3">
-            <a:schemeClr val="accent4"/>
-          </a:fillRef>
-          <a:effectRef idx="2">
-            <a:schemeClr val="accent4"/>
-          </a:effectRef>
-          <a:fontRef idx="minor">
-            <a:schemeClr val="lt1"/>
-          </a:fontRef>
-        </p:style>
-        <p:txBody>
-          <a:bodyPr lIns="109720" tIns="54859" rIns="109720" bIns="54859" anchor="ctr"/>
-          <a:lstStyle/>
-          <a:p>
-            <a:pPr algn="ctr" defTabSz="1096875" eaLnBrk="0" fontAlgn="auto" hangingPunct="0">
-              <a:spcBef>
-                <a:spcPts val="0"/>
-              </a:spcBef>
-              <a:spcAft>
-                <a:spcPts val="0"/>
-              </a:spcAft>
-              <a:defRPr/>
-            </a:pPr>
-            <a:r>
-              <a:rPr lang="en-US" sz="2000" dirty="0"/>
-              <a:t>Reflection</a:t>
-            </a:r>
-          </a:p>
-        </p:txBody>
-      </p:sp>
-      <p:sp>
-        <p:nvSpPr>
-          <p:cNvPr id="11" name="AutoShape 4"/>
-          <p:cNvSpPr>
-            <a:spLocks noChangeArrowheads="1"/>
-          </p:cNvSpPr>
-          <p:nvPr/>
-        </p:nvSpPr>
-        <p:spPr bwMode="auto">
-          <a:xfrm>
-            <a:off x="1676400" y="4953000"/>
-            <a:ext cx="1600200" cy="685800"/>
-          </a:xfrm>
-          <a:prstGeom prst="roundRect">
-            <a:avLst>
-              <a:gd name="adj" fmla="val 16667"/>
-            </a:avLst>
-          </a:prstGeom>
-          <a:ln>
-            <a:headEnd type="none" w="med" len="med"/>
-            <a:tailEnd type="none" w="med" len="med"/>
-          </a:ln>
-        </p:spPr>
-        <p:style>
-          <a:lnRef idx="1">
-            <a:schemeClr val="accent4"/>
-          </a:lnRef>
-          <a:fillRef idx="3">
-            <a:schemeClr val="accent4"/>
-          </a:fillRef>
-          <a:effectRef idx="2">
-            <a:schemeClr val="accent4"/>
-          </a:effectRef>
-          <a:fontRef idx="minor">
-            <a:schemeClr val="lt1"/>
-          </a:fontRef>
-        </p:style>
-        <p:txBody>
-          <a:bodyPr lIns="109720" tIns="54859" rIns="109720" bIns="54859" anchor="ctr"/>
-          <a:lstStyle/>
-          <a:p>
-            <a:pPr algn="ctr" defTabSz="1096875" eaLnBrk="0" fontAlgn="auto" hangingPunct="0">
-              <a:spcBef>
-                <a:spcPts val="0"/>
-              </a:spcBef>
-              <a:spcAft>
-                <a:spcPts val="0"/>
-              </a:spcAft>
-              <a:defRPr/>
-            </a:pPr>
-            <a:r>
-              <a:rPr lang="en-US" sz="2000" dirty="0"/>
-              <a:t>JIT</a:t>
-            </a:r>
-          </a:p>
-        </p:txBody>
-      </p:sp>
-      <p:sp>
-        <p:nvSpPr>
-          <p:cNvPr id="22" name="AutoShape 4"/>
-          <p:cNvSpPr>
-            <a:spLocks noChangeArrowheads="1"/>
-          </p:cNvSpPr>
-          <p:nvPr/>
-        </p:nvSpPr>
-        <p:spPr bwMode="auto">
-          <a:xfrm>
-            <a:off x="3429000" y="4038600"/>
-            <a:ext cx="1600200" cy="685800"/>
-          </a:xfrm>
-          <a:prstGeom prst="roundRect">
-            <a:avLst>
-              <a:gd name="adj" fmla="val 16667"/>
-            </a:avLst>
-          </a:prstGeom>
-          <a:ln>
-            <a:headEnd type="none" w="med" len="med"/>
-            <a:tailEnd type="none" w="med" len="med"/>
-          </a:ln>
-        </p:spPr>
-        <p:style>
-          <a:lnRef idx="1">
-            <a:schemeClr val="accent4"/>
-          </a:lnRef>
-          <a:fillRef idx="3">
-            <a:schemeClr val="accent4"/>
-          </a:fillRef>
-          <a:effectRef idx="2">
-            <a:schemeClr val="accent4"/>
-          </a:effectRef>
-          <a:fontRef idx="minor">
-            <a:schemeClr val="lt1"/>
-          </a:fontRef>
-        </p:style>
-        <p:txBody>
-          <a:bodyPr lIns="109720" tIns="54859" rIns="109720" bIns="54859" anchor="ctr"/>
-          <a:lstStyle/>
-          <a:p>
-            <a:pPr algn="ctr" defTabSz="1096875" eaLnBrk="0" fontAlgn="auto" hangingPunct="0">
-              <a:spcBef>
-                <a:spcPts val="0"/>
-              </a:spcBef>
-              <a:spcAft>
-                <a:spcPts val="0"/>
-              </a:spcAft>
-              <a:defRPr/>
-            </a:pPr>
-            <a:r>
-              <a:rPr lang="en-US" sz="2000" dirty="0"/>
-              <a:t>Generics</a:t>
-            </a:r>
-          </a:p>
-          <a:p>
-            <a:pPr algn="ctr" defTabSz="1096875" eaLnBrk="0" fontAlgn="auto" hangingPunct="0">
-              <a:spcBef>
-                <a:spcPts val="0"/>
-              </a:spcBef>
-              <a:spcAft>
-                <a:spcPts val="0"/>
-              </a:spcAft>
-              <a:defRPr/>
-            </a:pPr>
-            <a:r>
-              <a:rPr lang="en-US" sz="2000" dirty="0"/>
-              <a:t>In Runtime</a:t>
-            </a:r>
-          </a:p>
-        </p:txBody>
-      </p:sp>
-      <p:sp>
-        <p:nvSpPr>
-          <p:cNvPr id="24" name="AutoShape 4"/>
-          <p:cNvSpPr>
-            <a:spLocks noChangeArrowheads="1"/>
-          </p:cNvSpPr>
-          <p:nvPr/>
-        </p:nvSpPr>
-        <p:spPr bwMode="auto">
-          <a:xfrm>
-            <a:off x="3425825" y="3111500"/>
-            <a:ext cx="1600200" cy="685800"/>
-          </a:xfrm>
-          <a:prstGeom prst="roundRect">
-            <a:avLst>
-              <a:gd name="adj" fmla="val 16667"/>
-            </a:avLst>
-          </a:prstGeom>
-          <a:ln>
-            <a:headEnd type="none" w="med" len="med"/>
-            <a:tailEnd type="none" w="med" len="med"/>
-          </a:ln>
-        </p:spPr>
-        <p:style>
-          <a:lnRef idx="1">
-            <a:schemeClr val="accent4"/>
-          </a:lnRef>
-          <a:fillRef idx="3">
-            <a:schemeClr val="accent4"/>
-          </a:fillRef>
-          <a:effectRef idx="2">
-            <a:schemeClr val="accent4"/>
-          </a:effectRef>
-          <a:fontRef idx="minor">
-            <a:schemeClr val="lt1"/>
-          </a:fontRef>
-        </p:style>
-        <p:txBody>
-          <a:bodyPr lIns="109720" tIns="54859" rIns="109720" bIns="54859" anchor="ctr"/>
-          <a:lstStyle/>
-          <a:p>
-            <a:pPr algn="ctr" defTabSz="1096875" eaLnBrk="0" fontAlgn="auto" hangingPunct="0">
-              <a:spcBef>
-                <a:spcPts val="0"/>
-              </a:spcBef>
-              <a:spcAft>
-                <a:spcPts val="0"/>
-              </a:spcAft>
-              <a:defRPr/>
-            </a:pPr>
-            <a:r>
-              <a:rPr lang="en-US" sz="2000" dirty="0"/>
-              <a:t>Expression</a:t>
-            </a:r>
-          </a:p>
-          <a:p>
-            <a:pPr algn="ctr" defTabSz="1096875" eaLnBrk="0" fontAlgn="auto" hangingPunct="0">
-              <a:spcBef>
-                <a:spcPts val="0"/>
-              </a:spcBef>
-              <a:spcAft>
-                <a:spcPts val="0"/>
-              </a:spcAft>
-              <a:defRPr/>
-            </a:pPr>
-            <a:r>
-              <a:rPr lang="en-US" sz="2000" dirty="0"/>
-              <a:t>Trees</a:t>
-            </a:r>
-          </a:p>
-        </p:txBody>
-      </p:sp>
-      <p:sp>
-        <p:nvSpPr>
-          <p:cNvPr id="25" name="AutoShape 4"/>
-          <p:cNvSpPr>
-            <a:spLocks noChangeArrowheads="1"/>
-          </p:cNvSpPr>
-          <p:nvPr/>
-        </p:nvSpPr>
-        <p:spPr bwMode="auto">
-          <a:xfrm>
-            <a:off x="1670050" y="3111500"/>
-            <a:ext cx="1600200" cy="685800"/>
-          </a:xfrm>
-          <a:prstGeom prst="roundRect">
-            <a:avLst>
-              <a:gd name="adj" fmla="val 16667"/>
-            </a:avLst>
-          </a:prstGeom>
-          <a:ln>
-            <a:headEnd type="none" w="med" len="med"/>
-            <a:tailEnd type="none" w="med" len="med"/>
-          </a:ln>
-        </p:spPr>
-        <p:style>
-          <a:lnRef idx="1">
-            <a:schemeClr val="accent4"/>
-          </a:lnRef>
-          <a:fillRef idx="3">
-            <a:schemeClr val="accent4"/>
-          </a:fillRef>
-          <a:effectRef idx="2">
-            <a:schemeClr val="accent4"/>
-          </a:effectRef>
-          <a:fontRef idx="minor">
-            <a:schemeClr val="lt1"/>
-          </a:fontRef>
-        </p:style>
-        <p:txBody>
-          <a:bodyPr lIns="109720" tIns="54859" rIns="109720" bIns="54859" anchor="ctr"/>
-          <a:lstStyle/>
-          <a:p>
-            <a:pPr algn="ctr" defTabSz="1096875" eaLnBrk="0" fontAlgn="auto" hangingPunct="0">
-              <a:spcBef>
-                <a:spcPts val="0"/>
-              </a:spcBef>
-              <a:spcAft>
-                <a:spcPts val="0"/>
-              </a:spcAft>
-              <a:defRPr/>
-            </a:pPr>
-            <a:r>
-              <a:rPr lang="en-US" sz="2000" dirty="0"/>
-              <a:t>Extension</a:t>
-            </a:r>
-          </a:p>
-          <a:p>
-            <a:pPr algn="ctr" defTabSz="1096875" eaLnBrk="0" fontAlgn="auto" hangingPunct="0">
-              <a:spcBef>
-                <a:spcPts val="0"/>
-              </a:spcBef>
-              <a:spcAft>
-                <a:spcPts val="0"/>
-              </a:spcAft>
-              <a:defRPr/>
-            </a:pPr>
-            <a:r>
-              <a:rPr lang="en-US" sz="2000" dirty="0"/>
-              <a:t>Methods</a:t>
-            </a:r>
-          </a:p>
-        </p:txBody>
-      </p:sp>
-      <p:sp>
-        <p:nvSpPr>
-          <p:cNvPr id="31" name="Rounded Rectangle 30"/>
-          <p:cNvSpPr/>
-          <p:nvPr/>
-        </p:nvSpPr>
-        <p:spPr>
-          <a:xfrm>
-            <a:off x="457200" y="2057400"/>
-            <a:ext cx="6400800" cy="838200"/>
-          </a:xfrm>
-          <a:prstGeom prst="roundRect">
-            <a:avLst/>
-          </a:prstGeom>
-          <a:ln/>
-        </p:spPr>
-        <p:style>
-          <a:lnRef idx="1">
-            <a:schemeClr val="accent6"/>
-          </a:lnRef>
-          <a:fillRef idx="3">
-            <a:schemeClr val="accent6"/>
-          </a:fillRef>
-          <a:effectRef idx="2">
-            <a:schemeClr val="accent6"/>
-          </a:effectRef>
-          <a:fontRef idx="minor">
-            <a:schemeClr val="lt1"/>
-          </a:fontRef>
-        </p:style>
-        <p:txBody>
-          <a:bodyPr anchor="ctr"/>
-          <a:lstStyle/>
-          <a:p>
-            <a:pPr fontAlgn="auto">
-              <a:spcBef>
-                <a:spcPts val="0"/>
-              </a:spcBef>
-              <a:spcAft>
-                <a:spcPts val="0"/>
-              </a:spcAft>
-              <a:defRPr/>
-            </a:pPr>
-            <a:r>
-              <a:rPr lang="en-US" sz="3200" dirty="0">
-                <a:solidFill>
-                  <a:schemeClr val="tx1"/>
-                </a:solidFill>
-              </a:rPr>
-              <a:t>DLR</a:t>
-            </a:r>
-          </a:p>
-        </p:txBody>
-      </p:sp>
-      <p:sp>
-        <p:nvSpPr>
-          <p:cNvPr id="27" name="AutoShape 4"/>
-          <p:cNvSpPr>
-            <a:spLocks noChangeArrowheads="1"/>
-          </p:cNvSpPr>
-          <p:nvPr/>
-        </p:nvSpPr>
-        <p:spPr bwMode="auto">
-          <a:xfrm>
-            <a:off x="3429000" y="2133600"/>
-            <a:ext cx="1600200" cy="685800"/>
-          </a:xfrm>
-          <a:prstGeom prst="roundRect">
-            <a:avLst>
-              <a:gd name="adj" fmla="val 16667"/>
-            </a:avLst>
-          </a:prstGeom>
-          <a:ln>
-            <a:headEnd type="none" w="med" len="med"/>
-            <a:tailEnd type="none" w="med" len="med"/>
-          </a:ln>
-        </p:spPr>
-        <p:style>
-          <a:lnRef idx="1">
-            <a:schemeClr val="accent4"/>
-          </a:lnRef>
-          <a:fillRef idx="3">
-            <a:schemeClr val="accent4"/>
-          </a:fillRef>
-          <a:effectRef idx="2">
-            <a:schemeClr val="accent4"/>
-          </a:effectRef>
-          <a:fontRef idx="minor">
-            <a:schemeClr val="lt1"/>
-          </a:fontRef>
-        </p:style>
-        <p:txBody>
-          <a:bodyPr lIns="109720" tIns="54859" rIns="109720" bIns="54859" anchor="ctr"/>
-          <a:lstStyle/>
-          <a:p>
-            <a:pPr algn="ctr" defTabSz="1096875" eaLnBrk="0" fontAlgn="auto" hangingPunct="0">
-              <a:spcBef>
-                <a:spcPts val="0"/>
-              </a:spcBef>
-              <a:spcAft>
-                <a:spcPts val="0"/>
-              </a:spcAft>
-              <a:defRPr/>
-            </a:pPr>
-            <a:r>
-              <a:rPr lang="en-US" sz="2000" dirty="0"/>
-              <a:t>Expression</a:t>
-            </a:r>
-          </a:p>
-          <a:p>
-            <a:pPr algn="ctr" defTabSz="1096875" eaLnBrk="0" fontAlgn="auto" hangingPunct="0">
-              <a:spcBef>
-                <a:spcPts val="0"/>
-              </a:spcBef>
-              <a:spcAft>
-                <a:spcPts val="0"/>
-              </a:spcAft>
-              <a:defRPr/>
-            </a:pPr>
-            <a:r>
-              <a:rPr lang="en-US" sz="2000" dirty="0"/>
-              <a:t>Trees v2</a:t>
-            </a:r>
-          </a:p>
-        </p:txBody>
-      </p:sp>
-      <p:sp>
-        <p:nvSpPr>
-          <p:cNvPr id="28" name="AutoShape 4"/>
-          <p:cNvSpPr>
-            <a:spLocks noChangeArrowheads="1"/>
-          </p:cNvSpPr>
-          <p:nvPr/>
-        </p:nvSpPr>
-        <p:spPr bwMode="auto">
-          <a:xfrm>
-            <a:off x="5181600" y="2133600"/>
-            <a:ext cx="1600200" cy="685800"/>
-          </a:xfrm>
-          <a:prstGeom prst="roundRect">
-            <a:avLst>
-              <a:gd name="adj" fmla="val 16667"/>
-            </a:avLst>
-          </a:prstGeom>
-          <a:ln>
-            <a:headEnd type="none" w="med" len="med"/>
-            <a:tailEnd type="none" w="med" len="med"/>
-          </a:ln>
-        </p:spPr>
-        <p:style>
-          <a:lnRef idx="1">
-            <a:schemeClr val="accent4"/>
-          </a:lnRef>
-          <a:fillRef idx="3">
-            <a:schemeClr val="accent4"/>
-          </a:fillRef>
-          <a:effectRef idx="2">
-            <a:schemeClr val="accent4"/>
-          </a:effectRef>
-          <a:fontRef idx="minor">
-            <a:schemeClr val="lt1"/>
-          </a:fontRef>
-        </p:style>
-        <p:txBody>
-          <a:bodyPr lIns="109720" tIns="54859" rIns="109720" bIns="54859" anchor="ctr"/>
-          <a:lstStyle/>
-          <a:p>
-            <a:pPr algn="ctr" defTabSz="1096875" eaLnBrk="0" fontAlgn="auto" hangingPunct="0">
-              <a:spcBef>
-                <a:spcPts val="0"/>
-              </a:spcBef>
-              <a:spcAft>
-                <a:spcPts val="0"/>
-              </a:spcAft>
-              <a:defRPr/>
-            </a:pPr>
-            <a:r>
-              <a:rPr lang="en-US" sz="2000" dirty="0"/>
-              <a:t>Call Site Caching</a:t>
-            </a:r>
-          </a:p>
-        </p:txBody>
-      </p:sp>
-      <p:sp>
-        <p:nvSpPr>
-          <p:cNvPr id="29" name="AutoShape 4"/>
-          <p:cNvSpPr>
-            <a:spLocks noChangeArrowheads="1"/>
-          </p:cNvSpPr>
-          <p:nvPr/>
-        </p:nvSpPr>
-        <p:spPr bwMode="auto">
-          <a:xfrm>
-            <a:off x="1676400" y="2133600"/>
-            <a:ext cx="1600200" cy="685800"/>
-          </a:xfrm>
-          <a:prstGeom prst="roundRect">
-            <a:avLst>
-              <a:gd name="adj" fmla="val 16667"/>
-            </a:avLst>
-          </a:prstGeom>
-          <a:ln>
-            <a:headEnd type="none" w="med" len="med"/>
-            <a:tailEnd type="none" w="med" len="med"/>
-          </a:ln>
-        </p:spPr>
-        <p:style>
-          <a:lnRef idx="1">
-            <a:schemeClr val="accent4"/>
-          </a:lnRef>
-          <a:fillRef idx="3">
-            <a:schemeClr val="accent4"/>
-          </a:fillRef>
-          <a:effectRef idx="2">
-            <a:schemeClr val="accent4"/>
-          </a:effectRef>
-          <a:fontRef idx="minor">
-            <a:schemeClr val="lt1"/>
-          </a:fontRef>
-        </p:style>
-        <p:txBody>
-          <a:bodyPr lIns="109720" tIns="54859" rIns="109720" bIns="54859" anchor="ctr"/>
-          <a:lstStyle/>
-          <a:p>
-            <a:pPr algn="ctr" defTabSz="1096875" eaLnBrk="0" fontAlgn="auto" hangingPunct="0">
-              <a:spcBef>
-                <a:spcPts val="0"/>
-              </a:spcBef>
-              <a:spcAft>
-                <a:spcPts val="0"/>
-              </a:spcAft>
-              <a:defRPr/>
-            </a:pPr>
-            <a:r>
-              <a:rPr lang="en-US" sz="2000" dirty="0"/>
-              <a:t>Dynamic</a:t>
-            </a:r>
-          </a:p>
-          <a:p>
-            <a:pPr algn="ctr" defTabSz="1096875" eaLnBrk="0" fontAlgn="auto" hangingPunct="0">
-              <a:spcBef>
-                <a:spcPts val="0"/>
-              </a:spcBef>
-              <a:spcAft>
-                <a:spcPts val="0"/>
-              </a:spcAft>
-              <a:defRPr/>
-            </a:pPr>
-            <a:r>
-              <a:rPr lang="en-US" sz="2000" dirty="0"/>
-              <a:t>Dispatch</a:t>
-            </a:r>
-          </a:p>
-        </p:txBody>
-      </p:sp>
-      <p:sp>
-        <p:nvSpPr>
-          <p:cNvPr id="32" name="AutoShape 4"/>
-          <p:cNvSpPr>
-            <a:spLocks noChangeArrowheads="1"/>
-          </p:cNvSpPr>
-          <p:nvPr/>
-        </p:nvSpPr>
-        <p:spPr bwMode="auto">
-          <a:xfrm>
-            <a:off x="5181600" y="5715000"/>
-            <a:ext cx="1600200" cy="685800"/>
-          </a:xfrm>
-          <a:prstGeom prst="roundRect">
-            <a:avLst>
-              <a:gd name="adj" fmla="val 16667"/>
-            </a:avLst>
-          </a:prstGeom>
-          <a:ln>
-            <a:headEnd type="none" w="med" len="med"/>
-            <a:tailEnd type="none" w="med" len="med"/>
-          </a:ln>
-        </p:spPr>
-        <p:style>
-          <a:lnRef idx="1">
-            <a:schemeClr val="accent4"/>
-          </a:lnRef>
-          <a:fillRef idx="3">
-            <a:schemeClr val="accent4"/>
-          </a:fillRef>
-          <a:effectRef idx="2">
-            <a:schemeClr val="accent4"/>
-          </a:effectRef>
-          <a:fontRef idx="minor">
-            <a:schemeClr val="lt1"/>
-          </a:fontRef>
-        </p:style>
-        <p:txBody>
-          <a:bodyPr lIns="109720" tIns="54859" rIns="109720" bIns="54859" anchor="ctr"/>
-          <a:lstStyle/>
-          <a:p>
-            <a:pPr algn="ctr" defTabSz="1096875" eaLnBrk="0" fontAlgn="auto" hangingPunct="0">
-              <a:spcBef>
-                <a:spcPts val="0"/>
-              </a:spcBef>
-              <a:spcAft>
-                <a:spcPts val="0"/>
-              </a:spcAft>
-              <a:defRPr/>
-            </a:pPr>
-            <a:r>
-              <a:rPr lang="en-US" sz="2000" dirty="0"/>
-              <a:t>Dynamic</a:t>
-            </a:r>
-          </a:p>
-          <a:p>
-            <a:pPr algn="ctr" defTabSz="1096875" eaLnBrk="0" fontAlgn="auto" hangingPunct="0">
-              <a:spcBef>
-                <a:spcPts val="0"/>
-              </a:spcBef>
-              <a:spcAft>
-                <a:spcPts val="0"/>
-              </a:spcAft>
-              <a:defRPr/>
-            </a:pPr>
-            <a:r>
-              <a:rPr lang="en-US" sz="2000" dirty="0" err="1"/>
-              <a:t>Codegen</a:t>
-            </a:r>
-            <a:endParaRPr lang="en-US" sz="2000" dirty="0"/>
-          </a:p>
-        </p:txBody>
-      </p:sp>
-      <p:sp>
-        <p:nvSpPr>
-          <p:cNvPr id="33" name="AutoShape 4"/>
-          <p:cNvSpPr>
-            <a:spLocks noChangeArrowheads="1"/>
-          </p:cNvSpPr>
-          <p:nvPr/>
-        </p:nvSpPr>
-        <p:spPr bwMode="auto">
-          <a:xfrm>
-            <a:off x="3429000" y="5715000"/>
-            <a:ext cx="1600200" cy="685800"/>
-          </a:xfrm>
-          <a:prstGeom prst="roundRect">
-            <a:avLst>
-              <a:gd name="adj" fmla="val 16667"/>
-            </a:avLst>
-          </a:prstGeom>
-          <a:ln>
-            <a:headEnd type="none" w="med" len="med"/>
-            <a:tailEnd type="none" w="med" len="med"/>
-          </a:ln>
-        </p:spPr>
-        <p:style>
-          <a:lnRef idx="1">
-            <a:schemeClr val="accent4"/>
-          </a:lnRef>
-          <a:fillRef idx="3">
-            <a:schemeClr val="accent4"/>
-          </a:fillRef>
-          <a:effectRef idx="2">
-            <a:schemeClr val="accent4"/>
-          </a:effectRef>
-          <a:fontRef idx="minor">
-            <a:schemeClr val="lt1"/>
-          </a:fontRef>
-        </p:style>
-        <p:txBody>
-          <a:bodyPr lIns="109720" tIns="54859" rIns="109720" bIns="54859" anchor="ctr"/>
-          <a:lstStyle/>
-          <a:p>
-            <a:pPr algn="ctr" defTabSz="1096875" eaLnBrk="0" fontAlgn="auto" hangingPunct="0">
-              <a:spcBef>
-                <a:spcPts val="0"/>
-              </a:spcBef>
-              <a:spcAft>
-                <a:spcPts val="0"/>
-              </a:spcAft>
-              <a:defRPr/>
-            </a:pPr>
-            <a:r>
-              <a:rPr lang="en-US" sz="2000" dirty="0"/>
-              <a:t>Verifier</a:t>
-            </a:r>
-          </a:p>
-          <a:p>
-            <a:pPr algn="ctr" defTabSz="1096875" eaLnBrk="0" fontAlgn="auto" hangingPunct="0">
-              <a:spcBef>
-                <a:spcPts val="0"/>
-              </a:spcBef>
-              <a:spcAft>
-                <a:spcPts val="0"/>
-              </a:spcAft>
-              <a:defRPr/>
-            </a:pPr>
-            <a:r>
-              <a:rPr lang="en-US" sz="2000" dirty="0"/>
-              <a:t>Sandbox</a:t>
-            </a:r>
-          </a:p>
-        </p:txBody>
-      </p:sp>
-      <p:sp>
-        <p:nvSpPr>
-          <p:cNvPr id="34" name="AutoShape 4"/>
-          <p:cNvSpPr>
-            <a:spLocks noChangeArrowheads="1"/>
-          </p:cNvSpPr>
-          <p:nvPr/>
-        </p:nvSpPr>
-        <p:spPr bwMode="auto">
-          <a:xfrm>
-            <a:off x="5178558" y="3124200"/>
-            <a:ext cx="1675984" cy="685800"/>
-          </a:xfrm>
-          <a:prstGeom prst="hexagon">
-            <a:avLst/>
-          </a:prstGeom>
-          <a:ln>
-            <a:headEnd type="none" w="med" len="med"/>
-            <a:tailEnd type="none" w="med" len="med"/>
-          </a:ln>
-        </p:spPr>
-        <p:style>
-          <a:lnRef idx="1">
-            <a:schemeClr val="accent4"/>
-          </a:lnRef>
-          <a:fillRef idx="3">
-            <a:schemeClr val="accent4"/>
-          </a:fillRef>
-          <a:effectRef idx="2">
-            <a:schemeClr val="accent4"/>
-          </a:effectRef>
-          <a:fontRef idx="minor">
-            <a:schemeClr val="lt1"/>
-          </a:fontRef>
-        </p:style>
-        <p:txBody>
-          <a:bodyPr lIns="109720" tIns="54859" rIns="109720" bIns="54859" anchor="ctr"/>
-          <a:lstStyle/>
-          <a:p>
-            <a:pPr algn="ctr" defTabSz="1096875" eaLnBrk="0" fontAlgn="auto" hangingPunct="0">
-              <a:spcBef>
-                <a:spcPts val="0"/>
-              </a:spcBef>
-              <a:spcAft>
-                <a:spcPts val="0"/>
-              </a:spcAft>
-              <a:defRPr/>
-            </a:pPr>
-            <a:r>
-              <a:rPr lang="en-US" dirty="0" err="1"/>
-              <a:t>Silverlight</a:t>
-            </a:r>
-            <a:endParaRPr lang="en-US" dirty="0"/>
-          </a:p>
-        </p:txBody>
-      </p:sp>
-      <p:sp>
-        <p:nvSpPr>
-          <p:cNvPr id="35" name="AutoShape 4"/>
-          <p:cNvSpPr>
-            <a:spLocks noChangeArrowheads="1"/>
-          </p:cNvSpPr>
-          <p:nvPr/>
-        </p:nvSpPr>
-        <p:spPr bwMode="auto">
-          <a:xfrm>
-            <a:off x="1676400" y="4038600"/>
-            <a:ext cx="1600200" cy="685800"/>
-          </a:xfrm>
-          <a:prstGeom prst="roundRect">
-            <a:avLst>
-              <a:gd name="adj" fmla="val 16667"/>
-            </a:avLst>
-          </a:prstGeom>
-          <a:ln>
-            <a:headEnd type="none" w="med" len="med"/>
-            <a:tailEnd type="none" w="med" len="med"/>
-          </a:ln>
-        </p:spPr>
-        <p:style>
-          <a:lnRef idx="1">
-            <a:schemeClr val="accent4"/>
-          </a:lnRef>
-          <a:fillRef idx="3">
-            <a:schemeClr val="accent4"/>
-          </a:fillRef>
-          <a:effectRef idx="2">
-            <a:schemeClr val="accent4"/>
-          </a:effectRef>
-          <a:fontRef idx="minor">
-            <a:schemeClr val="lt1"/>
-          </a:fontRef>
-        </p:style>
-        <p:txBody>
-          <a:bodyPr lIns="109720" tIns="54859" rIns="109720" bIns="54859" anchor="ctr"/>
-          <a:lstStyle/>
-          <a:p>
-            <a:pPr algn="ctr" defTabSz="1096875" eaLnBrk="0" fontAlgn="auto" hangingPunct="0">
-              <a:spcBef>
-                <a:spcPts val="0"/>
-              </a:spcBef>
-              <a:spcAft>
-                <a:spcPts val="0"/>
-              </a:spcAft>
-              <a:defRPr/>
-            </a:pPr>
-            <a:r>
-              <a:rPr lang="en-US" sz="2000" dirty="0"/>
-              <a:t>Fast</a:t>
-            </a:r>
-          </a:p>
-          <a:p>
-            <a:pPr algn="ctr" defTabSz="1096875" eaLnBrk="0" fontAlgn="auto" hangingPunct="0">
-              <a:spcBef>
-                <a:spcPts val="0"/>
-              </a:spcBef>
-              <a:spcAft>
-                <a:spcPts val="0"/>
-              </a:spcAft>
-              <a:defRPr/>
-            </a:pPr>
-            <a:r>
-              <a:rPr lang="en-US" sz="2000" dirty="0"/>
-              <a:t>Delegates</a:t>
-            </a:r>
-          </a:p>
-        </p:txBody>
-      </p:sp>
-      <p:sp>
-        <p:nvSpPr>
-          <p:cNvPr id="36" name="AutoShape 4"/>
-          <p:cNvSpPr>
-            <a:spLocks noChangeArrowheads="1"/>
-          </p:cNvSpPr>
-          <p:nvPr/>
-        </p:nvSpPr>
-        <p:spPr bwMode="auto">
-          <a:xfrm>
-            <a:off x="5181600" y="4038600"/>
-            <a:ext cx="1600200" cy="685800"/>
-          </a:xfrm>
-          <a:prstGeom prst="roundRect">
-            <a:avLst>
-              <a:gd name="adj" fmla="val 16667"/>
-            </a:avLst>
-          </a:prstGeom>
-          <a:ln>
-            <a:headEnd type="none" w="med" len="med"/>
-            <a:tailEnd type="none" w="med" len="med"/>
-          </a:ln>
-        </p:spPr>
-        <p:style>
-          <a:lnRef idx="1">
-            <a:schemeClr val="accent4"/>
-          </a:lnRef>
-          <a:fillRef idx="3">
-            <a:schemeClr val="accent4"/>
-          </a:fillRef>
-          <a:effectRef idx="2">
-            <a:schemeClr val="accent4"/>
-          </a:effectRef>
-          <a:fontRef idx="minor">
-            <a:schemeClr val="lt1"/>
-          </a:fontRef>
-        </p:style>
-        <p:txBody>
-          <a:bodyPr lIns="109720" tIns="54859" rIns="109720" bIns="54859" anchor="ctr"/>
-          <a:lstStyle/>
-          <a:p>
-            <a:pPr algn="ctr" defTabSz="1096875" eaLnBrk="0" fontAlgn="auto" hangingPunct="0">
-              <a:spcBef>
-                <a:spcPts val="0"/>
-              </a:spcBef>
-              <a:spcAft>
-                <a:spcPts val="0"/>
-              </a:spcAft>
-              <a:defRPr/>
-            </a:pPr>
-            <a:r>
-              <a:rPr lang="en-US" sz="2000" dirty="0"/>
-              <a:t>Dynamic</a:t>
-            </a:r>
-          </a:p>
-          <a:p>
-            <a:pPr algn="ctr" defTabSz="1096875" eaLnBrk="0" fontAlgn="auto" hangingPunct="0">
-              <a:spcBef>
-                <a:spcPts val="0"/>
-              </a:spcBef>
-              <a:spcAft>
-                <a:spcPts val="0"/>
-              </a:spcAft>
-              <a:defRPr/>
-            </a:pPr>
-            <a:r>
-              <a:rPr lang="en-US" sz="2000" dirty="0"/>
-              <a:t>Methods</a:t>
-            </a:r>
-          </a:p>
-        </p:txBody>
-      </p:sp>
-    </p:spTree>
-  </p:cSld>
-  <p:clrMapOvr>
-    <a:masterClrMapping/>
-  </p:clrMapOvr>
-  <p:transition>
-    <p:fade/>
-  </p:transition>
-  <p:timing>
-    <p:tnLst>
-      <p:par>
-        <p:cTn id="1" dur="indefinite" restart="never" nodeType="tmRoot">
-          <p:childTnLst>
-            <p:seq concurrent="1" nextAc="seek">
-              <p:cTn id="2" dur="indefinite" nodeType="mainSeq">
-                <p:childTnLst>
-                  <p:par>
-                    <p:cTn id="3" fill="hold">
-                      <p:stCondLst>
-                        <p:cond delay="indefinite"/>
-                      </p:stCondLst>
-                      <p:childTnLst>
-                        <p:par>
-                          <p:cTn id="4" fill="hold">
-                            <p:stCondLst>
-                              <p:cond delay="0"/>
-                            </p:stCondLst>
-                            <p:childTnLst>
-                              <p:par>
-                                <p:cTn id="5" presetID="1" presetClass="entr" presetSubtype="0" fill="hold" nodeType="clickEffect">
-                                  <p:stCondLst>
-                                    <p:cond delay="0"/>
-                                  </p:stCondLst>
-                                  <p:childTnLst>
-                                    <p:set>
-                                      <p:cBhvr>
-                                        <p:cTn id="6" dur="1" fill="hold">
-                                          <p:stCondLst>
-                                            <p:cond delay="0"/>
-                                          </p:stCondLst>
-                                        </p:cTn>
-                                        <p:tgtEl>
-                                          <p:spTgt spid="14"/>
-                                        </p:tgtEl>
-                                        <p:attrNameLst>
-                                          <p:attrName>style.visibility</p:attrName>
-                                        </p:attrNameLst>
-                                      </p:cBhvr>
-                                      <p:to>
-                                        <p:strVal val="visible"/>
-                                      </p:to>
-                                    </p:set>
-                                  </p:childTnLst>
-                                </p:cTn>
-                              </p:par>
-                              <p:par>
-                                <p:cTn id="7" presetID="1" presetClass="entr" presetSubtype="0" fill="hold" nodeType="withEffect">
-                                  <p:stCondLst>
-                                    <p:cond delay="0"/>
-                                  </p:stCondLst>
-                                  <p:childTnLst>
-                                    <p:set>
-                                      <p:cBhvr>
-                                        <p:cTn id="8" dur="1" fill="hold">
-                                          <p:stCondLst>
-                                            <p:cond delay="0"/>
-                                          </p:stCondLst>
-                                        </p:cTn>
-                                        <p:tgtEl>
-                                          <p:spTgt spid="36"/>
-                                        </p:tgtEl>
-                                        <p:attrNameLst>
-                                          <p:attrName>style.visibility</p:attrName>
-                                        </p:attrNameLst>
-                                      </p:cBhvr>
-                                      <p:to>
-                                        <p:strVal val="visible"/>
-                                      </p:to>
-                                    </p:set>
-                                  </p:childTnLst>
-                                </p:cTn>
-                              </p:par>
-                              <p:par>
-                                <p:cTn id="9" presetID="1" presetClass="entr" presetSubtype="0" fill="hold" nodeType="withEffect">
-                                  <p:stCondLst>
-                                    <p:cond delay="0"/>
-                                  </p:stCondLst>
-                                  <p:childTnLst>
-                                    <p:set>
-                                      <p:cBhvr>
-                                        <p:cTn id="10" dur="1" fill="hold">
-                                          <p:stCondLst>
-                                            <p:cond delay="0"/>
-                                          </p:stCondLst>
-                                        </p:cTn>
-                                        <p:tgtEl>
-                                          <p:spTgt spid="35"/>
-                                        </p:tgtEl>
-                                        <p:attrNameLst>
-                                          <p:attrName>style.visibility</p:attrName>
-                                        </p:attrNameLst>
-                                      </p:cBhvr>
-                                      <p:to>
-                                        <p:strVal val="visible"/>
-                                      </p:to>
-                                    </p:set>
-                                  </p:childTnLst>
-                                </p:cTn>
-                              </p:par>
-                              <p:par>
-                                <p:cTn id="11" presetID="1" presetClass="entr" presetSubtype="0" fill="hold" nodeType="withEffect">
-                                  <p:stCondLst>
-                                    <p:cond delay="0"/>
-                                  </p:stCondLst>
-                                  <p:childTnLst>
-                                    <p:set>
-                                      <p:cBhvr>
-                                        <p:cTn id="12" dur="1" fill="hold">
-                                          <p:stCondLst>
-                                            <p:cond delay="0"/>
-                                          </p:stCondLst>
-                                        </p:cTn>
-                                        <p:tgtEl>
-                                          <p:spTgt spid="22"/>
-                                        </p:tgtEl>
-                                        <p:attrNameLst>
-                                          <p:attrName>style.visibility</p:attrName>
-                                        </p:attrNameLst>
-                                      </p:cBhvr>
-                                      <p:to>
-                                        <p:strVal val="visible"/>
-                                      </p:to>
-                                    </p:set>
-                                  </p:childTnLst>
-                                </p:cTn>
-                              </p:par>
-                            </p:childTnLst>
-                          </p:cTn>
-                        </p:par>
-                      </p:childTnLst>
-                    </p:cTn>
-                  </p:par>
-                  <p:par>
-                    <p:cTn id="13" fill="hold">
-                      <p:stCondLst>
-                        <p:cond delay="indefinite"/>
-                      </p:stCondLst>
-                      <p:childTnLst>
-                        <p:par>
-                          <p:cTn id="14" fill="hold">
-                            <p:stCondLst>
-                              <p:cond delay="0"/>
-                            </p:stCondLst>
-                            <p:childTnLst>
-                              <p:par>
-                                <p:cTn id="15" presetID="1" presetClass="entr" presetSubtype="0" fill="hold" nodeType="clickEffect">
-                                  <p:stCondLst>
-                                    <p:cond delay="0"/>
-                                  </p:stCondLst>
-                                  <p:childTnLst>
-                                    <p:set>
-                                      <p:cBhvr>
-                                        <p:cTn id="16" dur="1" fill="hold">
-                                          <p:stCondLst>
-                                            <p:cond delay="0"/>
-                                          </p:stCondLst>
-                                        </p:cTn>
-                                        <p:tgtEl>
-                                          <p:spTgt spid="24"/>
-                                        </p:tgtEl>
-                                        <p:attrNameLst>
-                                          <p:attrName>style.visibility</p:attrName>
-                                        </p:attrNameLst>
-                                      </p:cBhvr>
-                                      <p:to>
-                                        <p:strVal val="visible"/>
-                                      </p:to>
-                                    </p:set>
-                                  </p:childTnLst>
-                                </p:cTn>
-                              </p:par>
-                              <p:par>
-                                <p:cTn id="17" presetID="1" presetClass="entr" presetSubtype="0" fill="hold" nodeType="withEffect">
-                                  <p:stCondLst>
-                                    <p:cond delay="0"/>
-                                  </p:stCondLst>
-                                  <p:childTnLst>
-                                    <p:set>
-                                      <p:cBhvr>
-                                        <p:cTn id="18" dur="1" fill="hold">
-                                          <p:stCondLst>
-                                            <p:cond delay="0"/>
-                                          </p:stCondLst>
-                                        </p:cTn>
-                                        <p:tgtEl>
-                                          <p:spTgt spid="25"/>
-                                        </p:tgtEl>
-                                        <p:attrNameLst>
-                                          <p:attrName>style.visibility</p:attrName>
-                                        </p:attrNameLst>
-                                      </p:cBhvr>
-                                      <p:to>
-                                        <p:strVal val="visible"/>
-                                      </p:to>
-                                    </p:set>
-                                  </p:childTnLst>
-                                </p:cTn>
-                              </p:par>
-                              <p:par>
-                                <p:cTn id="19" presetID="1" presetClass="entr" presetSubtype="0" fill="hold" nodeType="withEffect">
-                                  <p:stCondLst>
-                                    <p:cond delay="0"/>
-                                  </p:stCondLst>
-                                  <p:childTnLst>
-                                    <p:set>
-                                      <p:cBhvr>
-                                        <p:cTn id="20" dur="1" fill="hold">
-                                          <p:stCondLst>
-                                            <p:cond delay="0"/>
-                                          </p:stCondLst>
-                                        </p:cTn>
-                                        <p:tgtEl>
-                                          <p:spTgt spid="34"/>
-                                        </p:tgtEl>
-                                        <p:attrNameLst>
-                                          <p:attrName>style.visibility</p:attrName>
-                                        </p:attrNameLst>
-                                      </p:cBhvr>
-                                      <p:to>
-                                        <p:strVal val="visible"/>
-                                      </p:to>
-                                    </p:set>
-                                  </p:childTnLst>
-                                </p:cTn>
-                              </p:par>
-                              <p:par>
-                                <p:cTn id="21" presetID="1" presetClass="entr" presetSubtype="0" fill="hold" nodeType="withEffect">
-                                  <p:stCondLst>
-                                    <p:cond delay="0"/>
-                                  </p:stCondLst>
-                                  <p:childTnLst>
-                                    <p:set>
-                                      <p:cBhvr>
-                                        <p:cTn id="22" dur="1" fill="hold">
-                                          <p:stCondLst>
-                                            <p:cond delay="0"/>
-                                          </p:stCondLst>
-                                        </p:cTn>
-                                        <p:tgtEl>
-                                          <p:spTgt spid="23"/>
-                                        </p:tgtEl>
-                                        <p:attrNameLst>
-                                          <p:attrName>style.visibility</p:attrName>
-                                        </p:attrNameLst>
-                                      </p:cBhvr>
-                                      <p:to>
-                                        <p:strVal val="visible"/>
-                                      </p:to>
-                                    </p:set>
-                                  </p:childTnLst>
-                                </p:cTn>
-                              </p:par>
-                            </p:childTnLst>
-                          </p:cTn>
-                        </p:par>
-                      </p:childTnLst>
-                    </p:cTn>
-                  </p:par>
-                  <p:par>
-                    <p:cTn id="23" fill="hold">
-                      <p:stCondLst>
-                        <p:cond delay="indefinite"/>
-                      </p:stCondLst>
-                      <p:childTnLst>
-                        <p:par>
-                          <p:cTn id="24" fill="hold">
-                            <p:stCondLst>
-                              <p:cond delay="0"/>
-                            </p:stCondLst>
-                            <p:childTnLst>
-                              <p:par>
-                                <p:cTn id="25" presetID="1" presetClass="entr" presetSubtype="0" fill="hold" nodeType="clickEffect">
-                                  <p:stCondLst>
-                                    <p:cond delay="0"/>
-                                  </p:stCondLst>
-                                  <p:childTnLst>
-                                    <p:set>
-                                      <p:cBhvr>
-                                        <p:cTn id="26" dur="1" fill="hold">
-                                          <p:stCondLst>
-                                            <p:cond delay="0"/>
-                                          </p:stCondLst>
-                                        </p:cTn>
-                                        <p:tgtEl>
-                                          <p:spTgt spid="30"/>
-                                        </p:tgtEl>
-                                        <p:attrNameLst>
-                                          <p:attrName>style.visibility</p:attrName>
-                                        </p:attrNameLst>
-                                      </p:cBhvr>
-                                      <p:to>
-                                        <p:strVal val="visible"/>
-                                      </p:to>
-                                    </p:set>
-                                  </p:childTnLst>
-                                </p:cTn>
-                              </p:par>
-                            </p:childTnLst>
-                          </p:cTn>
-                        </p:par>
-                      </p:childTnLst>
-                    </p:cTn>
-                  </p:par>
-                  <p:par>
-                    <p:cTn id="27" fill="hold">
-                      <p:stCondLst>
-                        <p:cond delay="indefinite"/>
-                      </p:stCondLst>
-                      <p:childTnLst>
-                        <p:par>
-                          <p:cTn id="28" fill="hold">
-                            <p:stCondLst>
-                              <p:cond delay="0"/>
-                            </p:stCondLst>
-                            <p:childTnLst>
-                              <p:par>
-                                <p:cTn id="29" presetID="1" presetClass="entr" presetSubtype="0" fill="hold" nodeType="clickEffect">
-                                  <p:stCondLst>
-                                    <p:cond delay="0"/>
-                                  </p:stCondLst>
-                                  <p:childTnLst>
-                                    <p:set>
-                                      <p:cBhvr>
-                                        <p:cTn id="30" dur="1" fill="hold">
-                                          <p:stCondLst>
-                                            <p:cond delay="0"/>
-                                          </p:stCondLst>
-                                        </p:cTn>
-                                        <p:tgtEl>
-                                          <p:spTgt spid="26"/>
-                                        </p:tgtEl>
-                                        <p:attrNameLst>
-                                          <p:attrName>style.visibility</p:attrName>
-                                        </p:attrNameLst>
-                                      </p:cBhvr>
-                                      <p:to>
-                                        <p:strVal val="visible"/>
-                                      </p:to>
-                                    </p:set>
-                                  </p:childTnLst>
-                                </p:cTn>
-                              </p:par>
-                              <p:par>
-                                <p:cTn id="31" presetID="1" presetClass="entr" presetSubtype="0" fill="hold" nodeType="withEffect">
-                                  <p:stCondLst>
-                                    <p:cond delay="0"/>
-                                  </p:stCondLst>
-                                  <p:childTnLst>
-                                    <p:set>
-                                      <p:cBhvr>
-                                        <p:cTn id="32" dur="1" fill="hold">
-                                          <p:stCondLst>
-                                            <p:cond delay="0"/>
-                                          </p:stCondLst>
-                                        </p:cTn>
-                                        <p:tgtEl>
-                                          <p:spTgt spid="28"/>
-                                        </p:tgtEl>
-                                        <p:attrNameLst>
-                                          <p:attrName>style.visibility</p:attrName>
-                                        </p:attrNameLst>
-                                      </p:cBhvr>
-                                      <p:to>
-                                        <p:strVal val="visible"/>
-                                      </p:to>
-                                    </p:set>
-                                  </p:childTnLst>
-                                </p:cTn>
-                              </p:par>
-                              <p:par>
-                                <p:cTn id="33" presetID="1" presetClass="entr" presetSubtype="0" fill="hold" nodeType="withEffect">
-                                  <p:stCondLst>
-                                    <p:cond delay="0"/>
-                                  </p:stCondLst>
-                                  <p:childTnLst>
-                                    <p:set>
-                                      <p:cBhvr>
-                                        <p:cTn id="34" dur="1" fill="hold">
-                                          <p:stCondLst>
-                                            <p:cond delay="0"/>
-                                          </p:stCondLst>
-                                        </p:cTn>
-                                        <p:tgtEl>
-                                          <p:spTgt spid="27"/>
-                                        </p:tgtEl>
-                                        <p:attrNameLst>
-                                          <p:attrName>style.visibility</p:attrName>
-                                        </p:attrNameLst>
-                                      </p:cBhvr>
-                                      <p:to>
-                                        <p:strVal val="visible"/>
-                                      </p:to>
-                                    </p:set>
-                                  </p:childTnLst>
-                                </p:cTn>
-                              </p:par>
-                              <p:par>
-                                <p:cTn id="35" presetID="1" presetClass="entr" presetSubtype="0" fill="hold" nodeType="withEffect">
-                                  <p:stCondLst>
-                                    <p:cond delay="0"/>
-                                  </p:stCondLst>
-                                  <p:childTnLst>
-                                    <p:set>
-                                      <p:cBhvr>
-                                        <p:cTn id="36" dur="1" fill="hold">
-                                          <p:stCondLst>
-                                            <p:cond delay="0"/>
-                                          </p:stCondLst>
-                                        </p:cTn>
-                                        <p:tgtEl>
-                                          <p:spTgt spid="29"/>
-                                        </p:tgtEl>
-                                        <p:attrNameLst>
-                                          <p:attrName>style.visibility</p:attrName>
-                                        </p:attrNameLst>
-                                      </p:cBhvr>
-                                      <p:to>
-                                        <p:strVal val="visible"/>
-                                      </p:to>
-                                    </p:set>
-                                  </p:childTnLst>
-                                </p:cTn>
-                              </p:par>
-                            </p:childTnLst>
-                          </p:cTn>
-                        </p:par>
-                      </p:childTnLst>
-                    </p:cTn>
-                  </p:par>
-                  <p:par>
-                    <p:cTn id="37" fill="hold">
-                      <p:stCondLst>
-                        <p:cond delay="indefinite"/>
-                      </p:stCondLst>
-                      <p:childTnLst>
-                        <p:par>
-                          <p:cTn id="38" fill="hold">
-                            <p:stCondLst>
-                              <p:cond delay="0"/>
-                            </p:stCondLst>
-                            <p:childTnLst>
-                              <p:par>
-                                <p:cTn id="39" presetID="1" presetClass="entr" presetSubtype="0" fill="hold" nodeType="clickEffect">
-                                  <p:stCondLst>
-                                    <p:cond delay="0"/>
-                                  </p:stCondLst>
-                                  <p:childTnLst>
-                                    <p:set>
-                                      <p:cBhvr>
-                                        <p:cTn id="40" dur="1" fill="hold">
-                                          <p:stCondLst>
-                                            <p:cond delay="0"/>
-                                          </p:stCondLst>
-                                        </p:cTn>
-                                        <p:tgtEl>
-                                          <p:spTgt spid="31"/>
-                                        </p:tgtEl>
-                                        <p:attrNameLst>
-                                          <p:attrName>style.visibility</p:attrName>
-                                        </p:attrNameLst>
-                                      </p:cBhvr>
-                                      <p:to>
-                                        <p:strVal val="visible"/>
-                                      </p:to>
-                                    </p:set>
-                                  </p:childTnLst>
-                                </p:cTn>
-                              </p:par>
-                            </p:childTnLst>
-                          </p:cTn>
-                        </p:par>
-                      </p:childTnLst>
-                    </p:cTn>
-                  </p:par>
-                </p:childTnLst>
-              </p:cTn>
-              <p:prevCondLst>
-                <p:cond evt="onPrev" delay="0">
-                  <p:tgtEl>
-                    <p:sldTgt/>
-                  </p:tgtEl>
-                </p:cond>
-              </p:prevCondLst>
-              <p:nextCondLst>
-                <p:cond evt="onNext" delay="0">
-                  <p:tgtEl>
-                    <p:sldTgt/>
-                  </p:tgtEl>
-                </p:cond>
-              </p:nextCondLst>
-            </p:seq>
-          </p:childTnLst>
-        </p:cTn>
       </p:par>
     </p:tnLst>
   </p:timing>

--- a/DLR/KDahlby.201006.KCDC.DLR.pptx
+++ b/DLR/KDahlby.201006.KCDC.DLR.pptx
@@ -4150,7 +4150,7 @@
               <a:pPr>
                 <a:defRPr/>
               </a:pPr>
-              <a:t>6/19/2010</a:t>
+              <a:t>7/6/2010</a:t>
             </a:fld>
             <a:endParaRPr lang="en-US" dirty="0"/>
           </a:p>
@@ -6415,7 +6415,7 @@
                 </a:spcAft>
                 <a:defRPr/>
               </a:pPr>
-              <a:t>6/19/2010 10:03 AM</a:t>
+              <a:t>7/6/2010 12:38 PM</a:t>
             </a:fld>
             <a:endParaRPr lang="en-US"/>
           </a:p>
@@ -7522,7 +7522,7 @@
               <a:pPr>
                 <a:defRPr/>
               </a:pPr>
-              <a:t>6/19/2010</a:t>
+              <a:t>7/6/2010</a:t>
             </a:fld>
             <a:endParaRPr lang="en-US"/>
           </a:p>
@@ -7717,7 +7717,7 @@
               <a:pPr>
                 <a:defRPr/>
               </a:pPr>
-              <a:t>6/19/2010</a:t>
+              <a:t>7/6/2010</a:t>
             </a:fld>
             <a:endParaRPr lang="en-US" dirty="0"/>
           </a:p>
@@ -7922,7 +7922,7 @@
               <a:pPr>
                 <a:defRPr/>
               </a:pPr>
-              <a:t>6/19/2010</a:t>
+              <a:t>7/6/2010</a:t>
             </a:fld>
             <a:endParaRPr lang="en-US" dirty="0"/>
           </a:p>
@@ -8310,7 +8310,7 @@
               <a:pPr>
                 <a:defRPr/>
               </a:pPr>
-              <a:t>6/19/2010</a:t>
+              <a:t>7/6/2010</a:t>
             </a:fld>
             <a:endParaRPr lang="en-US" dirty="0"/>
           </a:p>
@@ -8582,7 +8582,7 @@
               <a:pPr>
                 <a:defRPr/>
               </a:pPr>
-              <a:t>6/19/2010</a:t>
+              <a:t>7/6/2010</a:t>
             </a:fld>
             <a:endParaRPr lang="en-US"/>
           </a:p>
@@ -8876,7 +8876,7 @@
               <a:pPr>
                 <a:defRPr/>
               </a:pPr>
-              <a:t>6/19/2010</a:t>
+              <a:t>7/6/2010</a:t>
             </a:fld>
             <a:endParaRPr lang="en-US" dirty="0"/>
           </a:p>
@@ -9284,7 +9284,7 @@
               <a:pPr>
                 <a:defRPr/>
               </a:pPr>
-              <a:t>6/19/2010</a:t>
+              <a:t>7/6/2010</a:t>
             </a:fld>
             <a:endParaRPr lang="en-US" dirty="0"/>
           </a:p>
@@ -9464,7 +9464,7 @@
               <a:pPr>
                 <a:defRPr/>
               </a:pPr>
-              <a:t>6/19/2010</a:t>
+              <a:t>7/6/2010</a:t>
             </a:fld>
             <a:endParaRPr lang="en-US" dirty="0"/>
           </a:p>
@@ -9584,7 +9584,7 @@
               <a:pPr>
                 <a:defRPr/>
               </a:pPr>
-              <a:t>6/19/2010</a:t>
+              <a:t>7/6/2010</a:t>
             </a:fld>
             <a:endParaRPr lang="en-US" dirty="0"/>
           </a:p>
@@ -9875,7 +9875,7 @@
               <a:pPr>
                 <a:defRPr/>
               </a:pPr>
-              <a:t>6/19/2010</a:t>
+              <a:t>7/6/2010</a:t>
             </a:fld>
             <a:endParaRPr lang="en-US" dirty="0"/>
           </a:p>
@@ -10520,7 +10520,7 @@
               <a:pPr>
                 <a:defRPr/>
               </a:pPr>
-              <a:t>6/19/2010</a:t>
+              <a:t>7/6/2010</a:t>
             </a:fld>
             <a:endParaRPr lang="en-US"/>
           </a:p>
@@ -11045,7 +11045,7 @@
               <a:pPr>
                 <a:defRPr/>
               </a:pPr>
-              <a:t>6/19/2010</a:t>
+              <a:t>7/6/2010</a:t>
             </a:fld>
             <a:endParaRPr lang="en-US" dirty="0"/>
           </a:p>
@@ -11933,7 +11933,7 @@
           <a:blip r:embed="rId5" cstate="print">
             <a:extLst>
               <a:ext uri="{28A0092B-C50C-407E-A947-70E740481C1C}">
-                <a14:useLocalDpi xmlns="" xmlns:a14="http://schemas.microsoft.com/office/drawing/2010/main" val="0"/>
+                <a14:useLocalDpi xmlns:a14="http://schemas.microsoft.com/office/drawing/2010/main" xmlns="" val="0"/>
               </a:ext>
             </a:extLst>
           </a:blip>
@@ -21096,7 +21096,7 @@
           <a:blip r:embed="rId2" cstate="print">
             <a:extLst>
               <a:ext uri="{28A0092B-C50C-407E-A947-70E740481C1C}">
-                <a14:useLocalDpi xmlns="" xmlns:a14="http://schemas.microsoft.com/office/drawing/2010/main" val="0"/>
+                <a14:useLocalDpi xmlns:a14="http://schemas.microsoft.com/office/drawing/2010/main" xmlns="" val="0"/>
               </a:ext>
             </a:extLst>
           </a:blip>
@@ -21116,7 +21116,7 @@
           <a:noFill/>
           <a:extLst>
             <a:ext uri="{909E8E84-426E-40DD-AFC4-6F175D3DCCD1}">
-              <a14:hiddenFill xmlns="" xmlns:a14="http://schemas.microsoft.com/office/drawing/2010/main">
+              <a14:hiddenFill xmlns:a14="http://schemas.microsoft.com/office/drawing/2010/main" xmlns="">
                 <a:solidFill>
                   <a:srgbClr val="FFFFFF"/>
                 </a:solidFill>
@@ -21137,7 +21137,7 @@
           <a:blip r:embed="rId3" cstate="print">
             <a:extLst>
               <a:ext uri="{28A0092B-C50C-407E-A947-70E740481C1C}">
-                <a14:useLocalDpi xmlns="" xmlns:a14="http://schemas.microsoft.com/office/drawing/2010/main" val="0"/>
+                <a14:useLocalDpi xmlns:a14="http://schemas.microsoft.com/office/drawing/2010/main" xmlns="" val="0"/>
               </a:ext>
             </a:extLst>
           </a:blip>
@@ -21167,7 +21167,7 @@
           <a:blip r:embed="rId4" cstate="print">
             <a:extLst>
               <a:ext uri="{28A0092B-C50C-407E-A947-70E740481C1C}">
-                <a14:useLocalDpi xmlns="" xmlns:a14="http://schemas.microsoft.com/office/drawing/2010/main" val="0"/>
+                <a14:useLocalDpi xmlns:a14="http://schemas.microsoft.com/office/drawing/2010/main" xmlns="" val="0"/>
               </a:ext>
             </a:extLst>
           </a:blip>
@@ -21361,7 +21361,7 @@
           <a:blip r:embed="rId5" cstate="print">
             <a:extLst>
               <a:ext uri="{28A0092B-C50C-407E-A947-70E740481C1C}">
-                <a14:useLocalDpi xmlns="" xmlns:a14="http://schemas.microsoft.com/office/drawing/2010/main" val="0"/>
+                <a14:useLocalDpi xmlns:a14="http://schemas.microsoft.com/office/drawing/2010/main" xmlns="" val="0"/>
               </a:ext>
             </a:extLst>
           </a:blip>
@@ -21381,7 +21381,7 @@
           <a:noFill/>
           <a:extLst>
             <a:ext uri="{909E8E84-426E-40DD-AFC4-6F175D3DCCD1}">
-              <a14:hiddenFill xmlns="" xmlns:a14="http://schemas.microsoft.com/office/drawing/2010/main">
+              <a14:hiddenFill xmlns:a14="http://schemas.microsoft.com/office/drawing/2010/main" xmlns="">
                 <a:solidFill>
                   <a:srgbClr val="FFFFFF"/>
                 </a:solidFill>
@@ -21448,7 +21448,7 @@
           <a:blip r:embed="rId6" cstate="print">
             <a:extLst>
               <a:ext uri="{28A0092B-C50C-407E-A947-70E740481C1C}">
-                <a14:useLocalDpi xmlns="" xmlns:a14="http://schemas.microsoft.com/office/drawing/2010/main" val="0"/>
+                <a14:useLocalDpi xmlns:a14="http://schemas.microsoft.com/office/drawing/2010/main" xmlns="" val="0"/>
               </a:ext>
             </a:extLst>
           </a:blip>
@@ -21468,7 +21468,7 @@
           <a:noFill/>
           <a:extLst>
             <a:ext uri="{909E8E84-426E-40DD-AFC4-6F175D3DCCD1}">
-              <a14:hiddenFill xmlns="" xmlns:a14="http://schemas.microsoft.com/office/drawing/2010/main">
+              <a14:hiddenFill xmlns:a14="http://schemas.microsoft.com/office/drawing/2010/main" xmlns="">
                 <a:solidFill>
                   <a:srgbClr val="FFFFFF"/>
                 </a:solidFill>
@@ -21559,7 +21559,7 @@
           <a:blip r:embed="rId7" cstate="print">
             <a:extLst>
               <a:ext uri="{28A0092B-C50C-407E-A947-70E740481C1C}">
-                <a14:useLocalDpi xmlns="" xmlns:a14="http://schemas.microsoft.com/office/drawing/2010/main" val="0"/>
+                <a14:useLocalDpi xmlns:a14="http://schemas.microsoft.com/office/drawing/2010/main" xmlns="" val="0"/>
               </a:ext>
             </a:extLst>
           </a:blip>
@@ -21589,7 +21589,7 @@
           <a:blip r:embed="rId8" cstate="print">
             <a:extLst>
               <a:ext uri="{28A0092B-C50C-407E-A947-70E740481C1C}">
-                <a14:useLocalDpi xmlns="" xmlns:a14="http://schemas.microsoft.com/office/drawing/2010/main" val="0"/>
+                <a14:useLocalDpi xmlns:a14="http://schemas.microsoft.com/office/drawing/2010/main" xmlns="" val="0"/>
               </a:ext>
             </a:extLst>
           </a:blip>
@@ -21627,7 +21627,7 @@
           <a:blip r:embed="rId9" cstate="print">
             <a:extLst>
               <a:ext uri="{28A0092B-C50C-407E-A947-70E740481C1C}">
-                <a14:useLocalDpi xmlns="" xmlns:a14="http://schemas.microsoft.com/office/drawing/2010/main" val="0"/>
+                <a14:useLocalDpi xmlns:a14="http://schemas.microsoft.com/office/drawing/2010/main" xmlns="" val="0"/>
               </a:ext>
             </a:extLst>
           </a:blip>
@@ -21657,7 +21657,7 @@
           <a:blip r:embed="rId10" cstate="print">
             <a:extLst>
               <a:ext uri="{28A0092B-C50C-407E-A947-70E740481C1C}">
-                <a14:useLocalDpi xmlns="" xmlns:a14="http://schemas.microsoft.com/office/drawing/2010/main" val="0"/>
+                <a14:useLocalDpi xmlns:a14="http://schemas.microsoft.com/office/drawing/2010/main" xmlns="" val="0"/>
               </a:ext>
             </a:extLst>
           </a:blip>
@@ -21677,7 +21677,7 @@
           <a:noFill/>
           <a:extLst>
             <a:ext uri="{909E8E84-426E-40DD-AFC4-6F175D3DCCD1}">
-              <a14:hiddenFill xmlns="" xmlns:a14="http://schemas.microsoft.com/office/drawing/2010/main">
+              <a14:hiddenFill xmlns:a14="http://schemas.microsoft.com/office/drawing/2010/main" xmlns="">
                 <a:solidFill>
                   <a:srgbClr val="FFFFFF"/>
                 </a:solidFill>
@@ -21689,7 +21689,7 @@
     </p:spTree>
     <p:extLst>
       <p:ext uri="{BB962C8B-B14F-4D97-AF65-F5344CB8AC3E}">
-        <p14:creationId xmlns="" xmlns:p14="http://schemas.microsoft.com/office/powerpoint/2010/main" val="4248424993"/>
+        <p14:creationId xmlns:p14="http://schemas.microsoft.com/office/powerpoint/2010/main" xmlns="" val="4248424993"/>
       </p:ext>
     </p:extLst>
   </p:cSld>
@@ -38349,11 +38349,7 @@
           <a:p>
             <a:r>
               <a:rPr lang="en-US" dirty="0" smtClean="0"/>
-              <a:t>C</a:t>
-            </a:r>
-            <a:r>
-              <a:rPr lang="en-US" dirty="0" smtClean="0"/>
-              <a:t># 3.0</a:t>
+              <a:t>C# 3.0</a:t>
             </a:r>
             <a:endParaRPr lang="en-US" dirty="0"/>
           </a:p>
@@ -38704,18 +38700,7 @@
                 <a:ea typeface="Calibri"/>
                 <a:cs typeface="Times New Roman"/>
               </a:rPr>
-              <a:t>v</a:t>
-            </a:r>
-            <a:r>
-              <a:rPr lang="en-US" dirty="0" err="1" smtClean="0">
-                <a:solidFill>
-                  <a:srgbClr val="0000FF"/>
-                </a:solidFill>
-                <a:latin typeface="Consolas" pitchFamily="49" charset="0"/>
-                <a:ea typeface="Calibri"/>
-                <a:cs typeface="Times New Roman"/>
-              </a:rPr>
-              <a:t>ar</a:t>
+              <a:t>var</a:t>
             </a:r>
             <a:r>
               <a:rPr lang="en-US" dirty="0" smtClean="0">
@@ -39149,15 +39134,7 @@
           <a:p>
             <a:r>
               <a:rPr lang="en-US" dirty="0" smtClean="0"/>
-              <a:t>C</a:t>
-            </a:r>
-            <a:r>
-              <a:rPr lang="en-US" dirty="0" smtClean="0"/>
-              <a:t># </a:t>
-            </a:r>
-            <a:r>
-              <a:rPr lang="en-US" dirty="0" smtClean="0"/>
-              <a:t>4</a:t>
+              <a:t>C# 4</a:t>
             </a:r>
             <a:endParaRPr lang="en-US" dirty="0"/>
           </a:p>
@@ -39508,18 +39485,7 @@
                 <a:ea typeface="Calibri"/>
                 <a:cs typeface="Times New Roman"/>
               </a:rPr>
-              <a:t>v</a:t>
-            </a:r>
-            <a:r>
-              <a:rPr lang="en-US" dirty="0" err="1" smtClean="0">
-                <a:solidFill>
-                  <a:srgbClr val="0000FF"/>
-                </a:solidFill>
-                <a:latin typeface="Consolas" pitchFamily="49" charset="0"/>
-                <a:ea typeface="Calibri"/>
-                <a:cs typeface="Times New Roman"/>
-              </a:rPr>
-              <a:t>ar</a:t>
+              <a:t>var</a:t>
             </a:r>
             <a:r>
               <a:rPr lang="en-US" dirty="0" smtClean="0">
@@ -39661,7 +39627,18 @@
                 <a:ea typeface="Calibri"/>
                 <a:cs typeface="Times New Roman"/>
               </a:rPr>
-              <a:t>Map.SetCenterAndZoom</a:t>
+              <a:t>m</a:t>
+            </a:r>
+            <a:r>
+              <a:rPr lang="en-US" dirty="0" err="1" smtClean="0">
+                <a:solidFill>
+                  <a:schemeClr val="tx1"/>
+                </a:solidFill>
+                <a:latin typeface="Consolas" pitchFamily="49" charset="0"/>
+                <a:ea typeface="Calibri"/>
+                <a:cs typeface="Times New Roman"/>
+              </a:rPr>
+              <a:t>ap.SetCenterAndZoom</a:t>
             </a:r>
             <a:r>
               <a:rPr lang="en-US" dirty="0" smtClean="0">
@@ -39672,7 +39649,18 @@
                 <a:ea typeface="Calibri"/>
                 <a:cs typeface="Times New Roman"/>
               </a:rPr>
-              <a:t>(loc, 7);</a:t>
+              <a:t>(loc</a:t>
+            </a:r>
+            <a:r>
+              <a:rPr lang="en-US" dirty="0" smtClean="0">
+                <a:solidFill>
+                  <a:schemeClr val="tx1"/>
+                </a:solidFill>
+                <a:latin typeface="Consolas" pitchFamily="49" charset="0"/>
+                <a:ea typeface="Calibri"/>
+                <a:cs typeface="Times New Roman"/>
+              </a:rPr>
+              <a:t>, 7);</a:t>
             </a:r>
             <a:endParaRPr lang="en-US" dirty="0">
               <a:solidFill>
